--- a/训练中心Logo设计方案.pptx
+++ b/训练中心Logo设计方案.pptx
@@ -106,6 +106,11 @@
       </a:defRPr>
     </a:lvl9pPr>
   </p:defaultTextStyle>
+  <p:extLst>
+    <p:ext uri="{EFAFB233-063F-42B5-8137-9DF3F51BA10A}">
+      <p15:sldGuideLst xmlns:p15="http://schemas.microsoft.com/office/powerpoint/2012/main"/>
+    </p:ext>
+  </p:extLst>
 </p:presentation>
 </file>
 
@@ -240,7 +245,7 @@
           <a:p>
             <a:fld id="{4B011D7B-EF54-4202-B112-0D1322A2F053}" type="datetimeFigureOut">
               <a:rPr lang="zh-CN" altLang="en-US" smtClean="0"/>
-              <a:t>2014/6/5</a:t>
+              <a:t>2014/6/9</a:t>
             </a:fld>
             <a:endParaRPr lang="zh-CN" altLang="en-US"/>
           </a:p>
@@ -410,7 +415,7 @@
           <a:p>
             <a:fld id="{4B011D7B-EF54-4202-B112-0D1322A2F053}" type="datetimeFigureOut">
               <a:rPr lang="zh-CN" altLang="en-US" smtClean="0"/>
-              <a:t>2014/6/5</a:t>
+              <a:t>2014/6/9</a:t>
             </a:fld>
             <a:endParaRPr lang="zh-CN" altLang="en-US"/>
           </a:p>
@@ -590,7 +595,7 @@
           <a:p>
             <a:fld id="{4B011D7B-EF54-4202-B112-0D1322A2F053}" type="datetimeFigureOut">
               <a:rPr lang="zh-CN" altLang="en-US" smtClean="0"/>
-              <a:t>2014/6/5</a:t>
+              <a:t>2014/6/9</a:t>
             </a:fld>
             <a:endParaRPr lang="zh-CN" altLang="en-US"/>
           </a:p>
@@ -760,7 +765,7 @@
           <a:p>
             <a:fld id="{4B011D7B-EF54-4202-B112-0D1322A2F053}" type="datetimeFigureOut">
               <a:rPr lang="zh-CN" altLang="en-US" smtClean="0"/>
-              <a:t>2014/6/5</a:t>
+              <a:t>2014/6/9</a:t>
             </a:fld>
             <a:endParaRPr lang="zh-CN" altLang="en-US"/>
           </a:p>
@@ -1006,7 +1011,7 @@
           <a:p>
             <a:fld id="{4B011D7B-EF54-4202-B112-0D1322A2F053}" type="datetimeFigureOut">
               <a:rPr lang="zh-CN" altLang="en-US" smtClean="0"/>
-              <a:t>2014/6/5</a:t>
+              <a:t>2014/6/9</a:t>
             </a:fld>
             <a:endParaRPr lang="zh-CN" altLang="en-US"/>
           </a:p>
@@ -1238,7 +1243,7 @@
           <a:p>
             <a:fld id="{4B011D7B-EF54-4202-B112-0D1322A2F053}" type="datetimeFigureOut">
               <a:rPr lang="zh-CN" altLang="en-US" smtClean="0"/>
-              <a:t>2014/6/5</a:t>
+              <a:t>2014/6/9</a:t>
             </a:fld>
             <a:endParaRPr lang="zh-CN" altLang="en-US"/>
           </a:p>
@@ -1605,7 +1610,7 @@
           <a:p>
             <a:fld id="{4B011D7B-EF54-4202-B112-0D1322A2F053}" type="datetimeFigureOut">
               <a:rPr lang="zh-CN" altLang="en-US" smtClean="0"/>
-              <a:t>2014/6/5</a:t>
+              <a:t>2014/6/9</a:t>
             </a:fld>
             <a:endParaRPr lang="zh-CN" altLang="en-US"/>
           </a:p>
@@ -1723,7 +1728,7 @@
           <a:p>
             <a:fld id="{4B011D7B-EF54-4202-B112-0D1322A2F053}" type="datetimeFigureOut">
               <a:rPr lang="zh-CN" altLang="en-US" smtClean="0"/>
-              <a:t>2014/6/5</a:t>
+              <a:t>2014/6/9</a:t>
             </a:fld>
             <a:endParaRPr lang="zh-CN" altLang="en-US"/>
           </a:p>
@@ -1818,7 +1823,7 @@
           <a:p>
             <a:fld id="{4B011D7B-EF54-4202-B112-0D1322A2F053}" type="datetimeFigureOut">
               <a:rPr lang="zh-CN" altLang="en-US" smtClean="0"/>
-              <a:t>2014/6/5</a:t>
+              <a:t>2014/6/9</a:t>
             </a:fld>
             <a:endParaRPr lang="zh-CN" altLang="en-US"/>
           </a:p>
@@ -2095,7 +2100,7 @@
           <a:p>
             <a:fld id="{4B011D7B-EF54-4202-B112-0D1322A2F053}" type="datetimeFigureOut">
               <a:rPr lang="zh-CN" altLang="en-US" smtClean="0"/>
-              <a:t>2014/6/5</a:t>
+              <a:t>2014/6/9</a:t>
             </a:fld>
             <a:endParaRPr lang="zh-CN" altLang="en-US"/>
           </a:p>
@@ -2348,7 +2353,7 @@
           <a:p>
             <a:fld id="{4B011D7B-EF54-4202-B112-0D1322A2F053}" type="datetimeFigureOut">
               <a:rPr lang="zh-CN" altLang="en-US" smtClean="0"/>
-              <a:t>2014/6/5</a:t>
+              <a:t>2014/6/9</a:t>
             </a:fld>
             <a:endParaRPr lang="zh-CN" altLang="en-US"/>
           </a:p>
@@ -2561,7 +2566,7 @@
           <a:p>
             <a:fld id="{4B011D7B-EF54-4202-B112-0D1322A2F053}" type="datetimeFigureOut">
               <a:rPr lang="zh-CN" altLang="en-US" smtClean="0"/>
-              <a:t>2014/6/5</a:t>
+              <a:t>2014/6/9</a:t>
             </a:fld>
             <a:endParaRPr lang="zh-CN" altLang="en-US"/>
           </a:p>
@@ -2968,94 +2973,1710 @@
       </p:grpSpPr>
       <p:grpSp>
         <p:nvGrpSpPr>
-          <p:cNvPr id="14" name="Group 13"/>
+          <p:cNvPr id="81" name="Group 80"/>
           <p:cNvGrpSpPr/>
           <p:nvPr/>
         </p:nvGrpSpPr>
         <p:grpSpPr>
           <a:xfrm>
-            <a:off x="956851" y="1005384"/>
-            <a:ext cx="4631720" cy="4223566"/>
-            <a:chOff x="5825065" y="2512212"/>
-            <a:chExt cx="4631720" cy="4223566"/>
+            <a:off x="956849" y="753384"/>
+            <a:ext cx="3600002" cy="4475566"/>
+            <a:chOff x="956849" y="753384"/>
+            <a:chExt cx="3600002" cy="4475566"/>
           </a:xfrm>
         </p:grpSpPr>
+        <p:sp>
+          <p:nvSpPr>
+            <p:cNvPr id="5" name="Rectangle 4"/>
+            <p:cNvSpPr>
+              <a:spLocks/>
+            </p:cNvSpPr>
+            <p:nvPr/>
+          </p:nvSpPr>
+          <p:spPr>
+            <a:xfrm>
+              <a:off x="956851" y="1005384"/>
+              <a:ext cx="3600000" cy="3744000"/>
+            </a:xfrm>
+            <a:prstGeom prst="rect">
+              <a:avLst/>
+            </a:prstGeom>
+            <a:solidFill>
+              <a:srgbClr val="7030A0"/>
+            </a:solidFill>
+            <a:ln>
+              <a:noFill/>
+            </a:ln>
+          </p:spPr>
+          <p:style>
+            <a:lnRef idx="2">
+              <a:schemeClr val="accent1">
+                <a:shade val="50000"/>
+              </a:schemeClr>
+            </a:lnRef>
+            <a:fillRef idx="1">
+              <a:schemeClr val="accent1"/>
+            </a:fillRef>
+            <a:effectRef idx="0">
+              <a:schemeClr val="accent1"/>
+            </a:effectRef>
+            <a:fontRef idx="minor">
+              <a:schemeClr val="lt1"/>
+            </a:fontRef>
+          </p:style>
+          <p:txBody>
+            <a:bodyPr rtlCol="0" anchor="ctr"/>
+            <a:lstStyle/>
+            <a:p>
+              <a:pPr algn="ctr"/>
+              <a:endParaRPr lang="zh-CN" altLang="en-US"/>
+            </a:p>
+          </p:txBody>
+        </p:sp>
         <p:grpSp>
           <p:nvGrpSpPr>
-            <p:cNvPr id="13" name="Group 12"/>
-            <p:cNvGrpSpPr>
-              <a:grpSpLocks noChangeAspect="1"/>
-            </p:cNvGrpSpPr>
+            <p:cNvPr id="80" name="Group 79"/>
+            <p:cNvGrpSpPr/>
             <p:nvPr/>
           </p:nvGrpSpPr>
           <p:grpSpPr>
             <a:xfrm>
-              <a:off x="5825065" y="2512212"/>
-              <a:ext cx="3600000" cy="3744000"/>
-              <a:chOff x="5825065" y="2512212"/>
-              <a:chExt cx="1800000" cy="1872000"/>
+              <a:off x="1738184" y="1005384"/>
+              <a:ext cx="2669668" cy="4223566"/>
+              <a:chOff x="1568851" y="1005384"/>
+              <a:chExt cx="2669668" cy="4223566"/>
             </a:xfrm>
           </p:grpSpPr>
           <p:sp>
             <p:nvSpPr>
-              <p:cNvPr id="5" name="Rectangle 4"/>
-              <p:cNvSpPr>
-                <a:spLocks/>
-              </p:cNvSpPr>
+              <p:cNvPr id="4" name="TextBox 3"/>
+              <p:cNvSpPr txBox="1"/>
               <p:nvPr/>
             </p:nvSpPr>
             <p:spPr>
               <a:xfrm>
-                <a:off x="5825065" y="2512212"/>
-                <a:ext cx="1800000" cy="1872000"/>
+                <a:off x="1943851" y="3782400"/>
+                <a:ext cx="2294668" cy="1446550"/>
               </a:xfrm>
               <a:prstGeom prst="rect">
                 <a:avLst/>
               </a:prstGeom>
-              <a:solidFill>
-                <a:srgbClr val="7030A0"/>
-              </a:solidFill>
-              <a:ln>
-                <a:noFill/>
-              </a:ln>
+              <a:noFill/>
             </p:spPr>
-            <p:style>
-              <a:lnRef idx="2">
-                <a:schemeClr val="accent1">
-                  <a:shade val="50000"/>
-                </a:schemeClr>
-              </a:lnRef>
-              <a:fillRef idx="1">
-                <a:schemeClr val="accent1"/>
-              </a:fillRef>
-              <a:effectRef idx="0">
-                <a:schemeClr val="accent1"/>
-              </a:effectRef>
-              <a:fontRef idx="minor">
-                <a:schemeClr val="lt1"/>
-              </a:fontRef>
-            </p:style>
             <p:txBody>
-              <a:bodyPr rtlCol="0" anchor="ctr"/>
+              <a:bodyPr wrap="square" rtlCol="0">
+                <a:spAutoFit/>
+              </a:bodyPr>
               <a:lstStyle/>
               <a:p>
-                <a:pPr algn="ctr"/>
-                <a:endParaRPr lang="zh-CN" altLang="en-US"/>
+                <a:r>
+                  <a:rPr lang="en-US" altLang="zh-CN" sz="8800" dirty="0" smtClean="0">
+                    <a:solidFill>
+                      <a:schemeClr val="bg1"/>
+                    </a:solidFill>
+                    <a:latin typeface="Aharoni" panose="02010803020104030203" pitchFamily="2" charset="-79"/>
+                    <a:cs typeface="Aharoni" panose="02010803020104030203" pitchFamily="2" charset="-79"/>
+                  </a:rPr>
+                  <a:t>FITC</a:t>
+                </a:r>
+                <a:endParaRPr lang="zh-CN" altLang="en-US" sz="8800" dirty="0">
+                  <a:solidFill>
+                    <a:schemeClr val="bg1"/>
+                  </a:solidFill>
+                  <a:latin typeface="Aharoni" panose="02010803020104030203" pitchFamily="2" charset="-79"/>
+                  <a:cs typeface="Aharoni" panose="02010803020104030203" pitchFamily="2" charset="-79"/>
+                </a:endParaRPr>
               </a:p>
             </p:txBody>
           </p:sp>
+          <p:grpSp>
+            <p:nvGrpSpPr>
+              <p:cNvPr id="79" name="Group 78"/>
+              <p:cNvGrpSpPr/>
+              <p:nvPr/>
+            </p:nvGrpSpPr>
+            <p:grpSpPr>
+              <a:xfrm>
+                <a:off x="1568851" y="1005384"/>
+                <a:ext cx="2376000" cy="4018016"/>
+                <a:chOff x="1568851" y="1005384"/>
+                <a:chExt cx="2376000" cy="4018016"/>
+              </a:xfrm>
+            </p:grpSpPr>
+            <p:sp>
+              <p:nvSpPr>
+                <p:cNvPr id="7" name="Oval 6"/>
+                <p:cNvSpPr/>
+                <p:nvPr/>
+              </p:nvSpPr>
+              <p:spPr>
+                <a:xfrm>
+                  <a:off x="2612851" y="3696525"/>
+                  <a:ext cx="288000" cy="288000"/>
+                </a:xfrm>
+                <a:prstGeom prst="ellipse">
+                  <a:avLst/>
+                </a:prstGeom>
+                <a:solidFill>
+                  <a:schemeClr val="bg1"/>
+                </a:solidFill>
+                <a:ln>
+                  <a:noFill/>
+                </a:ln>
+              </p:spPr>
+              <p:style>
+                <a:lnRef idx="2">
+                  <a:schemeClr val="accent1">
+                    <a:shade val="50000"/>
+                  </a:schemeClr>
+                </a:lnRef>
+                <a:fillRef idx="1">
+                  <a:schemeClr val="accent1"/>
+                </a:fillRef>
+                <a:effectRef idx="0">
+                  <a:schemeClr val="accent1"/>
+                </a:effectRef>
+                <a:fontRef idx="minor">
+                  <a:schemeClr val="lt1"/>
+                </a:fontRef>
+              </p:style>
+              <p:txBody>
+                <a:bodyPr rtlCol="0" anchor="ctr"/>
+                <a:lstStyle/>
+                <a:p>
+                  <a:pPr algn="ctr"/>
+                  <a:endParaRPr lang="zh-CN" altLang="en-US"/>
+                </a:p>
+              </p:txBody>
+            </p:sp>
+            <p:grpSp>
+              <p:nvGrpSpPr>
+                <p:cNvPr id="12" name="Group 11"/>
+                <p:cNvGrpSpPr/>
+                <p:nvPr/>
+              </p:nvGrpSpPr>
+              <p:grpSpPr>
+                <a:xfrm>
+                  <a:off x="2180851" y="1005384"/>
+                  <a:ext cx="1152000" cy="2551904"/>
+                  <a:chOff x="6301268" y="2270130"/>
+                  <a:chExt cx="576000" cy="1275952"/>
+                </a:xfrm>
+              </p:grpSpPr>
+              <p:sp>
+                <p:nvSpPr>
+                  <p:cNvPr id="6" name="Rectangle 5"/>
+                  <p:cNvSpPr/>
+                  <p:nvPr/>
+                </p:nvSpPr>
+                <p:spPr>
+                  <a:xfrm>
+                    <a:off x="6301268" y="2270130"/>
+                    <a:ext cx="576000" cy="72000"/>
+                  </a:xfrm>
+                  <a:prstGeom prst="rect">
+                    <a:avLst/>
+                  </a:prstGeom>
+                  <a:solidFill>
+                    <a:schemeClr val="bg1"/>
+                  </a:solidFill>
+                  <a:ln>
+                    <a:noFill/>
+                  </a:ln>
+                </p:spPr>
+                <p:style>
+                  <a:lnRef idx="2">
+                    <a:schemeClr val="accent1">
+                      <a:shade val="50000"/>
+                    </a:schemeClr>
+                  </a:lnRef>
+                  <a:fillRef idx="1">
+                    <a:schemeClr val="accent1"/>
+                  </a:fillRef>
+                  <a:effectRef idx="0">
+                    <a:schemeClr val="accent1"/>
+                  </a:effectRef>
+                  <a:fontRef idx="minor">
+                    <a:schemeClr val="lt1"/>
+                  </a:fontRef>
+                </p:style>
+                <p:txBody>
+                  <a:bodyPr rtlCol="0" anchor="ctr"/>
+                  <a:lstStyle/>
+                  <a:p>
+                    <a:pPr algn="ctr"/>
+                    <a:endParaRPr lang="zh-CN" altLang="en-US"/>
+                  </a:p>
+                </p:txBody>
+              </p:sp>
+              <p:sp>
+                <p:nvSpPr>
+                  <p:cNvPr id="8" name="Rectangle 7"/>
+                  <p:cNvSpPr>
+                    <a:spLocks noChangeAspect="1"/>
+                  </p:cNvSpPr>
+                  <p:nvPr/>
+                </p:nvSpPr>
+                <p:spPr>
+                  <a:xfrm>
+                    <a:off x="6301268" y="2411306"/>
+                    <a:ext cx="576000" cy="345600"/>
+                  </a:xfrm>
+                  <a:prstGeom prst="rect">
+                    <a:avLst/>
+                  </a:prstGeom>
+                  <a:solidFill>
+                    <a:schemeClr val="bg1"/>
+                  </a:solidFill>
+                  <a:ln>
+                    <a:noFill/>
+                  </a:ln>
+                </p:spPr>
+                <p:style>
+                  <a:lnRef idx="2">
+                    <a:schemeClr val="accent1">
+                      <a:shade val="50000"/>
+                    </a:schemeClr>
+                  </a:lnRef>
+                  <a:fillRef idx="1">
+                    <a:schemeClr val="accent1"/>
+                  </a:fillRef>
+                  <a:effectRef idx="0">
+                    <a:schemeClr val="accent1"/>
+                  </a:effectRef>
+                  <a:fontRef idx="minor">
+                    <a:schemeClr val="lt1"/>
+                  </a:fontRef>
+                </p:style>
+                <p:txBody>
+                  <a:bodyPr rtlCol="0" anchor="ctr"/>
+                  <a:lstStyle/>
+                  <a:p>
+                    <a:pPr algn="ctr"/>
+                    <a:endParaRPr lang="zh-CN" altLang="en-US"/>
+                  </a:p>
+                </p:txBody>
+              </p:sp>
+              <p:sp>
+                <p:nvSpPr>
+                  <p:cNvPr id="10" name="Isosceles Triangle 9"/>
+                  <p:cNvSpPr>
+                    <a:spLocks noChangeAspect="1"/>
+                  </p:cNvSpPr>
+                  <p:nvPr/>
+                </p:nvSpPr>
+                <p:spPr>
+                  <a:xfrm flipV="1">
+                    <a:off x="6373268" y="2826082"/>
+                    <a:ext cx="432000" cy="720000"/>
+                  </a:xfrm>
+                  <a:prstGeom prst="triangle">
+                    <a:avLst/>
+                  </a:prstGeom>
+                  <a:solidFill>
+                    <a:schemeClr val="bg1"/>
+                  </a:solidFill>
+                  <a:ln>
+                    <a:noFill/>
+                  </a:ln>
+                </p:spPr>
+                <p:style>
+                  <a:lnRef idx="2">
+                    <a:schemeClr val="accent1">
+                      <a:shade val="50000"/>
+                    </a:schemeClr>
+                  </a:lnRef>
+                  <a:fillRef idx="1">
+                    <a:schemeClr val="accent1"/>
+                  </a:fillRef>
+                  <a:effectRef idx="0">
+                    <a:schemeClr val="accent1"/>
+                  </a:effectRef>
+                  <a:fontRef idx="minor">
+                    <a:schemeClr val="lt1"/>
+                  </a:fontRef>
+                </p:style>
+                <p:txBody>
+                  <a:bodyPr rtlCol="0" anchor="ctr"/>
+                  <a:lstStyle/>
+                  <a:p>
+                    <a:pPr algn="ctr"/>
+                    <a:endParaRPr lang="zh-CN" altLang="en-US"/>
+                  </a:p>
+                </p:txBody>
+              </p:sp>
+            </p:grpSp>
+            <p:sp>
+              <p:nvSpPr>
+                <p:cNvPr id="2" name="Arc 1"/>
+                <p:cNvSpPr>
+                  <a:spLocks noChangeAspect="1"/>
+                </p:cNvSpPr>
+                <p:nvPr/>
+              </p:nvSpPr>
+              <p:spPr>
+                <a:xfrm>
+                  <a:off x="1838851" y="2922525"/>
+                  <a:ext cx="1836000" cy="1836000"/>
+                </a:xfrm>
+                <a:prstGeom prst="arc">
+                  <a:avLst>
+                    <a:gd name="adj1" fmla="val 14502741"/>
+                    <a:gd name="adj2" fmla="val 17852999"/>
+                  </a:avLst>
+                </a:prstGeom>
+                <a:ln w="152400">
+                  <a:solidFill>
+                    <a:srgbClr val="7030A0"/>
+                  </a:solidFill>
+                </a:ln>
+              </p:spPr>
+              <p:style>
+                <a:lnRef idx="1">
+                  <a:schemeClr val="accent1"/>
+                </a:lnRef>
+                <a:fillRef idx="0">
+                  <a:schemeClr val="accent1"/>
+                </a:fillRef>
+                <a:effectRef idx="0">
+                  <a:schemeClr val="accent1"/>
+                </a:effectRef>
+                <a:fontRef idx="minor">
+                  <a:schemeClr val="tx1"/>
+                </a:fontRef>
+              </p:style>
+              <p:txBody>
+                <a:bodyPr rtlCol="0" anchor="ctr"/>
+                <a:lstStyle/>
+                <a:p>
+                  <a:pPr algn="ctr"/>
+                  <a:endParaRPr lang="zh-CN" altLang="en-US"/>
+                </a:p>
+              </p:txBody>
+            </p:sp>
+            <p:sp>
+              <p:nvSpPr>
+                <p:cNvPr id="19" name="Arc 18"/>
+                <p:cNvSpPr>
+                  <a:spLocks noChangeAspect="1"/>
+                </p:cNvSpPr>
+                <p:nvPr/>
+              </p:nvSpPr>
+              <p:spPr>
+                <a:xfrm>
+                  <a:off x="2216851" y="3205400"/>
+                  <a:ext cx="1080000" cy="1260000"/>
+                </a:xfrm>
+                <a:prstGeom prst="arc">
+                  <a:avLst>
+                    <a:gd name="adj1" fmla="val 14502741"/>
+                    <a:gd name="adj2" fmla="val 17852999"/>
+                  </a:avLst>
+                </a:prstGeom>
+                <a:ln w="152400">
+                  <a:solidFill>
+                    <a:srgbClr val="7030A0"/>
+                  </a:solidFill>
+                </a:ln>
+              </p:spPr>
+              <p:style>
+                <a:lnRef idx="1">
+                  <a:schemeClr val="accent1"/>
+                </a:lnRef>
+                <a:fillRef idx="0">
+                  <a:schemeClr val="accent1"/>
+                </a:fillRef>
+                <a:effectRef idx="0">
+                  <a:schemeClr val="accent1"/>
+                </a:effectRef>
+                <a:fontRef idx="minor">
+                  <a:schemeClr val="tx1"/>
+                </a:fontRef>
+              </p:style>
+              <p:txBody>
+                <a:bodyPr rtlCol="0" anchor="ctr"/>
+                <a:lstStyle/>
+                <a:p>
+                  <a:pPr algn="ctr"/>
+                  <a:endParaRPr lang="zh-CN" altLang="en-US"/>
+                </a:p>
+              </p:txBody>
+            </p:sp>
+            <p:sp>
+              <p:nvSpPr>
+                <p:cNvPr id="20" name="Arc 19"/>
+                <p:cNvSpPr>
+                  <a:spLocks noChangeAspect="1"/>
+                </p:cNvSpPr>
+                <p:nvPr/>
+              </p:nvSpPr>
+              <p:spPr>
+                <a:xfrm>
+                  <a:off x="1568851" y="2647400"/>
+                  <a:ext cx="2376000" cy="2376000"/>
+                </a:xfrm>
+                <a:prstGeom prst="arc">
+                  <a:avLst>
+                    <a:gd name="adj1" fmla="val 14502741"/>
+                    <a:gd name="adj2" fmla="val 17852999"/>
+                  </a:avLst>
+                </a:prstGeom>
+                <a:ln w="152400">
+                  <a:solidFill>
+                    <a:srgbClr val="7030A0"/>
+                  </a:solidFill>
+                </a:ln>
+              </p:spPr>
+              <p:style>
+                <a:lnRef idx="1">
+                  <a:schemeClr val="accent1"/>
+                </a:lnRef>
+                <a:fillRef idx="0">
+                  <a:schemeClr val="accent1"/>
+                </a:fillRef>
+                <a:effectRef idx="0">
+                  <a:schemeClr val="accent1"/>
+                </a:effectRef>
+                <a:fontRef idx="minor">
+                  <a:schemeClr val="tx1"/>
+                </a:fontRef>
+              </p:style>
+              <p:txBody>
+                <a:bodyPr rtlCol="0" anchor="ctr"/>
+                <a:lstStyle/>
+                <a:p>
+                  <a:pPr algn="ctr"/>
+                  <a:endParaRPr lang="zh-CN" altLang="en-US"/>
+                </a:p>
+              </p:txBody>
+            </p:sp>
+          </p:grpSp>
+        </p:grpSp>
+        <p:grpSp>
+          <p:nvGrpSpPr>
+            <p:cNvPr id="76" name="Group 75"/>
+            <p:cNvGrpSpPr/>
+            <p:nvPr/>
+          </p:nvGrpSpPr>
+          <p:grpSpPr>
+            <a:xfrm>
+              <a:off x="956849" y="753384"/>
+              <a:ext cx="329670" cy="4253640"/>
+              <a:chOff x="956849" y="753384"/>
+              <a:chExt cx="329670" cy="4253640"/>
+            </a:xfrm>
+          </p:grpSpPr>
+          <p:grpSp>
+            <p:nvGrpSpPr>
+              <p:cNvPr id="65" name="Group 64"/>
+              <p:cNvGrpSpPr/>
+              <p:nvPr/>
+            </p:nvGrpSpPr>
+            <p:grpSpPr>
+              <a:xfrm>
+                <a:off x="956851" y="1005384"/>
+                <a:ext cx="329668" cy="3744000"/>
+                <a:chOff x="956851" y="660914"/>
+                <a:chExt cx="360000" cy="4088470"/>
+              </a:xfrm>
+            </p:grpSpPr>
+            <p:grpSp>
+              <p:nvGrpSpPr>
+                <p:cNvPr id="37" name="Group 36"/>
+                <p:cNvGrpSpPr>
+                  <a:grpSpLocks noChangeAspect="1"/>
+                </p:cNvGrpSpPr>
+                <p:nvPr/>
+              </p:nvGrpSpPr>
+              <p:grpSpPr>
+                <a:xfrm rot="10800000">
+                  <a:off x="956851" y="3683171"/>
+                  <a:ext cx="360000" cy="1066213"/>
+                  <a:chOff x="6439437" y="603736"/>
+                  <a:chExt cx="1800000" cy="5331066"/>
+                </a:xfrm>
+              </p:grpSpPr>
+              <p:cxnSp>
+                <p:nvCxnSpPr>
+                  <p:cNvPr id="11" name="Straight Connector 10"/>
+                  <p:cNvCxnSpPr/>
+                  <p:nvPr/>
+                </p:nvCxnSpPr>
+                <p:spPr>
+                  <a:xfrm>
+                    <a:off x="6439437" y="603736"/>
+                    <a:ext cx="1800000" cy="360000"/>
+                  </a:xfrm>
+                  <a:prstGeom prst="line">
+                    <a:avLst/>
+                  </a:prstGeom>
+                  <a:ln w="38100" cap="rnd">
+                    <a:solidFill>
+                      <a:schemeClr val="bg1"/>
+                    </a:solidFill>
+                    <a:round/>
+                  </a:ln>
+                </p:spPr>
+                <p:style>
+                  <a:lnRef idx="1">
+                    <a:schemeClr val="accent1"/>
+                  </a:lnRef>
+                  <a:fillRef idx="0">
+                    <a:schemeClr val="accent1"/>
+                  </a:fillRef>
+                  <a:effectRef idx="0">
+                    <a:schemeClr val="accent1"/>
+                  </a:effectRef>
+                  <a:fontRef idx="minor">
+                    <a:schemeClr val="tx1"/>
+                  </a:fontRef>
+                </p:style>
+              </p:cxnSp>
+              <p:cxnSp>
+                <p:nvCxnSpPr>
+                  <p:cNvPr id="24" name="Straight Connector 23"/>
+                  <p:cNvCxnSpPr/>
+                  <p:nvPr/>
+                </p:nvCxnSpPr>
+                <p:spPr>
+                  <a:xfrm>
+                    <a:off x="8239437" y="963736"/>
+                    <a:ext cx="0" cy="973552"/>
+                  </a:xfrm>
+                  <a:prstGeom prst="line">
+                    <a:avLst/>
+                  </a:prstGeom>
+                  <a:ln w="38100" cap="rnd">
+                    <a:solidFill>
+                      <a:schemeClr val="bg1"/>
+                    </a:solidFill>
+                    <a:round/>
+                  </a:ln>
+                </p:spPr>
+                <p:style>
+                  <a:lnRef idx="1">
+                    <a:schemeClr val="accent1"/>
+                  </a:lnRef>
+                  <a:fillRef idx="0">
+                    <a:schemeClr val="accent1"/>
+                  </a:fillRef>
+                  <a:effectRef idx="0">
+                    <a:schemeClr val="accent1"/>
+                  </a:effectRef>
+                  <a:fontRef idx="minor">
+                    <a:schemeClr val="tx1"/>
+                  </a:fontRef>
+                </p:style>
+              </p:cxnSp>
+              <p:cxnSp>
+                <p:nvCxnSpPr>
+                  <p:cNvPr id="31" name="Straight Connector 30"/>
+                  <p:cNvCxnSpPr/>
+                  <p:nvPr/>
+                </p:nvCxnSpPr>
+                <p:spPr>
+                  <a:xfrm flipV="1">
+                    <a:off x="6439437" y="1937288"/>
+                    <a:ext cx="1800000" cy="360000"/>
+                  </a:xfrm>
+                  <a:prstGeom prst="line">
+                    <a:avLst/>
+                  </a:prstGeom>
+                  <a:ln w="38100" cap="rnd">
+                    <a:solidFill>
+                      <a:schemeClr val="bg1"/>
+                    </a:solidFill>
+                    <a:round/>
+                  </a:ln>
+                </p:spPr>
+                <p:style>
+                  <a:lnRef idx="1">
+                    <a:schemeClr val="accent1"/>
+                  </a:lnRef>
+                  <a:fillRef idx="0">
+                    <a:schemeClr val="accent1"/>
+                  </a:fillRef>
+                  <a:effectRef idx="0">
+                    <a:schemeClr val="accent1"/>
+                  </a:effectRef>
+                  <a:fontRef idx="minor">
+                    <a:schemeClr val="tx1"/>
+                  </a:fontRef>
+                </p:style>
+              </p:cxnSp>
+              <p:cxnSp>
+                <p:nvCxnSpPr>
+                  <p:cNvPr id="32" name="Straight Connector 31"/>
+                  <p:cNvCxnSpPr/>
+                  <p:nvPr/>
+                </p:nvCxnSpPr>
+                <p:spPr>
+                  <a:xfrm>
+                    <a:off x="6439437" y="2297288"/>
+                    <a:ext cx="0" cy="973552"/>
+                  </a:xfrm>
+                  <a:prstGeom prst="line">
+                    <a:avLst/>
+                  </a:prstGeom>
+                  <a:ln w="38100" cap="rnd">
+                    <a:solidFill>
+                      <a:schemeClr val="bg1"/>
+                    </a:solidFill>
+                    <a:round/>
+                  </a:ln>
+                </p:spPr>
+                <p:style>
+                  <a:lnRef idx="1">
+                    <a:schemeClr val="accent1"/>
+                  </a:lnRef>
+                  <a:fillRef idx="0">
+                    <a:schemeClr val="accent1"/>
+                  </a:fillRef>
+                  <a:effectRef idx="0">
+                    <a:schemeClr val="accent1"/>
+                  </a:effectRef>
+                  <a:fontRef idx="minor">
+                    <a:schemeClr val="tx1"/>
+                  </a:fontRef>
+                </p:style>
+              </p:cxnSp>
+              <p:cxnSp>
+                <p:nvCxnSpPr>
+                  <p:cNvPr id="33" name="Straight Connector 32"/>
+                  <p:cNvCxnSpPr/>
+                  <p:nvPr/>
+                </p:nvCxnSpPr>
+                <p:spPr>
+                  <a:xfrm>
+                    <a:off x="6439437" y="3269269"/>
+                    <a:ext cx="1800000" cy="360000"/>
+                  </a:xfrm>
+                  <a:prstGeom prst="line">
+                    <a:avLst/>
+                  </a:prstGeom>
+                  <a:ln w="38100" cap="rnd">
+                    <a:solidFill>
+                      <a:schemeClr val="bg1"/>
+                    </a:solidFill>
+                    <a:round/>
+                  </a:ln>
+                </p:spPr>
+                <p:style>
+                  <a:lnRef idx="1">
+                    <a:schemeClr val="accent1"/>
+                  </a:lnRef>
+                  <a:fillRef idx="0">
+                    <a:schemeClr val="accent1"/>
+                  </a:fillRef>
+                  <a:effectRef idx="0">
+                    <a:schemeClr val="accent1"/>
+                  </a:effectRef>
+                  <a:fontRef idx="minor">
+                    <a:schemeClr val="tx1"/>
+                  </a:fontRef>
+                </p:style>
+              </p:cxnSp>
+              <p:cxnSp>
+                <p:nvCxnSpPr>
+                  <p:cNvPr id="34" name="Straight Connector 33"/>
+                  <p:cNvCxnSpPr/>
+                  <p:nvPr/>
+                </p:nvCxnSpPr>
+                <p:spPr>
+                  <a:xfrm>
+                    <a:off x="8239437" y="3629269"/>
+                    <a:ext cx="0" cy="973552"/>
+                  </a:xfrm>
+                  <a:prstGeom prst="line">
+                    <a:avLst/>
+                  </a:prstGeom>
+                  <a:ln w="38100" cap="rnd">
+                    <a:solidFill>
+                      <a:schemeClr val="bg1"/>
+                    </a:solidFill>
+                    <a:round/>
+                  </a:ln>
+                </p:spPr>
+                <p:style>
+                  <a:lnRef idx="1">
+                    <a:schemeClr val="accent1"/>
+                  </a:lnRef>
+                  <a:fillRef idx="0">
+                    <a:schemeClr val="accent1"/>
+                  </a:fillRef>
+                  <a:effectRef idx="0">
+                    <a:schemeClr val="accent1"/>
+                  </a:effectRef>
+                  <a:fontRef idx="minor">
+                    <a:schemeClr val="tx1"/>
+                  </a:fontRef>
+                </p:style>
+              </p:cxnSp>
+              <p:cxnSp>
+                <p:nvCxnSpPr>
+                  <p:cNvPr id="35" name="Straight Connector 34"/>
+                  <p:cNvCxnSpPr/>
+                  <p:nvPr/>
+                </p:nvCxnSpPr>
+                <p:spPr>
+                  <a:xfrm flipV="1">
+                    <a:off x="6439437" y="4601250"/>
+                    <a:ext cx="1800000" cy="360000"/>
+                  </a:xfrm>
+                  <a:prstGeom prst="line">
+                    <a:avLst/>
+                  </a:prstGeom>
+                  <a:ln w="38100" cap="rnd">
+                    <a:solidFill>
+                      <a:schemeClr val="bg1"/>
+                    </a:solidFill>
+                    <a:round/>
+                  </a:ln>
+                </p:spPr>
+                <p:style>
+                  <a:lnRef idx="1">
+                    <a:schemeClr val="accent1"/>
+                  </a:lnRef>
+                  <a:fillRef idx="0">
+                    <a:schemeClr val="accent1"/>
+                  </a:fillRef>
+                  <a:effectRef idx="0">
+                    <a:schemeClr val="accent1"/>
+                  </a:effectRef>
+                  <a:fontRef idx="minor">
+                    <a:schemeClr val="tx1"/>
+                  </a:fontRef>
+                </p:style>
+              </p:cxnSp>
+              <p:cxnSp>
+                <p:nvCxnSpPr>
+                  <p:cNvPr id="36" name="Straight Connector 35"/>
+                  <p:cNvCxnSpPr/>
+                  <p:nvPr/>
+                </p:nvCxnSpPr>
+                <p:spPr>
+                  <a:xfrm>
+                    <a:off x="6439437" y="4961250"/>
+                    <a:ext cx="0" cy="973552"/>
+                  </a:xfrm>
+                  <a:prstGeom prst="line">
+                    <a:avLst/>
+                  </a:prstGeom>
+                  <a:ln w="38100" cap="rnd">
+                    <a:solidFill>
+                      <a:schemeClr val="bg1"/>
+                    </a:solidFill>
+                    <a:round/>
+                  </a:ln>
+                </p:spPr>
+                <p:style>
+                  <a:lnRef idx="1">
+                    <a:schemeClr val="accent1"/>
+                  </a:lnRef>
+                  <a:fillRef idx="0">
+                    <a:schemeClr val="accent1"/>
+                  </a:fillRef>
+                  <a:effectRef idx="0">
+                    <a:schemeClr val="accent1"/>
+                  </a:effectRef>
+                  <a:fontRef idx="minor">
+                    <a:schemeClr val="tx1"/>
+                  </a:fontRef>
+                </p:style>
+              </p:cxnSp>
+            </p:grpSp>
+            <p:grpSp>
+              <p:nvGrpSpPr>
+                <p:cNvPr id="38" name="Group 37"/>
+                <p:cNvGrpSpPr>
+                  <a:grpSpLocks noChangeAspect="1"/>
+                </p:cNvGrpSpPr>
+                <p:nvPr/>
+              </p:nvGrpSpPr>
+              <p:grpSpPr>
+                <a:xfrm rot="10800000">
+                  <a:off x="956851" y="2611872"/>
+                  <a:ext cx="360000" cy="1066213"/>
+                  <a:chOff x="6439437" y="603736"/>
+                  <a:chExt cx="1800000" cy="5331066"/>
+                </a:xfrm>
+              </p:grpSpPr>
+              <p:cxnSp>
+                <p:nvCxnSpPr>
+                  <p:cNvPr id="39" name="Straight Connector 38"/>
+                  <p:cNvCxnSpPr/>
+                  <p:nvPr/>
+                </p:nvCxnSpPr>
+                <p:spPr>
+                  <a:xfrm>
+                    <a:off x="6439437" y="603736"/>
+                    <a:ext cx="1800000" cy="360000"/>
+                  </a:xfrm>
+                  <a:prstGeom prst="line">
+                    <a:avLst/>
+                  </a:prstGeom>
+                  <a:ln w="38100" cap="rnd">
+                    <a:solidFill>
+                      <a:schemeClr val="bg1"/>
+                    </a:solidFill>
+                    <a:round/>
+                  </a:ln>
+                </p:spPr>
+                <p:style>
+                  <a:lnRef idx="1">
+                    <a:schemeClr val="accent1"/>
+                  </a:lnRef>
+                  <a:fillRef idx="0">
+                    <a:schemeClr val="accent1"/>
+                  </a:fillRef>
+                  <a:effectRef idx="0">
+                    <a:schemeClr val="accent1"/>
+                  </a:effectRef>
+                  <a:fontRef idx="minor">
+                    <a:schemeClr val="tx1"/>
+                  </a:fontRef>
+                </p:style>
+              </p:cxnSp>
+              <p:cxnSp>
+                <p:nvCxnSpPr>
+                  <p:cNvPr id="40" name="Straight Connector 39"/>
+                  <p:cNvCxnSpPr/>
+                  <p:nvPr/>
+                </p:nvCxnSpPr>
+                <p:spPr>
+                  <a:xfrm>
+                    <a:off x="8239437" y="963736"/>
+                    <a:ext cx="0" cy="973552"/>
+                  </a:xfrm>
+                  <a:prstGeom prst="line">
+                    <a:avLst/>
+                  </a:prstGeom>
+                  <a:ln w="38100" cap="rnd">
+                    <a:solidFill>
+                      <a:schemeClr val="bg1"/>
+                    </a:solidFill>
+                    <a:round/>
+                  </a:ln>
+                </p:spPr>
+                <p:style>
+                  <a:lnRef idx="1">
+                    <a:schemeClr val="accent1"/>
+                  </a:lnRef>
+                  <a:fillRef idx="0">
+                    <a:schemeClr val="accent1"/>
+                  </a:fillRef>
+                  <a:effectRef idx="0">
+                    <a:schemeClr val="accent1"/>
+                  </a:effectRef>
+                  <a:fontRef idx="minor">
+                    <a:schemeClr val="tx1"/>
+                  </a:fontRef>
+                </p:style>
+              </p:cxnSp>
+              <p:cxnSp>
+                <p:nvCxnSpPr>
+                  <p:cNvPr id="41" name="Straight Connector 40"/>
+                  <p:cNvCxnSpPr/>
+                  <p:nvPr/>
+                </p:nvCxnSpPr>
+                <p:spPr>
+                  <a:xfrm flipV="1">
+                    <a:off x="6439437" y="1937288"/>
+                    <a:ext cx="1800000" cy="360000"/>
+                  </a:xfrm>
+                  <a:prstGeom prst="line">
+                    <a:avLst/>
+                  </a:prstGeom>
+                  <a:ln w="38100" cap="rnd">
+                    <a:solidFill>
+                      <a:schemeClr val="bg1"/>
+                    </a:solidFill>
+                    <a:round/>
+                  </a:ln>
+                </p:spPr>
+                <p:style>
+                  <a:lnRef idx="1">
+                    <a:schemeClr val="accent1"/>
+                  </a:lnRef>
+                  <a:fillRef idx="0">
+                    <a:schemeClr val="accent1"/>
+                  </a:fillRef>
+                  <a:effectRef idx="0">
+                    <a:schemeClr val="accent1"/>
+                  </a:effectRef>
+                  <a:fontRef idx="minor">
+                    <a:schemeClr val="tx1"/>
+                  </a:fontRef>
+                </p:style>
+              </p:cxnSp>
+              <p:cxnSp>
+                <p:nvCxnSpPr>
+                  <p:cNvPr id="42" name="Straight Connector 41"/>
+                  <p:cNvCxnSpPr/>
+                  <p:nvPr/>
+                </p:nvCxnSpPr>
+                <p:spPr>
+                  <a:xfrm>
+                    <a:off x="6439437" y="2297288"/>
+                    <a:ext cx="0" cy="973552"/>
+                  </a:xfrm>
+                  <a:prstGeom prst="line">
+                    <a:avLst/>
+                  </a:prstGeom>
+                  <a:ln w="38100" cap="rnd">
+                    <a:solidFill>
+                      <a:schemeClr val="bg1"/>
+                    </a:solidFill>
+                    <a:round/>
+                  </a:ln>
+                </p:spPr>
+                <p:style>
+                  <a:lnRef idx="1">
+                    <a:schemeClr val="accent1"/>
+                  </a:lnRef>
+                  <a:fillRef idx="0">
+                    <a:schemeClr val="accent1"/>
+                  </a:fillRef>
+                  <a:effectRef idx="0">
+                    <a:schemeClr val="accent1"/>
+                  </a:effectRef>
+                  <a:fontRef idx="minor">
+                    <a:schemeClr val="tx1"/>
+                  </a:fontRef>
+                </p:style>
+              </p:cxnSp>
+              <p:cxnSp>
+                <p:nvCxnSpPr>
+                  <p:cNvPr id="43" name="Straight Connector 42"/>
+                  <p:cNvCxnSpPr/>
+                  <p:nvPr/>
+                </p:nvCxnSpPr>
+                <p:spPr>
+                  <a:xfrm>
+                    <a:off x="6439437" y="3269269"/>
+                    <a:ext cx="1800000" cy="360000"/>
+                  </a:xfrm>
+                  <a:prstGeom prst="line">
+                    <a:avLst/>
+                  </a:prstGeom>
+                  <a:ln w="38100" cap="rnd">
+                    <a:solidFill>
+                      <a:schemeClr val="bg1"/>
+                    </a:solidFill>
+                    <a:round/>
+                  </a:ln>
+                </p:spPr>
+                <p:style>
+                  <a:lnRef idx="1">
+                    <a:schemeClr val="accent1"/>
+                  </a:lnRef>
+                  <a:fillRef idx="0">
+                    <a:schemeClr val="accent1"/>
+                  </a:fillRef>
+                  <a:effectRef idx="0">
+                    <a:schemeClr val="accent1"/>
+                  </a:effectRef>
+                  <a:fontRef idx="minor">
+                    <a:schemeClr val="tx1"/>
+                  </a:fontRef>
+                </p:style>
+              </p:cxnSp>
+              <p:cxnSp>
+                <p:nvCxnSpPr>
+                  <p:cNvPr id="44" name="Straight Connector 43"/>
+                  <p:cNvCxnSpPr/>
+                  <p:nvPr/>
+                </p:nvCxnSpPr>
+                <p:spPr>
+                  <a:xfrm>
+                    <a:off x="8239437" y="3629269"/>
+                    <a:ext cx="0" cy="973552"/>
+                  </a:xfrm>
+                  <a:prstGeom prst="line">
+                    <a:avLst/>
+                  </a:prstGeom>
+                  <a:ln w="38100" cap="rnd">
+                    <a:solidFill>
+                      <a:schemeClr val="bg1"/>
+                    </a:solidFill>
+                    <a:round/>
+                  </a:ln>
+                </p:spPr>
+                <p:style>
+                  <a:lnRef idx="1">
+                    <a:schemeClr val="accent1"/>
+                  </a:lnRef>
+                  <a:fillRef idx="0">
+                    <a:schemeClr val="accent1"/>
+                  </a:fillRef>
+                  <a:effectRef idx="0">
+                    <a:schemeClr val="accent1"/>
+                  </a:effectRef>
+                  <a:fontRef idx="minor">
+                    <a:schemeClr val="tx1"/>
+                  </a:fontRef>
+                </p:style>
+              </p:cxnSp>
+              <p:cxnSp>
+                <p:nvCxnSpPr>
+                  <p:cNvPr id="45" name="Straight Connector 44"/>
+                  <p:cNvCxnSpPr/>
+                  <p:nvPr/>
+                </p:nvCxnSpPr>
+                <p:spPr>
+                  <a:xfrm flipV="1">
+                    <a:off x="6439437" y="4601250"/>
+                    <a:ext cx="1800000" cy="360000"/>
+                  </a:xfrm>
+                  <a:prstGeom prst="line">
+                    <a:avLst/>
+                  </a:prstGeom>
+                  <a:ln w="38100" cap="rnd">
+                    <a:solidFill>
+                      <a:schemeClr val="bg1"/>
+                    </a:solidFill>
+                    <a:round/>
+                  </a:ln>
+                </p:spPr>
+                <p:style>
+                  <a:lnRef idx="1">
+                    <a:schemeClr val="accent1"/>
+                  </a:lnRef>
+                  <a:fillRef idx="0">
+                    <a:schemeClr val="accent1"/>
+                  </a:fillRef>
+                  <a:effectRef idx="0">
+                    <a:schemeClr val="accent1"/>
+                  </a:effectRef>
+                  <a:fontRef idx="minor">
+                    <a:schemeClr val="tx1"/>
+                  </a:fontRef>
+                </p:style>
+              </p:cxnSp>
+              <p:cxnSp>
+                <p:nvCxnSpPr>
+                  <p:cNvPr id="46" name="Straight Connector 45"/>
+                  <p:cNvCxnSpPr/>
+                  <p:nvPr/>
+                </p:nvCxnSpPr>
+                <p:spPr>
+                  <a:xfrm>
+                    <a:off x="6439437" y="4961250"/>
+                    <a:ext cx="0" cy="973552"/>
+                  </a:xfrm>
+                  <a:prstGeom prst="line">
+                    <a:avLst/>
+                  </a:prstGeom>
+                  <a:ln w="38100" cap="rnd">
+                    <a:solidFill>
+                      <a:schemeClr val="bg1"/>
+                    </a:solidFill>
+                    <a:round/>
+                  </a:ln>
+                </p:spPr>
+                <p:style>
+                  <a:lnRef idx="1">
+                    <a:schemeClr val="accent1"/>
+                  </a:lnRef>
+                  <a:fillRef idx="0">
+                    <a:schemeClr val="accent1"/>
+                  </a:fillRef>
+                  <a:effectRef idx="0">
+                    <a:schemeClr val="accent1"/>
+                  </a:effectRef>
+                  <a:fontRef idx="minor">
+                    <a:schemeClr val="tx1"/>
+                  </a:fontRef>
+                </p:style>
+              </p:cxnSp>
+            </p:grpSp>
+            <p:grpSp>
+              <p:nvGrpSpPr>
+                <p:cNvPr id="47" name="Group 46"/>
+                <p:cNvGrpSpPr>
+                  <a:grpSpLocks noChangeAspect="1"/>
+                </p:cNvGrpSpPr>
+                <p:nvPr/>
+              </p:nvGrpSpPr>
+              <p:grpSpPr>
+                <a:xfrm rot="10800000">
+                  <a:off x="956851" y="1537503"/>
+                  <a:ext cx="360000" cy="1066213"/>
+                  <a:chOff x="6439437" y="603736"/>
+                  <a:chExt cx="1800000" cy="5331066"/>
+                </a:xfrm>
+              </p:grpSpPr>
+              <p:cxnSp>
+                <p:nvCxnSpPr>
+                  <p:cNvPr id="48" name="Straight Connector 47"/>
+                  <p:cNvCxnSpPr/>
+                  <p:nvPr/>
+                </p:nvCxnSpPr>
+                <p:spPr>
+                  <a:xfrm>
+                    <a:off x="6439437" y="603736"/>
+                    <a:ext cx="1800000" cy="360000"/>
+                  </a:xfrm>
+                  <a:prstGeom prst="line">
+                    <a:avLst/>
+                  </a:prstGeom>
+                  <a:ln w="38100" cap="rnd">
+                    <a:solidFill>
+                      <a:schemeClr val="bg1"/>
+                    </a:solidFill>
+                    <a:round/>
+                  </a:ln>
+                </p:spPr>
+                <p:style>
+                  <a:lnRef idx="1">
+                    <a:schemeClr val="accent1"/>
+                  </a:lnRef>
+                  <a:fillRef idx="0">
+                    <a:schemeClr val="accent1"/>
+                  </a:fillRef>
+                  <a:effectRef idx="0">
+                    <a:schemeClr val="accent1"/>
+                  </a:effectRef>
+                  <a:fontRef idx="minor">
+                    <a:schemeClr val="tx1"/>
+                  </a:fontRef>
+                </p:style>
+              </p:cxnSp>
+              <p:cxnSp>
+                <p:nvCxnSpPr>
+                  <p:cNvPr id="49" name="Straight Connector 48"/>
+                  <p:cNvCxnSpPr/>
+                  <p:nvPr/>
+                </p:nvCxnSpPr>
+                <p:spPr>
+                  <a:xfrm>
+                    <a:off x="8239437" y="963736"/>
+                    <a:ext cx="0" cy="973552"/>
+                  </a:xfrm>
+                  <a:prstGeom prst="line">
+                    <a:avLst/>
+                  </a:prstGeom>
+                  <a:ln w="38100" cap="rnd">
+                    <a:solidFill>
+                      <a:schemeClr val="bg1"/>
+                    </a:solidFill>
+                    <a:round/>
+                  </a:ln>
+                </p:spPr>
+                <p:style>
+                  <a:lnRef idx="1">
+                    <a:schemeClr val="accent1"/>
+                  </a:lnRef>
+                  <a:fillRef idx="0">
+                    <a:schemeClr val="accent1"/>
+                  </a:fillRef>
+                  <a:effectRef idx="0">
+                    <a:schemeClr val="accent1"/>
+                  </a:effectRef>
+                  <a:fontRef idx="minor">
+                    <a:schemeClr val="tx1"/>
+                  </a:fontRef>
+                </p:style>
+              </p:cxnSp>
+              <p:cxnSp>
+                <p:nvCxnSpPr>
+                  <p:cNvPr id="50" name="Straight Connector 49"/>
+                  <p:cNvCxnSpPr/>
+                  <p:nvPr/>
+                </p:nvCxnSpPr>
+                <p:spPr>
+                  <a:xfrm flipV="1">
+                    <a:off x="6439437" y="1937288"/>
+                    <a:ext cx="1800000" cy="360000"/>
+                  </a:xfrm>
+                  <a:prstGeom prst="line">
+                    <a:avLst/>
+                  </a:prstGeom>
+                  <a:ln w="38100" cap="rnd">
+                    <a:solidFill>
+                      <a:schemeClr val="bg1"/>
+                    </a:solidFill>
+                    <a:round/>
+                  </a:ln>
+                </p:spPr>
+                <p:style>
+                  <a:lnRef idx="1">
+                    <a:schemeClr val="accent1"/>
+                  </a:lnRef>
+                  <a:fillRef idx="0">
+                    <a:schemeClr val="accent1"/>
+                  </a:fillRef>
+                  <a:effectRef idx="0">
+                    <a:schemeClr val="accent1"/>
+                  </a:effectRef>
+                  <a:fontRef idx="minor">
+                    <a:schemeClr val="tx1"/>
+                  </a:fontRef>
+                </p:style>
+              </p:cxnSp>
+              <p:cxnSp>
+                <p:nvCxnSpPr>
+                  <p:cNvPr id="51" name="Straight Connector 50"/>
+                  <p:cNvCxnSpPr/>
+                  <p:nvPr/>
+                </p:nvCxnSpPr>
+                <p:spPr>
+                  <a:xfrm>
+                    <a:off x="6439437" y="2297288"/>
+                    <a:ext cx="0" cy="973552"/>
+                  </a:xfrm>
+                  <a:prstGeom prst="line">
+                    <a:avLst/>
+                  </a:prstGeom>
+                  <a:ln w="38100" cap="rnd">
+                    <a:solidFill>
+                      <a:schemeClr val="bg1"/>
+                    </a:solidFill>
+                    <a:round/>
+                  </a:ln>
+                </p:spPr>
+                <p:style>
+                  <a:lnRef idx="1">
+                    <a:schemeClr val="accent1"/>
+                  </a:lnRef>
+                  <a:fillRef idx="0">
+                    <a:schemeClr val="accent1"/>
+                  </a:fillRef>
+                  <a:effectRef idx="0">
+                    <a:schemeClr val="accent1"/>
+                  </a:effectRef>
+                  <a:fontRef idx="minor">
+                    <a:schemeClr val="tx1"/>
+                  </a:fontRef>
+                </p:style>
+              </p:cxnSp>
+              <p:cxnSp>
+                <p:nvCxnSpPr>
+                  <p:cNvPr id="52" name="Straight Connector 51"/>
+                  <p:cNvCxnSpPr/>
+                  <p:nvPr/>
+                </p:nvCxnSpPr>
+                <p:spPr>
+                  <a:xfrm>
+                    <a:off x="6439437" y="3269269"/>
+                    <a:ext cx="1800000" cy="360000"/>
+                  </a:xfrm>
+                  <a:prstGeom prst="line">
+                    <a:avLst/>
+                  </a:prstGeom>
+                  <a:ln w="38100" cap="rnd">
+                    <a:solidFill>
+                      <a:schemeClr val="bg1"/>
+                    </a:solidFill>
+                    <a:round/>
+                  </a:ln>
+                </p:spPr>
+                <p:style>
+                  <a:lnRef idx="1">
+                    <a:schemeClr val="accent1"/>
+                  </a:lnRef>
+                  <a:fillRef idx="0">
+                    <a:schemeClr val="accent1"/>
+                  </a:fillRef>
+                  <a:effectRef idx="0">
+                    <a:schemeClr val="accent1"/>
+                  </a:effectRef>
+                  <a:fontRef idx="minor">
+                    <a:schemeClr val="tx1"/>
+                  </a:fontRef>
+                </p:style>
+              </p:cxnSp>
+              <p:cxnSp>
+                <p:nvCxnSpPr>
+                  <p:cNvPr id="53" name="Straight Connector 52"/>
+                  <p:cNvCxnSpPr/>
+                  <p:nvPr/>
+                </p:nvCxnSpPr>
+                <p:spPr>
+                  <a:xfrm>
+                    <a:off x="8239437" y="3629269"/>
+                    <a:ext cx="0" cy="973552"/>
+                  </a:xfrm>
+                  <a:prstGeom prst="line">
+                    <a:avLst/>
+                  </a:prstGeom>
+                  <a:ln w="38100" cap="rnd">
+                    <a:solidFill>
+                      <a:schemeClr val="bg1"/>
+                    </a:solidFill>
+                    <a:round/>
+                  </a:ln>
+                </p:spPr>
+                <p:style>
+                  <a:lnRef idx="1">
+                    <a:schemeClr val="accent1"/>
+                  </a:lnRef>
+                  <a:fillRef idx="0">
+                    <a:schemeClr val="accent1"/>
+                  </a:fillRef>
+                  <a:effectRef idx="0">
+                    <a:schemeClr val="accent1"/>
+                  </a:effectRef>
+                  <a:fontRef idx="minor">
+                    <a:schemeClr val="tx1"/>
+                  </a:fontRef>
+                </p:style>
+              </p:cxnSp>
+              <p:cxnSp>
+                <p:nvCxnSpPr>
+                  <p:cNvPr id="54" name="Straight Connector 53"/>
+                  <p:cNvCxnSpPr/>
+                  <p:nvPr/>
+                </p:nvCxnSpPr>
+                <p:spPr>
+                  <a:xfrm flipV="1">
+                    <a:off x="6439437" y="4601250"/>
+                    <a:ext cx="1800000" cy="360000"/>
+                  </a:xfrm>
+                  <a:prstGeom prst="line">
+                    <a:avLst/>
+                  </a:prstGeom>
+                  <a:ln w="38100" cap="rnd">
+                    <a:solidFill>
+                      <a:schemeClr val="bg1"/>
+                    </a:solidFill>
+                    <a:round/>
+                  </a:ln>
+                </p:spPr>
+                <p:style>
+                  <a:lnRef idx="1">
+                    <a:schemeClr val="accent1"/>
+                  </a:lnRef>
+                  <a:fillRef idx="0">
+                    <a:schemeClr val="accent1"/>
+                  </a:fillRef>
+                  <a:effectRef idx="0">
+                    <a:schemeClr val="accent1"/>
+                  </a:effectRef>
+                  <a:fontRef idx="minor">
+                    <a:schemeClr val="tx1"/>
+                  </a:fontRef>
+                </p:style>
+              </p:cxnSp>
+              <p:cxnSp>
+                <p:nvCxnSpPr>
+                  <p:cNvPr id="55" name="Straight Connector 54"/>
+                  <p:cNvCxnSpPr/>
+                  <p:nvPr/>
+                </p:nvCxnSpPr>
+                <p:spPr>
+                  <a:xfrm>
+                    <a:off x="6439437" y="4961250"/>
+                    <a:ext cx="0" cy="973552"/>
+                  </a:xfrm>
+                  <a:prstGeom prst="line">
+                    <a:avLst/>
+                  </a:prstGeom>
+                  <a:ln w="38100" cap="rnd">
+                    <a:solidFill>
+                      <a:schemeClr val="bg1"/>
+                    </a:solidFill>
+                    <a:round/>
+                  </a:ln>
+                </p:spPr>
+                <p:style>
+                  <a:lnRef idx="1">
+                    <a:schemeClr val="accent1"/>
+                  </a:lnRef>
+                  <a:fillRef idx="0">
+                    <a:schemeClr val="accent1"/>
+                  </a:fillRef>
+                  <a:effectRef idx="0">
+                    <a:schemeClr val="accent1"/>
+                  </a:effectRef>
+                  <a:fontRef idx="minor">
+                    <a:schemeClr val="tx1"/>
+                  </a:fontRef>
+                </p:style>
+              </p:cxnSp>
+            </p:grpSp>
+            <p:grpSp>
+              <p:nvGrpSpPr>
+                <p:cNvPr id="56" name="Group 55"/>
+                <p:cNvGrpSpPr>
+                  <a:grpSpLocks noChangeAspect="1"/>
+                </p:cNvGrpSpPr>
+                <p:nvPr/>
+              </p:nvGrpSpPr>
+              <p:grpSpPr>
+                <a:xfrm rot="10800000">
+                  <a:off x="956851" y="660914"/>
+                  <a:ext cx="360000" cy="871503"/>
+                  <a:chOff x="6439437" y="603736"/>
+                  <a:chExt cx="1800000" cy="4357514"/>
+                </a:xfrm>
+              </p:grpSpPr>
+              <p:cxnSp>
+                <p:nvCxnSpPr>
+                  <p:cNvPr id="57" name="Straight Connector 56"/>
+                  <p:cNvCxnSpPr/>
+                  <p:nvPr/>
+                </p:nvCxnSpPr>
+                <p:spPr>
+                  <a:xfrm>
+                    <a:off x="6439437" y="603736"/>
+                    <a:ext cx="1800000" cy="360000"/>
+                  </a:xfrm>
+                  <a:prstGeom prst="line">
+                    <a:avLst/>
+                  </a:prstGeom>
+                  <a:ln w="38100" cap="rnd">
+                    <a:solidFill>
+                      <a:schemeClr val="bg1"/>
+                    </a:solidFill>
+                    <a:round/>
+                  </a:ln>
+                </p:spPr>
+                <p:style>
+                  <a:lnRef idx="1">
+                    <a:schemeClr val="accent1"/>
+                  </a:lnRef>
+                  <a:fillRef idx="0">
+                    <a:schemeClr val="accent1"/>
+                  </a:fillRef>
+                  <a:effectRef idx="0">
+                    <a:schemeClr val="accent1"/>
+                  </a:effectRef>
+                  <a:fontRef idx="minor">
+                    <a:schemeClr val="tx1"/>
+                  </a:fontRef>
+                </p:style>
+              </p:cxnSp>
+              <p:cxnSp>
+                <p:nvCxnSpPr>
+                  <p:cNvPr id="58" name="Straight Connector 57"/>
+                  <p:cNvCxnSpPr/>
+                  <p:nvPr/>
+                </p:nvCxnSpPr>
+                <p:spPr>
+                  <a:xfrm>
+                    <a:off x="8239437" y="963736"/>
+                    <a:ext cx="0" cy="973552"/>
+                  </a:xfrm>
+                  <a:prstGeom prst="line">
+                    <a:avLst/>
+                  </a:prstGeom>
+                  <a:ln w="38100" cap="rnd">
+                    <a:solidFill>
+                      <a:schemeClr val="bg1"/>
+                    </a:solidFill>
+                    <a:round/>
+                  </a:ln>
+                </p:spPr>
+                <p:style>
+                  <a:lnRef idx="1">
+                    <a:schemeClr val="accent1"/>
+                  </a:lnRef>
+                  <a:fillRef idx="0">
+                    <a:schemeClr val="accent1"/>
+                  </a:fillRef>
+                  <a:effectRef idx="0">
+                    <a:schemeClr val="accent1"/>
+                  </a:effectRef>
+                  <a:fontRef idx="minor">
+                    <a:schemeClr val="tx1"/>
+                  </a:fontRef>
+                </p:style>
+              </p:cxnSp>
+              <p:cxnSp>
+                <p:nvCxnSpPr>
+                  <p:cNvPr id="59" name="Straight Connector 58"/>
+                  <p:cNvCxnSpPr/>
+                  <p:nvPr/>
+                </p:nvCxnSpPr>
+                <p:spPr>
+                  <a:xfrm flipV="1">
+                    <a:off x="6439437" y="1937288"/>
+                    <a:ext cx="1800000" cy="360000"/>
+                  </a:xfrm>
+                  <a:prstGeom prst="line">
+                    <a:avLst/>
+                  </a:prstGeom>
+                  <a:ln w="38100" cap="rnd">
+                    <a:solidFill>
+                      <a:schemeClr val="bg1"/>
+                    </a:solidFill>
+                    <a:round/>
+                  </a:ln>
+                </p:spPr>
+                <p:style>
+                  <a:lnRef idx="1">
+                    <a:schemeClr val="accent1"/>
+                  </a:lnRef>
+                  <a:fillRef idx="0">
+                    <a:schemeClr val="accent1"/>
+                  </a:fillRef>
+                  <a:effectRef idx="0">
+                    <a:schemeClr val="accent1"/>
+                  </a:effectRef>
+                  <a:fontRef idx="minor">
+                    <a:schemeClr val="tx1"/>
+                  </a:fontRef>
+                </p:style>
+              </p:cxnSp>
+              <p:cxnSp>
+                <p:nvCxnSpPr>
+                  <p:cNvPr id="60" name="Straight Connector 59"/>
+                  <p:cNvCxnSpPr/>
+                  <p:nvPr/>
+                </p:nvCxnSpPr>
+                <p:spPr>
+                  <a:xfrm>
+                    <a:off x="6439437" y="2297288"/>
+                    <a:ext cx="0" cy="973552"/>
+                  </a:xfrm>
+                  <a:prstGeom prst="line">
+                    <a:avLst/>
+                  </a:prstGeom>
+                  <a:ln w="38100" cap="rnd">
+                    <a:solidFill>
+                      <a:schemeClr val="bg1"/>
+                    </a:solidFill>
+                    <a:round/>
+                  </a:ln>
+                </p:spPr>
+                <p:style>
+                  <a:lnRef idx="1">
+                    <a:schemeClr val="accent1"/>
+                  </a:lnRef>
+                  <a:fillRef idx="0">
+                    <a:schemeClr val="accent1"/>
+                  </a:fillRef>
+                  <a:effectRef idx="0">
+                    <a:schemeClr val="accent1"/>
+                  </a:effectRef>
+                  <a:fontRef idx="minor">
+                    <a:schemeClr val="tx1"/>
+                  </a:fontRef>
+                </p:style>
+              </p:cxnSp>
+              <p:cxnSp>
+                <p:nvCxnSpPr>
+                  <p:cNvPr id="61" name="Straight Connector 60"/>
+                  <p:cNvCxnSpPr/>
+                  <p:nvPr/>
+                </p:nvCxnSpPr>
+                <p:spPr>
+                  <a:xfrm>
+                    <a:off x="6439437" y="3269269"/>
+                    <a:ext cx="1800000" cy="360000"/>
+                  </a:xfrm>
+                  <a:prstGeom prst="line">
+                    <a:avLst/>
+                  </a:prstGeom>
+                  <a:ln w="38100" cap="rnd">
+                    <a:solidFill>
+                      <a:schemeClr val="bg1"/>
+                    </a:solidFill>
+                    <a:round/>
+                  </a:ln>
+                </p:spPr>
+                <p:style>
+                  <a:lnRef idx="1">
+                    <a:schemeClr val="accent1"/>
+                  </a:lnRef>
+                  <a:fillRef idx="0">
+                    <a:schemeClr val="accent1"/>
+                  </a:fillRef>
+                  <a:effectRef idx="0">
+                    <a:schemeClr val="accent1"/>
+                  </a:effectRef>
+                  <a:fontRef idx="minor">
+                    <a:schemeClr val="tx1"/>
+                  </a:fontRef>
+                </p:style>
+              </p:cxnSp>
+              <p:cxnSp>
+                <p:nvCxnSpPr>
+                  <p:cNvPr id="62" name="Straight Connector 61"/>
+                  <p:cNvCxnSpPr/>
+                  <p:nvPr/>
+                </p:nvCxnSpPr>
+                <p:spPr>
+                  <a:xfrm>
+                    <a:off x="8239437" y="3629269"/>
+                    <a:ext cx="0" cy="973552"/>
+                  </a:xfrm>
+                  <a:prstGeom prst="line">
+                    <a:avLst/>
+                  </a:prstGeom>
+                  <a:ln w="38100" cap="rnd">
+                    <a:solidFill>
+                      <a:schemeClr val="bg1"/>
+                    </a:solidFill>
+                    <a:round/>
+                  </a:ln>
+                </p:spPr>
+                <p:style>
+                  <a:lnRef idx="1">
+                    <a:schemeClr val="accent1"/>
+                  </a:lnRef>
+                  <a:fillRef idx="0">
+                    <a:schemeClr val="accent1"/>
+                  </a:fillRef>
+                  <a:effectRef idx="0">
+                    <a:schemeClr val="accent1"/>
+                  </a:effectRef>
+                  <a:fontRef idx="minor">
+                    <a:schemeClr val="tx1"/>
+                  </a:fontRef>
+                </p:style>
+              </p:cxnSp>
+              <p:cxnSp>
+                <p:nvCxnSpPr>
+                  <p:cNvPr id="63" name="Straight Connector 62"/>
+                  <p:cNvCxnSpPr/>
+                  <p:nvPr/>
+                </p:nvCxnSpPr>
+                <p:spPr>
+                  <a:xfrm flipV="1">
+                    <a:off x="6439437" y="4601250"/>
+                    <a:ext cx="1800000" cy="360000"/>
+                  </a:xfrm>
+                  <a:prstGeom prst="line">
+                    <a:avLst/>
+                  </a:prstGeom>
+                  <a:ln w="38100" cap="rnd">
+                    <a:solidFill>
+                      <a:schemeClr val="bg1"/>
+                    </a:solidFill>
+                    <a:round/>
+                  </a:ln>
+                </p:spPr>
+                <p:style>
+                  <a:lnRef idx="1">
+                    <a:schemeClr val="accent1"/>
+                  </a:lnRef>
+                  <a:fillRef idx="0">
+                    <a:schemeClr val="accent1"/>
+                  </a:fillRef>
+                  <a:effectRef idx="0">
+                    <a:schemeClr val="accent1"/>
+                  </a:effectRef>
+                  <a:fontRef idx="minor">
+                    <a:schemeClr val="tx1"/>
+                  </a:fontRef>
+                </p:style>
+              </p:cxnSp>
+            </p:grpSp>
+          </p:grpSp>
           <p:sp>
             <p:nvSpPr>
-              <p:cNvPr id="7" name="Oval 6"/>
+              <p:cNvPr id="66" name="Trapezoid 65"/>
               <p:cNvSpPr/>
               <p:nvPr/>
             </p:nvSpPr>
             <p:spPr>
-              <a:xfrm>
-                <a:off x="6653065" y="3845657"/>
-                <a:ext cx="144000" cy="144000"/>
+              <a:xfrm rot="5400000">
+                <a:off x="956849" y="753384"/>
+                <a:ext cx="324001" cy="324001"/>
               </a:xfrm>
-              <a:prstGeom prst="ellipse">
+              <a:prstGeom prst="trapezoid">
                 <a:avLst/>
               </a:prstGeom>
               <a:solidFill>
@@ -3090,32 +4711,520 @@
               </a:p>
             </p:txBody>
           </p:sp>
+          <p:sp>
+            <p:nvSpPr>
+              <p:cNvPr id="67" name="Trapezoid 66"/>
+              <p:cNvSpPr/>
+              <p:nvPr/>
+            </p:nvSpPr>
+            <p:spPr>
+              <a:xfrm rot="5400000">
+                <a:off x="956849" y="1241575"/>
+                <a:ext cx="324001" cy="324001"/>
+              </a:xfrm>
+              <a:prstGeom prst="trapezoid">
+                <a:avLst/>
+              </a:prstGeom>
+              <a:solidFill>
+                <a:schemeClr val="bg1"/>
+              </a:solidFill>
+              <a:ln>
+                <a:noFill/>
+              </a:ln>
+            </p:spPr>
+            <p:style>
+              <a:lnRef idx="2">
+                <a:schemeClr val="accent1">
+                  <a:shade val="50000"/>
+                </a:schemeClr>
+              </a:lnRef>
+              <a:fillRef idx="1">
+                <a:schemeClr val="accent1"/>
+              </a:fillRef>
+              <a:effectRef idx="0">
+                <a:schemeClr val="accent1"/>
+              </a:effectRef>
+              <a:fontRef idx="minor">
+                <a:schemeClr val="lt1"/>
+              </a:fontRef>
+            </p:style>
+            <p:txBody>
+              <a:bodyPr rtlCol="0" anchor="ctr"/>
+              <a:lstStyle/>
+              <a:p>
+                <a:pPr algn="ctr"/>
+                <a:endParaRPr lang="zh-CN" altLang="en-US"/>
+              </a:p>
+            </p:txBody>
+          </p:sp>
+          <p:sp>
+            <p:nvSpPr>
+              <p:cNvPr id="68" name="Trapezoid 67"/>
+              <p:cNvSpPr/>
+              <p:nvPr/>
+            </p:nvSpPr>
+            <p:spPr>
+              <a:xfrm rot="5400000">
+                <a:off x="956849" y="1734129"/>
+                <a:ext cx="324001" cy="324001"/>
+              </a:xfrm>
+              <a:prstGeom prst="trapezoid">
+                <a:avLst/>
+              </a:prstGeom>
+              <a:solidFill>
+                <a:schemeClr val="bg1"/>
+              </a:solidFill>
+              <a:ln>
+                <a:noFill/>
+              </a:ln>
+            </p:spPr>
+            <p:style>
+              <a:lnRef idx="2">
+                <a:schemeClr val="accent1">
+                  <a:shade val="50000"/>
+                </a:schemeClr>
+              </a:lnRef>
+              <a:fillRef idx="1">
+                <a:schemeClr val="accent1"/>
+              </a:fillRef>
+              <a:effectRef idx="0">
+                <a:schemeClr val="accent1"/>
+              </a:effectRef>
+              <a:fontRef idx="minor">
+                <a:schemeClr val="lt1"/>
+              </a:fontRef>
+            </p:style>
+            <p:txBody>
+              <a:bodyPr rtlCol="0" anchor="ctr"/>
+              <a:lstStyle/>
+              <a:p>
+                <a:pPr algn="ctr"/>
+                <a:endParaRPr lang="zh-CN" altLang="en-US"/>
+              </a:p>
+            </p:txBody>
+          </p:sp>
+          <p:sp>
+            <p:nvSpPr>
+              <p:cNvPr id="69" name="Trapezoid 68"/>
+              <p:cNvSpPr/>
+              <p:nvPr/>
+            </p:nvSpPr>
+            <p:spPr>
+              <a:xfrm rot="5400000">
+                <a:off x="956849" y="2223041"/>
+                <a:ext cx="324001" cy="324001"/>
+              </a:xfrm>
+              <a:prstGeom prst="trapezoid">
+                <a:avLst/>
+              </a:prstGeom>
+              <a:solidFill>
+                <a:schemeClr val="bg1"/>
+              </a:solidFill>
+              <a:ln>
+                <a:noFill/>
+              </a:ln>
+            </p:spPr>
+            <p:style>
+              <a:lnRef idx="2">
+                <a:schemeClr val="accent1">
+                  <a:shade val="50000"/>
+                </a:schemeClr>
+              </a:lnRef>
+              <a:fillRef idx="1">
+                <a:schemeClr val="accent1"/>
+              </a:fillRef>
+              <a:effectRef idx="0">
+                <a:schemeClr val="accent1"/>
+              </a:effectRef>
+              <a:fontRef idx="minor">
+                <a:schemeClr val="lt1"/>
+              </a:fontRef>
+            </p:style>
+            <p:txBody>
+              <a:bodyPr rtlCol="0" anchor="ctr"/>
+              <a:lstStyle/>
+              <a:p>
+                <a:pPr algn="ctr"/>
+                <a:endParaRPr lang="zh-CN" altLang="en-US"/>
+              </a:p>
+            </p:txBody>
+          </p:sp>
+          <p:sp>
+            <p:nvSpPr>
+              <p:cNvPr id="70" name="Trapezoid 69"/>
+              <p:cNvSpPr/>
+              <p:nvPr/>
+            </p:nvSpPr>
+            <p:spPr>
+              <a:xfrm rot="5400000">
+                <a:off x="956849" y="2715942"/>
+                <a:ext cx="324001" cy="324001"/>
+              </a:xfrm>
+              <a:prstGeom prst="trapezoid">
+                <a:avLst/>
+              </a:prstGeom>
+              <a:solidFill>
+                <a:schemeClr val="bg1"/>
+              </a:solidFill>
+              <a:ln>
+                <a:noFill/>
+              </a:ln>
+            </p:spPr>
+            <p:style>
+              <a:lnRef idx="2">
+                <a:schemeClr val="accent1">
+                  <a:shade val="50000"/>
+                </a:schemeClr>
+              </a:lnRef>
+              <a:fillRef idx="1">
+                <a:schemeClr val="accent1"/>
+              </a:fillRef>
+              <a:effectRef idx="0">
+                <a:schemeClr val="accent1"/>
+              </a:effectRef>
+              <a:fontRef idx="minor">
+                <a:schemeClr val="lt1"/>
+              </a:fontRef>
+            </p:style>
+            <p:txBody>
+              <a:bodyPr rtlCol="0" anchor="ctr"/>
+              <a:lstStyle/>
+              <a:p>
+                <a:pPr algn="ctr"/>
+                <a:endParaRPr lang="zh-CN" altLang="en-US"/>
+              </a:p>
+            </p:txBody>
+          </p:sp>
+          <p:sp>
+            <p:nvSpPr>
+              <p:cNvPr id="71" name="Trapezoid 70"/>
+              <p:cNvSpPr/>
+              <p:nvPr/>
+            </p:nvSpPr>
+            <p:spPr>
+              <a:xfrm rot="5400000">
+                <a:off x="956849" y="3205610"/>
+                <a:ext cx="324001" cy="324001"/>
+              </a:xfrm>
+              <a:prstGeom prst="trapezoid">
+                <a:avLst/>
+              </a:prstGeom>
+              <a:solidFill>
+                <a:schemeClr val="bg1"/>
+              </a:solidFill>
+              <a:ln>
+                <a:noFill/>
+              </a:ln>
+            </p:spPr>
+            <p:style>
+              <a:lnRef idx="2">
+                <a:schemeClr val="accent1">
+                  <a:shade val="50000"/>
+                </a:schemeClr>
+              </a:lnRef>
+              <a:fillRef idx="1">
+                <a:schemeClr val="accent1"/>
+              </a:fillRef>
+              <a:effectRef idx="0">
+                <a:schemeClr val="accent1"/>
+              </a:effectRef>
+              <a:fontRef idx="minor">
+                <a:schemeClr val="lt1"/>
+              </a:fontRef>
+            </p:style>
+            <p:txBody>
+              <a:bodyPr rtlCol="0" anchor="ctr"/>
+              <a:lstStyle/>
+              <a:p>
+                <a:pPr algn="ctr"/>
+                <a:endParaRPr lang="zh-CN" altLang="en-US"/>
+              </a:p>
+            </p:txBody>
+          </p:sp>
+          <p:sp>
+            <p:nvSpPr>
+              <p:cNvPr id="72" name="Trapezoid 71"/>
+              <p:cNvSpPr/>
+              <p:nvPr/>
+            </p:nvSpPr>
+            <p:spPr>
+              <a:xfrm rot="5400000">
+                <a:off x="956849" y="3697755"/>
+                <a:ext cx="324001" cy="324001"/>
+              </a:xfrm>
+              <a:prstGeom prst="trapezoid">
+                <a:avLst/>
+              </a:prstGeom>
+              <a:solidFill>
+                <a:schemeClr val="bg1"/>
+              </a:solidFill>
+              <a:ln>
+                <a:noFill/>
+              </a:ln>
+            </p:spPr>
+            <p:style>
+              <a:lnRef idx="2">
+                <a:schemeClr val="accent1">
+                  <a:shade val="50000"/>
+                </a:schemeClr>
+              </a:lnRef>
+              <a:fillRef idx="1">
+                <a:schemeClr val="accent1"/>
+              </a:fillRef>
+              <a:effectRef idx="0">
+                <a:schemeClr val="accent1"/>
+              </a:effectRef>
+              <a:fontRef idx="minor">
+                <a:schemeClr val="lt1"/>
+              </a:fontRef>
+            </p:style>
+            <p:txBody>
+              <a:bodyPr rtlCol="0" anchor="ctr"/>
+              <a:lstStyle/>
+              <a:p>
+                <a:pPr algn="ctr"/>
+                <a:endParaRPr lang="zh-CN" altLang="en-US"/>
+              </a:p>
+            </p:txBody>
+          </p:sp>
+          <p:sp>
+            <p:nvSpPr>
+              <p:cNvPr id="73" name="Trapezoid 72"/>
+              <p:cNvSpPr/>
+              <p:nvPr/>
+            </p:nvSpPr>
+            <p:spPr>
+              <a:xfrm rot="5400000">
+                <a:off x="956849" y="4187038"/>
+                <a:ext cx="324001" cy="324001"/>
+              </a:xfrm>
+              <a:prstGeom prst="trapezoid">
+                <a:avLst/>
+              </a:prstGeom>
+              <a:solidFill>
+                <a:schemeClr val="bg1"/>
+              </a:solidFill>
+              <a:ln>
+                <a:noFill/>
+              </a:ln>
+            </p:spPr>
+            <p:style>
+              <a:lnRef idx="2">
+                <a:schemeClr val="accent1">
+                  <a:shade val="50000"/>
+                </a:schemeClr>
+              </a:lnRef>
+              <a:fillRef idx="1">
+                <a:schemeClr val="accent1"/>
+              </a:fillRef>
+              <a:effectRef idx="0">
+                <a:schemeClr val="accent1"/>
+              </a:effectRef>
+              <a:fontRef idx="minor">
+                <a:schemeClr val="lt1"/>
+              </a:fontRef>
+            </p:style>
+            <p:txBody>
+              <a:bodyPr rtlCol="0" anchor="ctr"/>
+              <a:lstStyle/>
+              <a:p>
+                <a:pPr algn="ctr"/>
+                <a:endParaRPr lang="zh-CN" altLang="en-US"/>
+              </a:p>
+            </p:txBody>
+          </p:sp>
+          <p:sp>
+            <p:nvSpPr>
+              <p:cNvPr id="74" name="Trapezoid 73"/>
+              <p:cNvSpPr/>
+              <p:nvPr/>
+            </p:nvSpPr>
+            <p:spPr>
+              <a:xfrm rot="5400000">
+                <a:off x="956849" y="4683023"/>
+                <a:ext cx="324001" cy="324001"/>
+              </a:xfrm>
+              <a:prstGeom prst="trapezoid">
+                <a:avLst/>
+              </a:prstGeom>
+              <a:solidFill>
+                <a:schemeClr val="bg1"/>
+              </a:solidFill>
+              <a:ln>
+                <a:noFill/>
+              </a:ln>
+            </p:spPr>
+            <p:style>
+              <a:lnRef idx="2">
+                <a:schemeClr val="accent1">
+                  <a:shade val="50000"/>
+                </a:schemeClr>
+              </a:lnRef>
+              <a:fillRef idx="1">
+                <a:schemeClr val="accent1"/>
+              </a:fillRef>
+              <a:effectRef idx="0">
+                <a:schemeClr val="accent1"/>
+              </a:effectRef>
+              <a:fontRef idx="minor">
+                <a:schemeClr val="lt1"/>
+              </a:fontRef>
+            </p:style>
+            <p:txBody>
+              <a:bodyPr rtlCol="0" anchor="ctr"/>
+              <a:lstStyle/>
+              <a:p>
+                <a:pPr algn="ctr"/>
+                <a:endParaRPr lang="zh-CN" altLang="en-US"/>
+              </a:p>
+            </p:txBody>
+          </p:sp>
+        </p:grpSp>
+      </p:grpSp>
+      <p:grpSp>
+        <p:nvGrpSpPr>
+          <p:cNvPr id="142" name="Group 141"/>
+          <p:cNvGrpSpPr/>
+          <p:nvPr/>
+        </p:nvGrpSpPr>
+        <p:grpSpPr>
+          <a:xfrm>
+            <a:off x="6392451" y="1005384"/>
+            <a:ext cx="3600000" cy="4223566"/>
+            <a:chOff x="6392451" y="1005384"/>
+            <a:chExt cx="3600000" cy="4223566"/>
+          </a:xfrm>
+        </p:grpSpPr>
+        <p:sp>
+          <p:nvSpPr>
+            <p:cNvPr id="83" name="Rectangle 82"/>
+            <p:cNvSpPr>
+              <a:spLocks/>
+            </p:cNvSpPr>
+            <p:nvPr/>
+          </p:nvSpPr>
+          <p:spPr>
+            <a:xfrm>
+              <a:off x="6392451" y="1005384"/>
+              <a:ext cx="3600000" cy="3744000"/>
+            </a:xfrm>
+            <a:prstGeom prst="rect">
+              <a:avLst/>
+            </a:prstGeom>
+            <a:solidFill>
+              <a:srgbClr val="7030A0"/>
+            </a:solidFill>
+            <a:ln>
+              <a:noFill/>
+            </a:ln>
+          </p:spPr>
+          <p:style>
+            <a:lnRef idx="2">
+              <a:schemeClr val="accent1">
+                <a:shade val="50000"/>
+              </a:schemeClr>
+            </a:lnRef>
+            <a:fillRef idx="1">
+              <a:schemeClr val="accent1"/>
+            </a:fillRef>
+            <a:effectRef idx="0">
+              <a:schemeClr val="accent1"/>
+            </a:effectRef>
+            <a:fontRef idx="minor">
+              <a:schemeClr val="lt1"/>
+            </a:fontRef>
+          </p:style>
+          <p:txBody>
+            <a:bodyPr rtlCol="0" anchor="ctr"/>
+            <a:lstStyle/>
+            <a:p>
+              <a:pPr algn="ctr"/>
+              <a:endParaRPr lang="zh-CN" altLang="en-US"/>
+            </a:p>
+          </p:txBody>
+        </p:sp>
+        <p:grpSp>
+          <p:nvGrpSpPr>
+            <p:cNvPr id="84" name="Group 83"/>
+            <p:cNvGrpSpPr/>
+            <p:nvPr/>
+          </p:nvGrpSpPr>
+          <p:grpSpPr>
+            <a:xfrm>
+              <a:off x="7001617" y="1005384"/>
+              <a:ext cx="2669668" cy="4223566"/>
+              <a:chOff x="1568851" y="1005384"/>
+              <a:chExt cx="2669668" cy="4223566"/>
+            </a:xfrm>
+          </p:grpSpPr>
+          <p:sp>
+            <p:nvSpPr>
+              <p:cNvPr id="131" name="TextBox 130"/>
+              <p:cNvSpPr txBox="1"/>
+              <p:nvPr/>
+            </p:nvSpPr>
+            <p:spPr>
+              <a:xfrm>
+                <a:off x="1943851" y="3782400"/>
+                <a:ext cx="2294668" cy="1446550"/>
+              </a:xfrm>
+              <a:prstGeom prst="rect">
+                <a:avLst/>
+              </a:prstGeom>
+              <a:noFill/>
+            </p:spPr>
+            <p:txBody>
+              <a:bodyPr wrap="square" rtlCol="0">
+                <a:spAutoFit/>
+              </a:bodyPr>
+              <a:lstStyle/>
+              <a:p>
+                <a:r>
+                  <a:rPr lang="en-US" altLang="zh-CN" sz="8800" dirty="0" smtClean="0">
+                    <a:solidFill>
+                      <a:schemeClr val="bg1"/>
+                    </a:solidFill>
+                    <a:latin typeface="Aharoni" panose="02010803020104030203" pitchFamily="2" charset="-79"/>
+                    <a:cs typeface="Aharoni" panose="02010803020104030203" pitchFamily="2" charset="-79"/>
+                  </a:rPr>
+                  <a:t>FITC</a:t>
+                </a:r>
+                <a:endParaRPr lang="zh-CN" altLang="en-US" sz="8800" dirty="0">
+                  <a:solidFill>
+                    <a:schemeClr val="bg1"/>
+                  </a:solidFill>
+                  <a:latin typeface="Aharoni" panose="02010803020104030203" pitchFamily="2" charset="-79"/>
+                  <a:cs typeface="Aharoni" panose="02010803020104030203" pitchFamily="2" charset="-79"/>
+                </a:endParaRPr>
+              </a:p>
+            </p:txBody>
+          </p:sp>
           <p:grpSp>
             <p:nvGrpSpPr>
-              <p:cNvPr id="12" name="Group 11"/>
+              <p:cNvPr id="132" name="Group 131"/>
               <p:cNvGrpSpPr/>
               <p:nvPr/>
             </p:nvGrpSpPr>
             <p:grpSpPr>
               <a:xfrm>
-                <a:off x="6437065" y="2512212"/>
-                <a:ext cx="576000" cy="1275952"/>
-                <a:chOff x="6301268" y="2270130"/>
-                <a:chExt cx="576000" cy="1275952"/>
+                <a:off x="1568851" y="1005384"/>
+                <a:ext cx="2376000" cy="4018016"/>
+                <a:chOff x="1568851" y="1005384"/>
+                <a:chExt cx="2376000" cy="4018016"/>
               </a:xfrm>
             </p:grpSpPr>
             <p:sp>
               <p:nvSpPr>
-                <p:cNvPr id="6" name="Rectangle 5"/>
+                <p:cNvPr id="133" name="Oval 132"/>
                 <p:cNvSpPr/>
                 <p:nvPr/>
               </p:nvSpPr>
               <p:spPr>
                 <a:xfrm>
-                  <a:off x="6301268" y="2270130"/>
-                  <a:ext cx="576000" cy="72000"/>
+                  <a:off x="2612851" y="3696525"/>
+                  <a:ext cx="288000" cy="288000"/>
                 </a:xfrm>
-                <a:prstGeom prst="rect">
+                <a:prstGeom prst="ellipse">
                   <a:avLst/>
                 </a:prstGeom>
                 <a:solidFill>
@@ -3150,9 +5259,166 @@
                 </a:p>
               </p:txBody>
             </p:sp>
+            <p:grpSp>
+              <p:nvGrpSpPr>
+                <p:cNvPr id="134" name="Group 133"/>
+                <p:cNvGrpSpPr/>
+                <p:nvPr/>
+              </p:nvGrpSpPr>
+              <p:grpSpPr>
+                <a:xfrm>
+                  <a:off x="2180851" y="1005384"/>
+                  <a:ext cx="1152000" cy="2551904"/>
+                  <a:chOff x="6301268" y="2270130"/>
+                  <a:chExt cx="576000" cy="1275952"/>
+                </a:xfrm>
+              </p:grpSpPr>
+              <p:sp>
+                <p:nvSpPr>
+                  <p:cNvPr id="139" name="Rectangle 138"/>
+                  <p:cNvSpPr/>
+                  <p:nvPr/>
+                </p:nvSpPr>
+                <p:spPr>
+                  <a:xfrm>
+                    <a:off x="6301268" y="2270130"/>
+                    <a:ext cx="576000" cy="72000"/>
+                  </a:xfrm>
+                  <a:prstGeom prst="rect">
+                    <a:avLst/>
+                  </a:prstGeom>
+                  <a:solidFill>
+                    <a:schemeClr val="bg1"/>
+                  </a:solidFill>
+                  <a:ln>
+                    <a:noFill/>
+                  </a:ln>
+                </p:spPr>
+                <p:style>
+                  <a:lnRef idx="2">
+                    <a:schemeClr val="accent1">
+                      <a:shade val="50000"/>
+                    </a:schemeClr>
+                  </a:lnRef>
+                  <a:fillRef idx="1">
+                    <a:schemeClr val="accent1"/>
+                  </a:fillRef>
+                  <a:effectRef idx="0">
+                    <a:schemeClr val="accent1"/>
+                  </a:effectRef>
+                  <a:fontRef idx="minor">
+                    <a:schemeClr val="lt1"/>
+                  </a:fontRef>
+                </p:style>
+                <p:txBody>
+                  <a:bodyPr rtlCol="0" anchor="ctr"/>
+                  <a:lstStyle/>
+                  <a:p>
+                    <a:pPr algn="ctr"/>
+                    <a:endParaRPr lang="zh-CN" altLang="en-US"/>
+                  </a:p>
+                </p:txBody>
+              </p:sp>
+              <p:sp>
+                <p:nvSpPr>
+                  <p:cNvPr id="140" name="Rectangle 139"/>
+                  <p:cNvSpPr>
+                    <a:spLocks noChangeAspect="1"/>
+                  </p:cNvSpPr>
+                  <p:nvPr/>
+                </p:nvSpPr>
+                <p:spPr>
+                  <a:xfrm>
+                    <a:off x="6301268" y="2411306"/>
+                    <a:ext cx="576000" cy="345600"/>
+                  </a:xfrm>
+                  <a:prstGeom prst="rect">
+                    <a:avLst/>
+                  </a:prstGeom>
+                  <a:solidFill>
+                    <a:schemeClr val="bg1"/>
+                  </a:solidFill>
+                  <a:ln>
+                    <a:noFill/>
+                  </a:ln>
+                </p:spPr>
+                <p:style>
+                  <a:lnRef idx="2">
+                    <a:schemeClr val="accent1">
+                      <a:shade val="50000"/>
+                    </a:schemeClr>
+                  </a:lnRef>
+                  <a:fillRef idx="1">
+                    <a:schemeClr val="accent1"/>
+                  </a:fillRef>
+                  <a:effectRef idx="0">
+                    <a:schemeClr val="accent1"/>
+                  </a:effectRef>
+                  <a:fontRef idx="minor">
+                    <a:schemeClr val="lt1"/>
+                  </a:fontRef>
+                </p:style>
+                <p:txBody>
+                  <a:bodyPr rtlCol="0" anchor="ctr"/>
+                  <a:lstStyle/>
+                  <a:p>
+                    <a:pPr algn="ctr"/>
+                    <a:endParaRPr lang="zh-CN" altLang="en-US"/>
+                  </a:p>
+                </p:txBody>
+              </p:sp>
+              <p:sp>
+                <p:nvSpPr>
+                  <p:cNvPr id="141" name="Isosceles Triangle 140"/>
+                  <p:cNvSpPr>
+                    <a:spLocks noChangeAspect="1"/>
+                  </p:cNvSpPr>
+                  <p:nvPr/>
+                </p:nvSpPr>
+                <p:spPr>
+                  <a:xfrm flipV="1">
+                    <a:off x="6373268" y="2826082"/>
+                    <a:ext cx="432000" cy="720000"/>
+                  </a:xfrm>
+                  <a:prstGeom prst="triangle">
+                    <a:avLst/>
+                  </a:prstGeom>
+                  <a:solidFill>
+                    <a:schemeClr val="bg1"/>
+                  </a:solidFill>
+                  <a:ln>
+                    <a:noFill/>
+                  </a:ln>
+                </p:spPr>
+                <p:style>
+                  <a:lnRef idx="2">
+                    <a:schemeClr val="accent1">
+                      <a:shade val="50000"/>
+                    </a:schemeClr>
+                  </a:lnRef>
+                  <a:fillRef idx="1">
+                    <a:schemeClr val="accent1"/>
+                  </a:fillRef>
+                  <a:effectRef idx="0">
+                    <a:schemeClr val="accent1"/>
+                  </a:effectRef>
+                  <a:fontRef idx="minor">
+                    <a:schemeClr val="lt1"/>
+                  </a:fontRef>
+                </p:style>
+                <p:txBody>
+                  <a:bodyPr rtlCol="0" anchor="ctr"/>
+                  <a:lstStyle/>
+                  <a:p>
+                    <a:pPr algn="ctr"/>
+                    <a:endParaRPr lang="zh-CN" altLang="en-US"/>
+                  </a:p>
+                </p:txBody>
+              </p:sp>
+            </p:grpSp>
             <p:sp>
               <p:nvSpPr>
-                <p:cNvPr id="8" name="Rectangle 7"/>
+                <p:cNvPr id="135" name="Arc 134"/>
                 <p:cNvSpPr>
                   <a:spLocks noChangeAspect="1"/>
                 </p:cNvSpPr>
@@ -3160,33 +5426,33 @@
               </p:nvSpPr>
               <p:spPr>
                 <a:xfrm>
-                  <a:off x="6301268" y="2411306"/>
-                  <a:ext cx="576000" cy="345600"/>
+                  <a:off x="1838851" y="2922525"/>
+                  <a:ext cx="1836000" cy="1836000"/>
                 </a:xfrm>
-                <a:prstGeom prst="rect">
-                  <a:avLst/>
+                <a:prstGeom prst="arc">
+                  <a:avLst>
+                    <a:gd name="adj1" fmla="val 14502741"/>
+                    <a:gd name="adj2" fmla="val 17852999"/>
+                  </a:avLst>
                 </a:prstGeom>
-                <a:solidFill>
-                  <a:schemeClr val="bg1"/>
-                </a:solidFill>
-                <a:ln>
-                  <a:noFill/>
+                <a:ln w="152400">
+                  <a:solidFill>
+                    <a:srgbClr val="7030A0"/>
+                  </a:solidFill>
                 </a:ln>
               </p:spPr>
               <p:style>
-                <a:lnRef idx="2">
-                  <a:schemeClr val="accent1">
-                    <a:shade val="50000"/>
-                  </a:schemeClr>
+                <a:lnRef idx="1">
+                  <a:schemeClr val="accent1"/>
                 </a:lnRef>
-                <a:fillRef idx="1">
+                <a:fillRef idx="0">
                   <a:schemeClr val="accent1"/>
                 </a:fillRef>
                 <a:effectRef idx="0">
                   <a:schemeClr val="accent1"/>
                 </a:effectRef>
                 <a:fontRef idx="minor">
-                  <a:schemeClr val="lt1"/>
+                  <a:schemeClr val="tx1"/>
                 </a:fontRef>
               </p:style>
               <p:txBody>
@@ -3200,41 +5466,89 @@
             </p:sp>
             <p:sp>
               <p:nvSpPr>
-                <p:cNvPr id="10" name="Isosceles Triangle 9"/>
+                <p:cNvPr id="136" name="Arc 135"/>
                 <p:cNvSpPr>
                   <a:spLocks noChangeAspect="1"/>
                 </p:cNvSpPr>
                 <p:nvPr/>
               </p:nvSpPr>
               <p:spPr>
-                <a:xfrm flipV="1">
-                  <a:off x="6373268" y="2826082"/>
-                  <a:ext cx="432000" cy="720000"/>
+                <a:xfrm>
+                  <a:off x="2216851" y="3205400"/>
+                  <a:ext cx="1080000" cy="1260000"/>
                 </a:xfrm>
-                <a:prstGeom prst="triangle">
-                  <a:avLst/>
+                <a:prstGeom prst="arc">
+                  <a:avLst>
+                    <a:gd name="adj1" fmla="val 14502741"/>
+                    <a:gd name="adj2" fmla="val 17852999"/>
+                  </a:avLst>
                 </a:prstGeom>
-                <a:solidFill>
-                  <a:schemeClr val="bg1"/>
-                </a:solidFill>
-                <a:ln>
-                  <a:noFill/>
+                <a:ln w="152400">
+                  <a:solidFill>
+                    <a:srgbClr val="7030A0"/>
+                  </a:solidFill>
                 </a:ln>
               </p:spPr>
               <p:style>
-                <a:lnRef idx="2">
-                  <a:schemeClr val="accent1">
-                    <a:shade val="50000"/>
-                  </a:schemeClr>
+                <a:lnRef idx="1">
+                  <a:schemeClr val="accent1"/>
                 </a:lnRef>
-                <a:fillRef idx="1">
+                <a:fillRef idx="0">
                   <a:schemeClr val="accent1"/>
                 </a:fillRef>
                 <a:effectRef idx="0">
                   <a:schemeClr val="accent1"/>
                 </a:effectRef>
                 <a:fontRef idx="minor">
-                  <a:schemeClr val="lt1"/>
+                  <a:schemeClr val="tx1"/>
+                </a:fontRef>
+              </p:style>
+              <p:txBody>
+                <a:bodyPr rtlCol="0" anchor="ctr"/>
+                <a:lstStyle/>
+                <a:p>
+                  <a:pPr algn="ctr"/>
+                  <a:endParaRPr lang="zh-CN" altLang="en-US"/>
+                </a:p>
+              </p:txBody>
+            </p:sp>
+            <p:sp>
+              <p:nvSpPr>
+                <p:cNvPr id="137" name="Arc 136"/>
+                <p:cNvSpPr>
+                  <a:spLocks noChangeAspect="1"/>
+                </p:cNvSpPr>
+                <p:nvPr/>
+              </p:nvSpPr>
+              <p:spPr>
+                <a:xfrm>
+                  <a:off x="1568851" y="2647400"/>
+                  <a:ext cx="2376000" cy="2376000"/>
+                </a:xfrm>
+                <a:prstGeom prst="arc">
+                  <a:avLst>
+                    <a:gd name="adj1" fmla="val 14502741"/>
+                    <a:gd name="adj2" fmla="val 17852999"/>
+                  </a:avLst>
+                </a:prstGeom>
+                <a:ln w="152400">
+                  <a:solidFill>
+                    <a:srgbClr val="7030A0"/>
+                  </a:solidFill>
+                </a:ln>
+              </p:spPr>
+              <p:style>
+                <a:lnRef idx="1">
+                  <a:schemeClr val="accent1"/>
+                </a:lnRef>
+                <a:fillRef idx="0">
+                  <a:schemeClr val="accent1"/>
+                </a:fillRef>
+                <a:effectRef idx="0">
+                  <a:schemeClr val="accent1"/>
+                </a:effectRef>
+                <a:fontRef idx="minor">
+                  <a:schemeClr val="tx1"/>
                 </a:fontRef>
               </p:style>
               <p:txBody>
@@ -3248,48 +5562,6 @@
             </p:sp>
           </p:grpSp>
         </p:grpSp>
-        <p:sp>
-          <p:nvSpPr>
-            <p:cNvPr id="4" name="TextBox 3"/>
-            <p:cNvSpPr txBox="1"/>
-            <p:nvPr/>
-          </p:nvSpPr>
-          <p:spPr>
-            <a:xfrm>
-              <a:off x="6812065" y="5289228"/>
-              <a:ext cx="3644720" cy="1446550"/>
-            </a:xfrm>
-            <a:prstGeom prst="rect">
-              <a:avLst/>
-            </a:prstGeom>
-            <a:noFill/>
-          </p:spPr>
-          <p:txBody>
-            <a:bodyPr wrap="square" rtlCol="0">
-              <a:spAutoFit/>
-            </a:bodyPr>
-            <a:lstStyle/>
-            <a:p>
-              <a:r>
-                <a:rPr lang="en-US" altLang="zh-CN" sz="8800" dirty="0" smtClean="0">
-                  <a:solidFill>
-                    <a:schemeClr val="bg1"/>
-                  </a:solidFill>
-                  <a:latin typeface="Aharoni" panose="02010803020104030203" pitchFamily="2" charset="-79"/>
-                  <a:cs typeface="Aharoni" panose="02010803020104030203" pitchFamily="2" charset="-79"/>
-                </a:rPr>
-                <a:t>FITC</a:t>
-              </a:r>
-              <a:endParaRPr lang="zh-CN" altLang="en-US" sz="8800" dirty="0">
-                <a:solidFill>
-                  <a:schemeClr val="bg1"/>
-                </a:solidFill>
-                <a:latin typeface="Aharoni" panose="02010803020104030203" pitchFamily="2" charset="-79"/>
-                <a:cs typeface="Aharoni" panose="02010803020104030203" pitchFamily="2" charset="-79"/>
-              </a:endParaRPr>
-            </a:p>
-          </p:txBody>
-        </p:sp>
       </p:grpSp>
     </p:spTree>
     <p:extLst>

--- a/训练中心Logo设计方案.pptx
+++ b/训练中心Logo设计方案.pptx
@@ -2971,1712 +2971,136 @@
           <a:chExt cx="0" cy="0"/>
         </a:xfrm>
       </p:grpSpPr>
+      <p:sp>
+        <p:nvSpPr>
+          <p:cNvPr id="5" name="Rectangle 4"/>
+          <p:cNvSpPr>
+            <a:spLocks/>
+          </p:cNvSpPr>
+          <p:nvPr/>
+        </p:nvSpPr>
+        <p:spPr>
+          <a:xfrm>
+            <a:off x="956851" y="1005384"/>
+            <a:ext cx="3600000" cy="3744000"/>
+          </a:xfrm>
+          <a:prstGeom prst="rect">
+            <a:avLst/>
+          </a:prstGeom>
+          <a:solidFill>
+            <a:srgbClr val="7030A0"/>
+          </a:solidFill>
+          <a:ln>
+            <a:noFill/>
+          </a:ln>
+        </p:spPr>
+        <p:style>
+          <a:lnRef idx="2">
+            <a:schemeClr val="accent1">
+              <a:shade val="50000"/>
+            </a:schemeClr>
+          </a:lnRef>
+          <a:fillRef idx="1">
+            <a:schemeClr val="accent1"/>
+          </a:fillRef>
+          <a:effectRef idx="0">
+            <a:schemeClr val="accent1"/>
+          </a:effectRef>
+          <a:fontRef idx="minor">
+            <a:schemeClr val="lt1"/>
+          </a:fontRef>
+        </p:style>
+        <p:txBody>
+          <a:bodyPr rtlCol="0" anchor="ctr"/>
+          <a:lstStyle/>
+          <a:p>
+            <a:pPr algn="ctr"/>
+            <a:endParaRPr lang="zh-CN" altLang="en-US"/>
+          </a:p>
+        </p:txBody>
+      </p:sp>
       <p:grpSp>
         <p:nvGrpSpPr>
-          <p:cNvPr id="81" name="Group 80"/>
+          <p:cNvPr id="80" name="Group 79"/>
           <p:cNvGrpSpPr/>
           <p:nvPr/>
         </p:nvGrpSpPr>
         <p:grpSpPr>
           <a:xfrm>
-            <a:off x="956849" y="753384"/>
-            <a:ext cx="3600002" cy="4475566"/>
-            <a:chOff x="956849" y="753384"/>
-            <a:chExt cx="3600002" cy="4475566"/>
+            <a:off x="1738184" y="1005384"/>
+            <a:ext cx="2669668" cy="4223566"/>
+            <a:chOff x="1568851" y="1005384"/>
+            <a:chExt cx="2669668" cy="4223566"/>
           </a:xfrm>
         </p:grpSpPr>
         <p:sp>
           <p:nvSpPr>
-            <p:cNvPr id="5" name="Rectangle 4"/>
-            <p:cNvSpPr>
-              <a:spLocks/>
-            </p:cNvSpPr>
+            <p:cNvPr id="4" name="TextBox 3"/>
+            <p:cNvSpPr txBox="1"/>
             <p:nvPr/>
           </p:nvSpPr>
           <p:spPr>
             <a:xfrm>
-              <a:off x="956851" y="1005384"/>
-              <a:ext cx="3600000" cy="3744000"/>
+              <a:off x="1943851" y="3782400"/>
+              <a:ext cx="2294668" cy="1446550"/>
             </a:xfrm>
             <a:prstGeom prst="rect">
               <a:avLst/>
             </a:prstGeom>
-            <a:solidFill>
-              <a:srgbClr val="7030A0"/>
-            </a:solidFill>
-            <a:ln>
-              <a:noFill/>
-            </a:ln>
+            <a:noFill/>
           </p:spPr>
-          <p:style>
-            <a:lnRef idx="2">
-              <a:schemeClr val="accent1">
-                <a:shade val="50000"/>
-              </a:schemeClr>
-            </a:lnRef>
-            <a:fillRef idx="1">
-              <a:schemeClr val="accent1"/>
-            </a:fillRef>
-            <a:effectRef idx="0">
-              <a:schemeClr val="accent1"/>
-            </a:effectRef>
-            <a:fontRef idx="minor">
-              <a:schemeClr val="lt1"/>
-            </a:fontRef>
-          </p:style>
           <p:txBody>
-            <a:bodyPr rtlCol="0" anchor="ctr"/>
+            <a:bodyPr wrap="square" rtlCol="0">
+              <a:spAutoFit/>
+            </a:bodyPr>
             <a:lstStyle/>
             <a:p>
-              <a:pPr algn="ctr"/>
-              <a:endParaRPr lang="zh-CN" altLang="en-US"/>
+              <a:r>
+                <a:rPr lang="en-US" altLang="zh-CN" sz="8800" dirty="0" smtClean="0">
+                  <a:solidFill>
+                    <a:schemeClr val="bg1"/>
+                  </a:solidFill>
+                  <a:latin typeface="Aharoni" panose="02010803020104030203" pitchFamily="2" charset="-79"/>
+                  <a:cs typeface="Aharoni" panose="02010803020104030203" pitchFamily="2" charset="-79"/>
+                </a:rPr>
+                <a:t>FITC</a:t>
+              </a:r>
+              <a:endParaRPr lang="zh-CN" altLang="en-US" sz="8800" dirty="0">
+                <a:solidFill>
+                  <a:schemeClr val="bg1"/>
+                </a:solidFill>
+                <a:latin typeface="Aharoni" panose="02010803020104030203" pitchFamily="2" charset="-79"/>
+                <a:cs typeface="Aharoni" panose="02010803020104030203" pitchFamily="2" charset="-79"/>
+              </a:endParaRPr>
             </a:p>
           </p:txBody>
         </p:sp>
         <p:grpSp>
           <p:nvGrpSpPr>
-            <p:cNvPr id="80" name="Group 79"/>
+            <p:cNvPr id="79" name="Group 78"/>
             <p:cNvGrpSpPr/>
             <p:nvPr/>
           </p:nvGrpSpPr>
           <p:grpSpPr>
             <a:xfrm>
-              <a:off x="1738184" y="1005384"/>
-              <a:ext cx="2669668" cy="4223566"/>
+              <a:off x="1568851" y="1005384"/>
+              <a:ext cx="2376000" cy="4018016"/>
               <a:chOff x="1568851" y="1005384"/>
-              <a:chExt cx="2669668" cy="4223566"/>
+              <a:chExt cx="2376000" cy="4018016"/>
             </a:xfrm>
           </p:grpSpPr>
           <p:sp>
             <p:nvSpPr>
-              <p:cNvPr id="4" name="TextBox 3"/>
-              <p:cNvSpPr txBox="1"/>
+              <p:cNvPr id="7" name="Oval 6"/>
+              <p:cNvSpPr/>
               <p:nvPr/>
             </p:nvSpPr>
             <p:spPr>
               <a:xfrm>
-                <a:off x="1943851" y="3782400"/>
-                <a:ext cx="2294668" cy="1446550"/>
+                <a:off x="2612851" y="3696525"/>
+                <a:ext cx="288000" cy="288000"/>
               </a:xfrm>
-              <a:prstGeom prst="rect">
-                <a:avLst/>
-              </a:prstGeom>
-              <a:noFill/>
-            </p:spPr>
-            <p:txBody>
-              <a:bodyPr wrap="square" rtlCol="0">
-                <a:spAutoFit/>
-              </a:bodyPr>
-              <a:lstStyle/>
-              <a:p>
-                <a:r>
-                  <a:rPr lang="en-US" altLang="zh-CN" sz="8800" dirty="0" smtClean="0">
-                    <a:solidFill>
-                      <a:schemeClr val="bg1"/>
-                    </a:solidFill>
-                    <a:latin typeface="Aharoni" panose="02010803020104030203" pitchFamily="2" charset="-79"/>
-                    <a:cs typeface="Aharoni" panose="02010803020104030203" pitchFamily="2" charset="-79"/>
-                  </a:rPr>
-                  <a:t>FITC</a:t>
-                </a:r>
-                <a:endParaRPr lang="zh-CN" altLang="en-US" sz="8800" dirty="0">
-                  <a:solidFill>
-                    <a:schemeClr val="bg1"/>
-                  </a:solidFill>
-                  <a:latin typeface="Aharoni" panose="02010803020104030203" pitchFamily="2" charset="-79"/>
-                  <a:cs typeface="Aharoni" panose="02010803020104030203" pitchFamily="2" charset="-79"/>
-                </a:endParaRPr>
-              </a:p>
-            </p:txBody>
-          </p:sp>
-          <p:grpSp>
-            <p:nvGrpSpPr>
-              <p:cNvPr id="79" name="Group 78"/>
-              <p:cNvGrpSpPr/>
-              <p:nvPr/>
-            </p:nvGrpSpPr>
-            <p:grpSpPr>
-              <a:xfrm>
-                <a:off x="1568851" y="1005384"/>
-                <a:ext cx="2376000" cy="4018016"/>
-                <a:chOff x="1568851" y="1005384"/>
-                <a:chExt cx="2376000" cy="4018016"/>
-              </a:xfrm>
-            </p:grpSpPr>
-            <p:sp>
-              <p:nvSpPr>
-                <p:cNvPr id="7" name="Oval 6"/>
-                <p:cNvSpPr/>
-                <p:nvPr/>
-              </p:nvSpPr>
-              <p:spPr>
-                <a:xfrm>
-                  <a:off x="2612851" y="3696525"/>
-                  <a:ext cx="288000" cy="288000"/>
-                </a:xfrm>
-                <a:prstGeom prst="ellipse">
-                  <a:avLst/>
-                </a:prstGeom>
-                <a:solidFill>
-                  <a:schemeClr val="bg1"/>
-                </a:solidFill>
-                <a:ln>
-                  <a:noFill/>
-                </a:ln>
-              </p:spPr>
-              <p:style>
-                <a:lnRef idx="2">
-                  <a:schemeClr val="accent1">
-                    <a:shade val="50000"/>
-                  </a:schemeClr>
-                </a:lnRef>
-                <a:fillRef idx="1">
-                  <a:schemeClr val="accent1"/>
-                </a:fillRef>
-                <a:effectRef idx="0">
-                  <a:schemeClr val="accent1"/>
-                </a:effectRef>
-                <a:fontRef idx="minor">
-                  <a:schemeClr val="lt1"/>
-                </a:fontRef>
-              </p:style>
-              <p:txBody>
-                <a:bodyPr rtlCol="0" anchor="ctr"/>
-                <a:lstStyle/>
-                <a:p>
-                  <a:pPr algn="ctr"/>
-                  <a:endParaRPr lang="zh-CN" altLang="en-US"/>
-                </a:p>
-              </p:txBody>
-            </p:sp>
-            <p:grpSp>
-              <p:nvGrpSpPr>
-                <p:cNvPr id="12" name="Group 11"/>
-                <p:cNvGrpSpPr/>
-                <p:nvPr/>
-              </p:nvGrpSpPr>
-              <p:grpSpPr>
-                <a:xfrm>
-                  <a:off x="2180851" y="1005384"/>
-                  <a:ext cx="1152000" cy="2551904"/>
-                  <a:chOff x="6301268" y="2270130"/>
-                  <a:chExt cx="576000" cy="1275952"/>
-                </a:xfrm>
-              </p:grpSpPr>
-              <p:sp>
-                <p:nvSpPr>
-                  <p:cNvPr id="6" name="Rectangle 5"/>
-                  <p:cNvSpPr/>
-                  <p:nvPr/>
-                </p:nvSpPr>
-                <p:spPr>
-                  <a:xfrm>
-                    <a:off x="6301268" y="2270130"/>
-                    <a:ext cx="576000" cy="72000"/>
-                  </a:xfrm>
-                  <a:prstGeom prst="rect">
-                    <a:avLst/>
-                  </a:prstGeom>
-                  <a:solidFill>
-                    <a:schemeClr val="bg1"/>
-                  </a:solidFill>
-                  <a:ln>
-                    <a:noFill/>
-                  </a:ln>
-                </p:spPr>
-                <p:style>
-                  <a:lnRef idx="2">
-                    <a:schemeClr val="accent1">
-                      <a:shade val="50000"/>
-                    </a:schemeClr>
-                  </a:lnRef>
-                  <a:fillRef idx="1">
-                    <a:schemeClr val="accent1"/>
-                  </a:fillRef>
-                  <a:effectRef idx="0">
-                    <a:schemeClr val="accent1"/>
-                  </a:effectRef>
-                  <a:fontRef idx="minor">
-                    <a:schemeClr val="lt1"/>
-                  </a:fontRef>
-                </p:style>
-                <p:txBody>
-                  <a:bodyPr rtlCol="0" anchor="ctr"/>
-                  <a:lstStyle/>
-                  <a:p>
-                    <a:pPr algn="ctr"/>
-                    <a:endParaRPr lang="zh-CN" altLang="en-US"/>
-                  </a:p>
-                </p:txBody>
-              </p:sp>
-              <p:sp>
-                <p:nvSpPr>
-                  <p:cNvPr id="8" name="Rectangle 7"/>
-                  <p:cNvSpPr>
-                    <a:spLocks noChangeAspect="1"/>
-                  </p:cNvSpPr>
-                  <p:nvPr/>
-                </p:nvSpPr>
-                <p:spPr>
-                  <a:xfrm>
-                    <a:off x="6301268" y="2411306"/>
-                    <a:ext cx="576000" cy="345600"/>
-                  </a:xfrm>
-                  <a:prstGeom prst="rect">
-                    <a:avLst/>
-                  </a:prstGeom>
-                  <a:solidFill>
-                    <a:schemeClr val="bg1"/>
-                  </a:solidFill>
-                  <a:ln>
-                    <a:noFill/>
-                  </a:ln>
-                </p:spPr>
-                <p:style>
-                  <a:lnRef idx="2">
-                    <a:schemeClr val="accent1">
-                      <a:shade val="50000"/>
-                    </a:schemeClr>
-                  </a:lnRef>
-                  <a:fillRef idx="1">
-                    <a:schemeClr val="accent1"/>
-                  </a:fillRef>
-                  <a:effectRef idx="0">
-                    <a:schemeClr val="accent1"/>
-                  </a:effectRef>
-                  <a:fontRef idx="minor">
-                    <a:schemeClr val="lt1"/>
-                  </a:fontRef>
-                </p:style>
-                <p:txBody>
-                  <a:bodyPr rtlCol="0" anchor="ctr"/>
-                  <a:lstStyle/>
-                  <a:p>
-                    <a:pPr algn="ctr"/>
-                    <a:endParaRPr lang="zh-CN" altLang="en-US"/>
-                  </a:p>
-                </p:txBody>
-              </p:sp>
-              <p:sp>
-                <p:nvSpPr>
-                  <p:cNvPr id="10" name="Isosceles Triangle 9"/>
-                  <p:cNvSpPr>
-                    <a:spLocks noChangeAspect="1"/>
-                  </p:cNvSpPr>
-                  <p:nvPr/>
-                </p:nvSpPr>
-                <p:spPr>
-                  <a:xfrm flipV="1">
-                    <a:off x="6373268" y="2826082"/>
-                    <a:ext cx="432000" cy="720000"/>
-                  </a:xfrm>
-                  <a:prstGeom prst="triangle">
-                    <a:avLst/>
-                  </a:prstGeom>
-                  <a:solidFill>
-                    <a:schemeClr val="bg1"/>
-                  </a:solidFill>
-                  <a:ln>
-                    <a:noFill/>
-                  </a:ln>
-                </p:spPr>
-                <p:style>
-                  <a:lnRef idx="2">
-                    <a:schemeClr val="accent1">
-                      <a:shade val="50000"/>
-                    </a:schemeClr>
-                  </a:lnRef>
-                  <a:fillRef idx="1">
-                    <a:schemeClr val="accent1"/>
-                  </a:fillRef>
-                  <a:effectRef idx="0">
-                    <a:schemeClr val="accent1"/>
-                  </a:effectRef>
-                  <a:fontRef idx="minor">
-                    <a:schemeClr val="lt1"/>
-                  </a:fontRef>
-                </p:style>
-                <p:txBody>
-                  <a:bodyPr rtlCol="0" anchor="ctr"/>
-                  <a:lstStyle/>
-                  <a:p>
-                    <a:pPr algn="ctr"/>
-                    <a:endParaRPr lang="zh-CN" altLang="en-US"/>
-                  </a:p>
-                </p:txBody>
-              </p:sp>
-            </p:grpSp>
-            <p:sp>
-              <p:nvSpPr>
-                <p:cNvPr id="2" name="Arc 1"/>
-                <p:cNvSpPr>
-                  <a:spLocks noChangeAspect="1"/>
-                </p:cNvSpPr>
-                <p:nvPr/>
-              </p:nvSpPr>
-              <p:spPr>
-                <a:xfrm>
-                  <a:off x="1838851" y="2922525"/>
-                  <a:ext cx="1836000" cy="1836000"/>
-                </a:xfrm>
-                <a:prstGeom prst="arc">
-                  <a:avLst>
-                    <a:gd name="adj1" fmla="val 14502741"/>
-                    <a:gd name="adj2" fmla="val 17852999"/>
-                  </a:avLst>
-                </a:prstGeom>
-                <a:ln w="152400">
-                  <a:solidFill>
-                    <a:srgbClr val="7030A0"/>
-                  </a:solidFill>
-                </a:ln>
-              </p:spPr>
-              <p:style>
-                <a:lnRef idx="1">
-                  <a:schemeClr val="accent1"/>
-                </a:lnRef>
-                <a:fillRef idx="0">
-                  <a:schemeClr val="accent1"/>
-                </a:fillRef>
-                <a:effectRef idx="0">
-                  <a:schemeClr val="accent1"/>
-                </a:effectRef>
-                <a:fontRef idx="minor">
-                  <a:schemeClr val="tx1"/>
-                </a:fontRef>
-              </p:style>
-              <p:txBody>
-                <a:bodyPr rtlCol="0" anchor="ctr"/>
-                <a:lstStyle/>
-                <a:p>
-                  <a:pPr algn="ctr"/>
-                  <a:endParaRPr lang="zh-CN" altLang="en-US"/>
-                </a:p>
-              </p:txBody>
-            </p:sp>
-            <p:sp>
-              <p:nvSpPr>
-                <p:cNvPr id="19" name="Arc 18"/>
-                <p:cNvSpPr>
-                  <a:spLocks noChangeAspect="1"/>
-                </p:cNvSpPr>
-                <p:nvPr/>
-              </p:nvSpPr>
-              <p:spPr>
-                <a:xfrm>
-                  <a:off x="2216851" y="3205400"/>
-                  <a:ext cx="1080000" cy="1260000"/>
-                </a:xfrm>
-                <a:prstGeom prst="arc">
-                  <a:avLst>
-                    <a:gd name="adj1" fmla="val 14502741"/>
-                    <a:gd name="adj2" fmla="val 17852999"/>
-                  </a:avLst>
-                </a:prstGeom>
-                <a:ln w="152400">
-                  <a:solidFill>
-                    <a:srgbClr val="7030A0"/>
-                  </a:solidFill>
-                </a:ln>
-              </p:spPr>
-              <p:style>
-                <a:lnRef idx="1">
-                  <a:schemeClr val="accent1"/>
-                </a:lnRef>
-                <a:fillRef idx="0">
-                  <a:schemeClr val="accent1"/>
-                </a:fillRef>
-                <a:effectRef idx="0">
-                  <a:schemeClr val="accent1"/>
-                </a:effectRef>
-                <a:fontRef idx="minor">
-                  <a:schemeClr val="tx1"/>
-                </a:fontRef>
-              </p:style>
-              <p:txBody>
-                <a:bodyPr rtlCol="0" anchor="ctr"/>
-                <a:lstStyle/>
-                <a:p>
-                  <a:pPr algn="ctr"/>
-                  <a:endParaRPr lang="zh-CN" altLang="en-US"/>
-                </a:p>
-              </p:txBody>
-            </p:sp>
-            <p:sp>
-              <p:nvSpPr>
-                <p:cNvPr id="20" name="Arc 19"/>
-                <p:cNvSpPr>
-                  <a:spLocks noChangeAspect="1"/>
-                </p:cNvSpPr>
-                <p:nvPr/>
-              </p:nvSpPr>
-              <p:spPr>
-                <a:xfrm>
-                  <a:off x="1568851" y="2647400"/>
-                  <a:ext cx="2376000" cy="2376000"/>
-                </a:xfrm>
-                <a:prstGeom prst="arc">
-                  <a:avLst>
-                    <a:gd name="adj1" fmla="val 14502741"/>
-                    <a:gd name="adj2" fmla="val 17852999"/>
-                  </a:avLst>
-                </a:prstGeom>
-                <a:ln w="152400">
-                  <a:solidFill>
-                    <a:srgbClr val="7030A0"/>
-                  </a:solidFill>
-                </a:ln>
-              </p:spPr>
-              <p:style>
-                <a:lnRef idx="1">
-                  <a:schemeClr val="accent1"/>
-                </a:lnRef>
-                <a:fillRef idx="0">
-                  <a:schemeClr val="accent1"/>
-                </a:fillRef>
-                <a:effectRef idx="0">
-                  <a:schemeClr val="accent1"/>
-                </a:effectRef>
-                <a:fontRef idx="minor">
-                  <a:schemeClr val="tx1"/>
-                </a:fontRef>
-              </p:style>
-              <p:txBody>
-                <a:bodyPr rtlCol="0" anchor="ctr"/>
-                <a:lstStyle/>
-                <a:p>
-                  <a:pPr algn="ctr"/>
-                  <a:endParaRPr lang="zh-CN" altLang="en-US"/>
-                </a:p>
-              </p:txBody>
-            </p:sp>
-          </p:grpSp>
-        </p:grpSp>
-        <p:grpSp>
-          <p:nvGrpSpPr>
-            <p:cNvPr id="76" name="Group 75"/>
-            <p:cNvGrpSpPr/>
-            <p:nvPr/>
-          </p:nvGrpSpPr>
-          <p:grpSpPr>
-            <a:xfrm>
-              <a:off x="956849" y="753384"/>
-              <a:ext cx="329670" cy="4253640"/>
-              <a:chOff x="956849" y="753384"/>
-              <a:chExt cx="329670" cy="4253640"/>
-            </a:xfrm>
-          </p:grpSpPr>
-          <p:grpSp>
-            <p:nvGrpSpPr>
-              <p:cNvPr id="65" name="Group 64"/>
-              <p:cNvGrpSpPr/>
-              <p:nvPr/>
-            </p:nvGrpSpPr>
-            <p:grpSpPr>
-              <a:xfrm>
-                <a:off x="956851" y="1005384"/>
-                <a:ext cx="329668" cy="3744000"/>
-                <a:chOff x="956851" y="660914"/>
-                <a:chExt cx="360000" cy="4088470"/>
-              </a:xfrm>
-            </p:grpSpPr>
-            <p:grpSp>
-              <p:nvGrpSpPr>
-                <p:cNvPr id="37" name="Group 36"/>
-                <p:cNvGrpSpPr>
-                  <a:grpSpLocks noChangeAspect="1"/>
-                </p:cNvGrpSpPr>
-                <p:nvPr/>
-              </p:nvGrpSpPr>
-              <p:grpSpPr>
-                <a:xfrm rot="10800000">
-                  <a:off x="956851" y="3683171"/>
-                  <a:ext cx="360000" cy="1066213"/>
-                  <a:chOff x="6439437" y="603736"/>
-                  <a:chExt cx="1800000" cy="5331066"/>
-                </a:xfrm>
-              </p:grpSpPr>
-              <p:cxnSp>
-                <p:nvCxnSpPr>
-                  <p:cNvPr id="11" name="Straight Connector 10"/>
-                  <p:cNvCxnSpPr/>
-                  <p:nvPr/>
-                </p:nvCxnSpPr>
-                <p:spPr>
-                  <a:xfrm>
-                    <a:off x="6439437" y="603736"/>
-                    <a:ext cx="1800000" cy="360000"/>
-                  </a:xfrm>
-                  <a:prstGeom prst="line">
-                    <a:avLst/>
-                  </a:prstGeom>
-                  <a:ln w="38100" cap="rnd">
-                    <a:solidFill>
-                      <a:schemeClr val="bg1"/>
-                    </a:solidFill>
-                    <a:round/>
-                  </a:ln>
-                </p:spPr>
-                <p:style>
-                  <a:lnRef idx="1">
-                    <a:schemeClr val="accent1"/>
-                  </a:lnRef>
-                  <a:fillRef idx="0">
-                    <a:schemeClr val="accent1"/>
-                  </a:fillRef>
-                  <a:effectRef idx="0">
-                    <a:schemeClr val="accent1"/>
-                  </a:effectRef>
-                  <a:fontRef idx="minor">
-                    <a:schemeClr val="tx1"/>
-                  </a:fontRef>
-                </p:style>
-              </p:cxnSp>
-              <p:cxnSp>
-                <p:nvCxnSpPr>
-                  <p:cNvPr id="24" name="Straight Connector 23"/>
-                  <p:cNvCxnSpPr/>
-                  <p:nvPr/>
-                </p:nvCxnSpPr>
-                <p:spPr>
-                  <a:xfrm>
-                    <a:off x="8239437" y="963736"/>
-                    <a:ext cx="0" cy="973552"/>
-                  </a:xfrm>
-                  <a:prstGeom prst="line">
-                    <a:avLst/>
-                  </a:prstGeom>
-                  <a:ln w="38100" cap="rnd">
-                    <a:solidFill>
-                      <a:schemeClr val="bg1"/>
-                    </a:solidFill>
-                    <a:round/>
-                  </a:ln>
-                </p:spPr>
-                <p:style>
-                  <a:lnRef idx="1">
-                    <a:schemeClr val="accent1"/>
-                  </a:lnRef>
-                  <a:fillRef idx="0">
-                    <a:schemeClr val="accent1"/>
-                  </a:fillRef>
-                  <a:effectRef idx="0">
-                    <a:schemeClr val="accent1"/>
-                  </a:effectRef>
-                  <a:fontRef idx="minor">
-                    <a:schemeClr val="tx1"/>
-                  </a:fontRef>
-                </p:style>
-              </p:cxnSp>
-              <p:cxnSp>
-                <p:nvCxnSpPr>
-                  <p:cNvPr id="31" name="Straight Connector 30"/>
-                  <p:cNvCxnSpPr/>
-                  <p:nvPr/>
-                </p:nvCxnSpPr>
-                <p:spPr>
-                  <a:xfrm flipV="1">
-                    <a:off x="6439437" y="1937288"/>
-                    <a:ext cx="1800000" cy="360000"/>
-                  </a:xfrm>
-                  <a:prstGeom prst="line">
-                    <a:avLst/>
-                  </a:prstGeom>
-                  <a:ln w="38100" cap="rnd">
-                    <a:solidFill>
-                      <a:schemeClr val="bg1"/>
-                    </a:solidFill>
-                    <a:round/>
-                  </a:ln>
-                </p:spPr>
-                <p:style>
-                  <a:lnRef idx="1">
-                    <a:schemeClr val="accent1"/>
-                  </a:lnRef>
-                  <a:fillRef idx="0">
-                    <a:schemeClr val="accent1"/>
-                  </a:fillRef>
-                  <a:effectRef idx="0">
-                    <a:schemeClr val="accent1"/>
-                  </a:effectRef>
-                  <a:fontRef idx="minor">
-                    <a:schemeClr val="tx1"/>
-                  </a:fontRef>
-                </p:style>
-              </p:cxnSp>
-              <p:cxnSp>
-                <p:nvCxnSpPr>
-                  <p:cNvPr id="32" name="Straight Connector 31"/>
-                  <p:cNvCxnSpPr/>
-                  <p:nvPr/>
-                </p:nvCxnSpPr>
-                <p:spPr>
-                  <a:xfrm>
-                    <a:off x="6439437" y="2297288"/>
-                    <a:ext cx="0" cy="973552"/>
-                  </a:xfrm>
-                  <a:prstGeom prst="line">
-                    <a:avLst/>
-                  </a:prstGeom>
-                  <a:ln w="38100" cap="rnd">
-                    <a:solidFill>
-                      <a:schemeClr val="bg1"/>
-                    </a:solidFill>
-                    <a:round/>
-                  </a:ln>
-                </p:spPr>
-                <p:style>
-                  <a:lnRef idx="1">
-                    <a:schemeClr val="accent1"/>
-                  </a:lnRef>
-                  <a:fillRef idx="0">
-                    <a:schemeClr val="accent1"/>
-                  </a:fillRef>
-                  <a:effectRef idx="0">
-                    <a:schemeClr val="accent1"/>
-                  </a:effectRef>
-                  <a:fontRef idx="minor">
-                    <a:schemeClr val="tx1"/>
-                  </a:fontRef>
-                </p:style>
-              </p:cxnSp>
-              <p:cxnSp>
-                <p:nvCxnSpPr>
-                  <p:cNvPr id="33" name="Straight Connector 32"/>
-                  <p:cNvCxnSpPr/>
-                  <p:nvPr/>
-                </p:nvCxnSpPr>
-                <p:spPr>
-                  <a:xfrm>
-                    <a:off x="6439437" y="3269269"/>
-                    <a:ext cx="1800000" cy="360000"/>
-                  </a:xfrm>
-                  <a:prstGeom prst="line">
-                    <a:avLst/>
-                  </a:prstGeom>
-                  <a:ln w="38100" cap="rnd">
-                    <a:solidFill>
-                      <a:schemeClr val="bg1"/>
-                    </a:solidFill>
-                    <a:round/>
-                  </a:ln>
-                </p:spPr>
-                <p:style>
-                  <a:lnRef idx="1">
-                    <a:schemeClr val="accent1"/>
-                  </a:lnRef>
-                  <a:fillRef idx="0">
-                    <a:schemeClr val="accent1"/>
-                  </a:fillRef>
-                  <a:effectRef idx="0">
-                    <a:schemeClr val="accent1"/>
-                  </a:effectRef>
-                  <a:fontRef idx="minor">
-                    <a:schemeClr val="tx1"/>
-                  </a:fontRef>
-                </p:style>
-              </p:cxnSp>
-              <p:cxnSp>
-                <p:nvCxnSpPr>
-                  <p:cNvPr id="34" name="Straight Connector 33"/>
-                  <p:cNvCxnSpPr/>
-                  <p:nvPr/>
-                </p:nvCxnSpPr>
-                <p:spPr>
-                  <a:xfrm>
-                    <a:off x="8239437" y="3629269"/>
-                    <a:ext cx="0" cy="973552"/>
-                  </a:xfrm>
-                  <a:prstGeom prst="line">
-                    <a:avLst/>
-                  </a:prstGeom>
-                  <a:ln w="38100" cap="rnd">
-                    <a:solidFill>
-                      <a:schemeClr val="bg1"/>
-                    </a:solidFill>
-                    <a:round/>
-                  </a:ln>
-                </p:spPr>
-                <p:style>
-                  <a:lnRef idx="1">
-                    <a:schemeClr val="accent1"/>
-                  </a:lnRef>
-                  <a:fillRef idx="0">
-                    <a:schemeClr val="accent1"/>
-                  </a:fillRef>
-                  <a:effectRef idx="0">
-                    <a:schemeClr val="accent1"/>
-                  </a:effectRef>
-                  <a:fontRef idx="minor">
-                    <a:schemeClr val="tx1"/>
-                  </a:fontRef>
-                </p:style>
-              </p:cxnSp>
-              <p:cxnSp>
-                <p:nvCxnSpPr>
-                  <p:cNvPr id="35" name="Straight Connector 34"/>
-                  <p:cNvCxnSpPr/>
-                  <p:nvPr/>
-                </p:nvCxnSpPr>
-                <p:spPr>
-                  <a:xfrm flipV="1">
-                    <a:off x="6439437" y="4601250"/>
-                    <a:ext cx="1800000" cy="360000"/>
-                  </a:xfrm>
-                  <a:prstGeom prst="line">
-                    <a:avLst/>
-                  </a:prstGeom>
-                  <a:ln w="38100" cap="rnd">
-                    <a:solidFill>
-                      <a:schemeClr val="bg1"/>
-                    </a:solidFill>
-                    <a:round/>
-                  </a:ln>
-                </p:spPr>
-                <p:style>
-                  <a:lnRef idx="1">
-                    <a:schemeClr val="accent1"/>
-                  </a:lnRef>
-                  <a:fillRef idx="0">
-                    <a:schemeClr val="accent1"/>
-                  </a:fillRef>
-                  <a:effectRef idx="0">
-                    <a:schemeClr val="accent1"/>
-                  </a:effectRef>
-                  <a:fontRef idx="minor">
-                    <a:schemeClr val="tx1"/>
-                  </a:fontRef>
-                </p:style>
-              </p:cxnSp>
-              <p:cxnSp>
-                <p:nvCxnSpPr>
-                  <p:cNvPr id="36" name="Straight Connector 35"/>
-                  <p:cNvCxnSpPr/>
-                  <p:nvPr/>
-                </p:nvCxnSpPr>
-                <p:spPr>
-                  <a:xfrm>
-                    <a:off x="6439437" y="4961250"/>
-                    <a:ext cx="0" cy="973552"/>
-                  </a:xfrm>
-                  <a:prstGeom prst="line">
-                    <a:avLst/>
-                  </a:prstGeom>
-                  <a:ln w="38100" cap="rnd">
-                    <a:solidFill>
-                      <a:schemeClr val="bg1"/>
-                    </a:solidFill>
-                    <a:round/>
-                  </a:ln>
-                </p:spPr>
-                <p:style>
-                  <a:lnRef idx="1">
-                    <a:schemeClr val="accent1"/>
-                  </a:lnRef>
-                  <a:fillRef idx="0">
-                    <a:schemeClr val="accent1"/>
-                  </a:fillRef>
-                  <a:effectRef idx="0">
-                    <a:schemeClr val="accent1"/>
-                  </a:effectRef>
-                  <a:fontRef idx="minor">
-                    <a:schemeClr val="tx1"/>
-                  </a:fontRef>
-                </p:style>
-              </p:cxnSp>
-            </p:grpSp>
-            <p:grpSp>
-              <p:nvGrpSpPr>
-                <p:cNvPr id="38" name="Group 37"/>
-                <p:cNvGrpSpPr>
-                  <a:grpSpLocks noChangeAspect="1"/>
-                </p:cNvGrpSpPr>
-                <p:nvPr/>
-              </p:nvGrpSpPr>
-              <p:grpSpPr>
-                <a:xfrm rot="10800000">
-                  <a:off x="956851" y="2611872"/>
-                  <a:ext cx="360000" cy="1066213"/>
-                  <a:chOff x="6439437" y="603736"/>
-                  <a:chExt cx="1800000" cy="5331066"/>
-                </a:xfrm>
-              </p:grpSpPr>
-              <p:cxnSp>
-                <p:nvCxnSpPr>
-                  <p:cNvPr id="39" name="Straight Connector 38"/>
-                  <p:cNvCxnSpPr/>
-                  <p:nvPr/>
-                </p:nvCxnSpPr>
-                <p:spPr>
-                  <a:xfrm>
-                    <a:off x="6439437" y="603736"/>
-                    <a:ext cx="1800000" cy="360000"/>
-                  </a:xfrm>
-                  <a:prstGeom prst="line">
-                    <a:avLst/>
-                  </a:prstGeom>
-                  <a:ln w="38100" cap="rnd">
-                    <a:solidFill>
-                      <a:schemeClr val="bg1"/>
-                    </a:solidFill>
-                    <a:round/>
-                  </a:ln>
-                </p:spPr>
-                <p:style>
-                  <a:lnRef idx="1">
-                    <a:schemeClr val="accent1"/>
-                  </a:lnRef>
-                  <a:fillRef idx="0">
-                    <a:schemeClr val="accent1"/>
-                  </a:fillRef>
-                  <a:effectRef idx="0">
-                    <a:schemeClr val="accent1"/>
-                  </a:effectRef>
-                  <a:fontRef idx="minor">
-                    <a:schemeClr val="tx1"/>
-                  </a:fontRef>
-                </p:style>
-              </p:cxnSp>
-              <p:cxnSp>
-                <p:nvCxnSpPr>
-                  <p:cNvPr id="40" name="Straight Connector 39"/>
-                  <p:cNvCxnSpPr/>
-                  <p:nvPr/>
-                </p:nvCxnSpPr>
-                <p:spPr>
-                  <a:xfrm>
-                    <a:off x="8239437" y="963736"/>
-                    <a:ext cx="0" cy="973552"/>
-                  </a:xfrm>
-                  <a:prstGeom prst="line">
-                    <a:avLst/>
-                  </a:prstGeom>
-                  <a:ln w="38100" cap="rnd">
-                    <a:solidFill>
-                      <a:schemeClr val="bg1"/>
-                    </a:solidFill>
-                    <a:round/>
-                  </a:ln>
-                </p:spPr>
-                <p:style>
-                  <a:lnRef idx="1">
-                    <a:schemeClr val="accent1"/>
-                  </a:lnRef>
-                  <a:fillRef idx="0">
-                    <a:schemeClr val="accent1"/>
-                  </a:fillRef>
-                  <a:effectRef idx="0">
-                    <a:schemeClr val="accent1"/>
-                  </a:effectRef>
-                  <a:fontRef idx="minor">
-                    <a:schemeClr val="tx1"/>
-                  </a:fontRef>
-                </p:style>
-              </p:cxnSp>
-              <p:cxnSp>
-                <p:nvCxnSpPr>
-                  <p:cNvPr id="41" name="Straight Connector 40"/>
-                  <p:cNvCxnSpPr/>
-                  <p:nvPr/>
-                </p:nvCxnSpPr>
-                <p:spPr>
-                  <a:xfrm flipV="1">
-                    <a:off x="6439437" y="1937288"/>
-                    <a:ext cx="1800000" cy="360000"/>
-                  </a:xfrm>
-                  <a:prstGeom prst="line">
-                    <a:avLst/>
-                  </a:prstGeom>
-                  <a:ln w="38100" cap="rnd">
-                    <a:solidFill>
-                      <a:schemeClr val="bg1"/>
-                    </a:solidFill>
-                    <a:round/>
-                  </a:ln>
-                </p:spPr>
-                <p:style>
-                  <a:lnRef idx="1">
-                    <a:schemeClr val="accent1"/>
-                  </a:lnRef>
-                  <a:fillRef idx="0">
-                    <a:schemeClr val="accent1"/>
-                  </a:fillRef>
-                  <a:effectRef idx="0">
-                    <a:schemeClr val="accent1"/>
-                  </a:effectRef>
-                  <a:fontRef idx="minor">
-                    <a:schemeClr val="tx1"/>
-                  </a:fontRef>
-                </p:style>
-              </p:cxnSp>
-              <p:cxnSp>
-                <p:nvCxnSpPr>
-                  <p:cNvPr id="42" name="Straight Connector 41"/>
-                  <p:cNvCxnSpPr/>
-                  <p:nvPr/>
-                </p:nvCxnSpPr>
-                <p:spPr>
-                  <a:xfrm>
-                    <a:off x="6439437" y="2297288"/>
-                    <a:ext cx="0" cy="973552"/>
-                  </a:xfrm>
-                  <a:prstGeom prst="line">
-                    <a:avLst/>
-                  </a:prstGeom>
-                  <a:ln w="38100" cap="rnd">
-                    <a:solidFill>
-                      <a:schemeClr val="bg1"/>
-                    </a:solidFill>
-                    <a:round/>
-                  </a:ln>
-                </p:spPr>
-                <p:style>
-                  <a:lnRef idx="1">
-                    <a:schemeClr val="accent1"/>
-                  </a:lnRef>
-                  <a:fillRef idx="0">
-                    <a:schemeClr val="accent1"/>
-                  </a:fillRef>
-                  <a:effectRef idx="0">
-                    <a:schemeClr val="accent1"/>
-                  </a:effectRef>
-                  <a:fontRef idx="minor">
-                    <a:schemeClr val="tx1"/>
-                  </a:fontRef>
-                </p:style>
-              </p:cxnSp>
-              <p:cxnSp>
-                <p:nvCxnSpPr>
-                  <p:cNvPr id="43" name="Straight Connector 42"/>
-                  <p:cNvCxnSpPr/>
-                  <p:nvPr/>
-                </p:nvCxnSpPr>
-                <p:spPr>
-                  <a:xfrm>
-                    <a:off x="6439437" y="3269269"/>
-                    <a:ext cx="1800000" cy="360000"/>
-                  </a:xfrm>
-                  <a:prstGeom prst="line">
-                    <a:avLst/>
-                  </a:prstGeom>
-                  <a:ln w="38100" cap="rnd">
-                    <a:solidFill>
-                      <a:schemeClr val="bg1"/>
-                    </a:solidFill>
-                    <a:round/>
-                  </a:ln>
-                </p:spPr>
-                <p:style>
-                  <a:lnRef idx="1">
-                    <a:schemeClr val="accent1"/>
-                  </a:lnRef>
-                  <a:fillRef idx="0">
-                    <a:schemeClr val="accent1"/>
-                  </a:fillRef>
-                  <a:effectRef idx="0">
-                    <a:schemeClr val="accent1"/>
-                  </a:effectRef>
-                  <a:fontRef idx="minor">
-                    <a:schemeClr val="tx1"/>
-                  </a:fontRef>
-                </p:style>
-              </p:cxnSp>
-              <p:cxnSp>
-                <p:nvCxnSpPr>
-                  <p:cNvPr id="44" name="Straight Connector 43"/>
-                  <p:cNvCxnSpPr/>
-                  <p:nvPr/>
-                </p:nvCxnSpPr>
-                <p:spPr>
-                  <a:xfrm>
-                    <a:off x="8239437" y="3629269"/>
-                    <a:ext cx="0" cy="973552"/>
-                  </a:xfrm>
-                  <a:prstGeom prst="line">
-                    <a:avLst/>
-                  </a:prstGeom>
-                  <a:ln w="38100" cap="rnd">
-                    <a:solidFill>
-                      <a:schemeClr val="bg1"/>
-                    </a:solidFill>
-                    <a:round/>
-                  </a:ln>
-                </p:spPr>
-                <p:style>
-                  <a:lnRef idx="1">
-                    <a:schemeClr val="accent1"/>
-                  </a:lnRef>
-                  <a:fillRef idx="0">
-                    <a:schemeClr val="accent1"/>
-                  </a:fillRef>
-                  <a:effectRef idx="0">
-                    <a:schemeClr val="accent1"/>
-                  </a:effectRef>
-                  <a:fontRef idx="minor">
-                    <a:schemeClr val="tx1"/>
-                  </a:fontRef>
-                </p:style>
-              </p:cxnSp>
-              <p:cxnSp>
-                <p:nvCxnSpPr>
-                  <p:cNvPr id="45" name="Straight Connector 44"/>
-                  <p:cNvCxnSpPr/>
-                  <p:nvPr/>
-                </p:nvCxnSpPr>
-                <p:spPr>
-                  <a:xfrm flipV="1">
-                    <a:off x="6439437" y="4601250"/>
-                    <a:ext cx="1800000" cy="360000"/>
-                  </a:xfrm>
-                  <a:prstGeom prst="line">
-                    <a:avLst/>
-                  </a:prstGeom>
-                  <a:ln w="38100" cap="rnd">
-                    <a:solidFill>
-                      <a:schemeClr val="bg1"/>
-                    </a:solidFill>
-                    <a:round/>
-                  </a:ln>
-                </p:spPr>
-                <p:style>
-                  <a:lnRef idx="1">
-                    <a:schemeClr val="accent1"/>
-                  </a:lnRef>
-                  <a:fillRef idx="0">
-                    <a:schemeClr val="accent1"/>
-                  </a:fillRef>
-                  <a:effectRef idx="0">
-                    <a:schemeClr val="accent1"/>
-                  </a:effectRef>
-                  <a:fontRef idx="minor">
-                    <a:schemeClr val="tx1"/>
-                  </a:fontRef>
-                </p:style>
-              </p:cxnSp>
-              <p:cxnSp>
-                <p:nvCxnSpPr>
-                  <p:cNvPr id="46" name="Straight Connector 45"/>
-                  <p:cNvCxnSpPr/>
-                  <p:nvPr/>
-                </p:nvCxnSpPr>
-                <p:spPr>
-                  <a:xfrm>
-                    <a:off x="6439437" y="4961250"/>
-                    <a:ext cx="0" cy="973552"/>
-                  </a:xfrm>
-                  <a:prstGeom prst="line">
-                    <a:avLst/>
-                  </a:prstGeom>
-                  <a:ln w="38100" cap="rnd">
-                    <a:solidFill>
-                      <a:schemeClr val="bg1"/>
-                    </a:solidFill>
-                    <a:round/>
-                  </a:ln>
-                </p:spPr>
-                <p:style>
-                  <a:lnRef idx="1">
-                    <a:schemeClr val="accent1"/>
-                  </a:lnRef>
-                  <a:fillRef idx="0">
-                    <a:schemeClr val="accent1"/>
-                  </a:fillRef>
-                  <a:effectRef idx="0">
-                    <a:schemeClr val="accent1"/>
-                  </a:effectRef>
-                  <a:fontRef idx="minor">
-                    <a:schemeClr val="tx1"/>
-                  </a:fontRef>
-                </p:style>
-              </p:cxnSp>
-            </p:grpSp>
-            <p:grpSp>
-              <p:nvGrpSpPr>
-                <p:cNvPr id="47" name="Group 46"/>
-                <p:cNvGrpSpPr>
-                  <a:grpSpLocks noChangeAspect="1"/>
-                </p:cNvGrpSpPr>
-                <p:nvPr/>
-              </p:nvGrpSpPr>
-              <p:grpSpPr>
-                <a:xfrm rot="10800000">
-                  <a:off x="956851" y="1537503"/>
-                  <a:ext cx="360000" cy="1066213"/>
-                  <a:chOff x="6439437" y="603736"/>
-                  <a:chExt cx="1800000" cy="5331066"/>
-                </a:xfrm>
-              </p:grpSpPr>
-              <p:cxnSp>
-                <p:nvCxnSpPr>
-                  <p:cNvPr id="48" name="Straight Connector 47"/>
-                  <p:cNvCxnSpPr/>
-                  <p:nvPr/>
-                </p:nvCxnSpPr>
-                <p:spPr>
-                  <a:xfrm>
-                    <a:off x="6439437" y="603736"/>
-                    <a:ext cx="1800000" cy="360000"/>
-                  </a:xfrm>
-                  <a:prstGeom prst="line">
-                    <a:avLst/>
-                  </a:prstGeom>
-                  <a:ln w="38100" cap="rnd">
-                    <a:solidFill>
-                      <a:schemeClr val="bg1"/>
-                    </a:solidFill>
-                    <a:round/>
-                  </a:ln>
-                </p:spPr>
-                <p:style>
-                  <a:lnRef idx="1">
-                    <a:schemeClr val="accent1"/>
-                  </a:lnRef>
-                  <a:fillRef idx="0">
-                    <a:schemeClr val="accent1"/>
-                  </a:fillRef>
-                  <a:effectRef idx="0">
-                    <a:schemeClr val="accent1"/>
-                  </a:effectRef>
-                  <a:fontRef idx="minor">
-                    <a:schemeClr val="tx1"/>
-                  </a:fontRef>
-                </p:style>
-              </p:cxnSp>
-              <p:cxnSp>
-                <p:nvCxnSpPr>
-                  <p:cNvPr id="49" name="Straight Connector 48"/>
-                  <p:cNvCxnSpPr/>
-                  <p:nvPr/>
-                </p:nvCxnSpPr>
-                <p:spPr>
-                  <a:xfrm>
-                    <a:off x="8239437" y="963736"/>
-                    <a:ext cx="0" cy="973552"/>
-                  </a:xfrm>
-                  <a:prstGeom prst="line">
-                    <a:avLst/>
-                  </a:prstGeom>
-                  <a:ln w="38100" cap="rnd">
-                    <a:solidFill>
-                      <a:schemeClr val="bg1"/>
-                    </a:solidFill>
-                    <a:round/>
-                  </a:ln>
-                </p:spPr>
-                <p:style>
-                  <a:lnRef idx="1">
-                    <a:schemeClr val="accent1"/>
-                  </a:lnRef>
-                  <a:fillRef idx="0">
-                    <a:schemeClr val="accent1"/>
-                  </a:fillRef>
-                  <a:effectRef idx="0">
-                    <a:schemeClr val="accent1"/>
-                  </a:effectRef>
-                  <a:fontRef idx="minor">
-                    <a:schemeClr val="tx1"/>
-                  </a:fontRef>
-                </p:style>
-              </p:cxnSp>
-              <p:cxnSp>
-                <p:nvCxnSpPr>
-                  <p:cNvPr id="50" name="Straight Connector 49"/>
-                  <p:cNvCxnSpPr/>
-                  <p:nvPr/>
-                </p:nvCxnSpPr>
-                <p:spPr>
-                  <a:xfrm flipV="1">
-                    <a:off x="6439437" y="1937288"/>
-                    <a:ext cx="1800000" cy="360000"/>
-                  </a:xfrm>
-                  <a:prstGeom prst="line">
-                    <a:avLst/>
-                  </a:prstGeom>
-                  <a:ln w="38100" cap="rnd">
-                    <a:solidFill>
-                      <a:schemeClr val="bg1"/>
-                    </a:solidFill>
-                    <a:round/>
-                  </a:ln>
-                </p:spPr>
-                <p:style>
-                  <a:lnRef idx="1">
-                    <a:schemeClr val="accent1"/>
-                  </a:lnRef>
-                  <a:fillRef idx="0">
-                    <a:schemeClr val="accent1"/>
-                  </a:fillRef>
-                  <a:effectRef idx="0">
-                    <a:schemeClr val="accent1"/>
-                  </a:effectRef>
-                  <a:fontRef idx="minor">
-                    <a:schemeClr val="tx1"/>
-                  </a:fontRef>
-                </p:style>
-              </p:cxnSp>
-              <p:cxnSp>
-                <p:nvCxnSpPr>
-                  <p:cNvPr id="51" name="Straight Connector 50"/>
-                  <p:cNvCxnSpPr/>
-                  <p:nvPr/>
-                </p:nvCxnSpPr>
-                <p:spPr>
-                  <a:xfrm>
-                    <a:off x="6439437" y="2297288"/>
-                    <a:ext cx="0" cy="973552"/>
-                  </a:xfrm>
-                  <a:prstGeom prst="line">
-                    <a:avLst/>
-                  </a:prstGeom>
-                  <a:ln w="38100" cap="rnd">
-                    <a:solidFill>
-                      <a:schemeClr val="bg1"/>
-                    </a:solidFill>
-                    <a:round/>
-                  </a:ln>
-                </p:spPr>
-                <p:style>
-                  <a:lnRef idx="1">
-                    <a:schemeClr val="accent1"/>
-                  </a:lnRef>
-                  <a:fillRef idx="0">
-                    <a:schemeClr val="accent1"/>
-                  </a:fillRef>
-                  <a:effectRef idx="0">
-                    <a:schemeClr val="accent1"/>
-                  </a:effectRef>
-                  <a:fontRef idx="minor">
-                    <a:schemeClr val="tx1"/>
-                  </a:fontRef>
-                </p:style>
-              </p:cxnSp>
-              <p:cxnSp>
-                <p:nvCxnSpPr>
-                  <p:cNvPr id="52" name="Straight Connector 51"/>
-                  <p:cNvCxnSpPr/>
-                  <p:nvPr/>
-                </p:nvCxnSpPr>
-                <p:spPr>
-                  <a:xfrm>
-                    <a:off x="6439437" y="3269269"/>
-                    <a:ext cx="1800000" cy="360000"/>
-                  </a:xfrm>
-                  <a:prstGeom prst="line">
-                    <a:avLst/>
-                  </a:prstGeom>
-                  <a:ln w="38100" cap="rnd">
-                    <a:solidFill>
-                      <a:schemeClr val="bg1"/>
-                    </a:solidFill>
-                    <a:round/>
-                  </a:ln>
-                </p:spPr>
-                <p:style>
-                  <a:lnRef idx="1">
-                    <a:schemeClr val="accent1"/>
-                  </a:lnRef>
-                  <a:fillRef idx="0">
-                    <a:schemeClr val="accent1"/>
-                  </a:fillRef>
-                  <a:effectRef idx="0">
-                    <a:schemeClr val="accent1"/>
-                  </a:effectRef>
-                  <a:fontRef idx="minor">
-                    <a:schemeClr val="tx1"/>
-                  </a:fontRef>
-                </p:style>
-              </p:cxnSp>
-              <p:cxnSp>
-                <p:nvCxnSpPr>
-                  <p:cNvPr id="53" name="Straight Connector 52"/>
-                  <p:cNvCxnSpPr/>
-                  <p:nvPr/>
-                </p:nvCxnSpPr>
-                <p:spPr>
-                  <a:xfrm>
-                    <a:off x="8239437" y="3629269"/>
-                    <a:ext cx="0" cy="973552"/>
-                  </a:xfrm>
-                  <a:prstGeom prst="line">
-                    <a:avLst/>
-                  </a:prstGeom>
-                  <a:ln w="38100" cap="rnd">
-                    <a:solidFill>
-                      <a:schemeClr val="bg1"/>
-                    </a:solidFill>
-                    <a:round/>
-                  </a:ln>
-                </p:spPr>
-                <p:style>
-                  <a:lnRef idx="1">
-                    <a:schemeClr val="accent1"/>
-                  </a:lnRef>
-                  <a:fillRef idx="0">
-                    <a:schemeClr val="accent1"/>
-                  </a:fillRef>
-                  <a:effectRef idx="0">
-                    <a:schemeClr val="accent1"/>
-                  </a:effectRef>
-                  <a:fontRef idx="minor">
-                    <a:schemeClr val="tx1"/>
-                  </a:fontRef>
-                </p:style>
-              </p:cxnSp>
-              <p:cxnSp>
-                <p:nvCxnSpPr>
-                  <p:cNvPr id="54" name="Straight Connector 53"/>
-                  <p:cNvCxnSpPr/>
-                  <p:nvPr/>
-                </p:nvCxnSpPr>
-                <p:spPr>
-                  <a:xfrm flipV="1">
-                    <a:off x="6439437" y="4601250"/>
-                    <a:ext cx="1800000" cy="360000"/>
-                  </a:xfrm>
-                  <a:prstGeom prst="line">
-                    <a:avLst/>
-                  </a:prstGeom>
-                  <a:ln w="38100" cap="rnd">
-                    <a:solidFill>
-                      <a:schemeClr val="bg1"/>
-                    </a:solidFill>
-                    <a:round/>
-                  </a:ln>
-                </p:spPr>
-                <p:style>
-                  <a:lnRef idx="1">
-                    <a:schemeClr val="accent1"/>
-                  </a:lnRef>
-                  <a:fillRef idx="0">
-                    <a:schemeClr val="accent1"/>
-                  </a:fillRef>
-                  <a:effectRef idx="0">
-                    <a:schemeClr val="accent1"/>
-                  </a:effectRef>
-                  <a:fontRef idx="minor">
-                    <a:schemeClr val="tx1"/>
-                  </a:fontRef>
-                </p:style>
-              </p:cxnSp>
-              <p:cxnSp>
-                <p:nvCxnSpPr>
-                  <p:cNvPr id="55" name="Straight Connector 54"/>
-                  <p:cNvCxnSpPr/>
-                  <p:nvPr/>
-                </p:nvCxnSpPr>
-                <p:spPr>
-                  <a:xfrm>
-                    <a:off x="6439437" y="4961250"/>
-                    <a:ext cx="0" cy="973552"/>
-                  </a:xfrm>
-                  <a:prstGeom prst="line">
-                    <a:avLst/>
-                  </a:prstGeom>
-                  <a:ln w="38100" cap="rnd">
-                    <a:solidFill>
-                      <a:schemeClr val="bg1"/>
-                    </a:solidFill>
-                    <a:round/>
-                  </a:ln>
-                </p:spPr>
-                <p:style>
-                  <a:lnRef idx="1">
-                    <a:schemeClr val="accent1"/>
-                  </a:lnRef>
-                  <a:fillRef idx="0">
-                    <a:schemeClr val="accent1"/>
-                  </a:fillRef>
-                  <a:effectRef idx="0">
-                    <a:schemeClr val="accent1"/>
-                  </a:effectRef>
-                  <a:fontRef idx="minor">
-                    <a:schemeClr val="tx1"/>
-                  </a:fontRef>
-                </p:style>
-              </p:cxnSp>
-            </p:grpSp>
-            <p:grpSp>
-              <p:nvGrpSpPr>
-                <p:cNvPr id="56" name="Group 55"/>
-                <p:cNvGrpSpPr>
-                  <a:grpSpLocks noChangeAspect="1"/>
-                </p:cNvGrpSpPr>
-                <p:nvPr/>
-              </p:nvGrpSpPr>
-              <p:grpSpPr>
-                <a:xfrm rot="10800000">
-                  <a:off x="956851" y="660914"/>
-                  <a:ext cx="360000" cy="871503"/>
-                  <a:chOff x="6439437" y="603736"/>
-                  <a:chExt cx="1800000" cy="4357514"/>
-                </a:xfrm>
-              </p:grpSpPr>
-              <p:cxnSp>
-                <p:nvCxnSpPr>
-                  <p:cNvPr id="57" name="Straight Connector 56"/>
-                  <p:cNvCxnSpPr/>
-                  <p:nvPr/>
-                </p:nvCxnSpPr>
-                <p:spPr>
-                  <a:xfrm>
-                    <a:off x="6439437" y="603736"/>
-                    <a:ext cx="1800000" cy="360000"/>
-                  </a:xfrm>
-                  <a:prstGeom prst="line">
-                    <a:avLst/>
-                  </a:prstGeom>
-                  <a:ln w="38100" cap="rnd">
-                    <a:solidFill>
-                      <a:schemeClr val="bg1"/>
-                    </a:solidFill>
-                    <a:round/>
-                  </a:ln>
-                </p:spPr>
-                <p:style>
-                  <a:lnRef idx="1">
-                    <a:schemeClr val="accent1"/>
-                  </a:lnRef>
-                  <a:fillRef idx="0">
-                    <a:schemeClr val="accent1"/>
-                  </a:fillRef>
-                  <a:effectRef idx="0">
-                    <a:schemeClr val="accent1"/>
-                  </a:effectRef>
-                  <a:fontRef idx="minor">
-                    <a:schemeClr val="tx1"/>
-                  </a:fontRef>
-                </p:style>
-              </p:cxnSp>
-              <p:cxnSp>
-                <p:nvCxnSpPr>
-                  <p:cNvPr id="58" name="Straight Connector 57"/>
-                  <p:cNvCxnSpPr/>
-                  <p:nvPr/>
-                </p:nvCxnSpPr>
-                <p:spPr>
-                  <a:xfrm>
-                    <a:off x="8239437" y="963736"/>
-                    <a:ext cx="0" cy="973552"/>
-                  </a:xfrm>
-                  <a:prstGeom prst="line">
-                    <a:avLst/>
-                  </a:prstGeom>
-                  <a:ln w="38100" cap="rnd">
-                    <a:solidFill>
-                      <a:schemeClr val="bg1"/>
-                    </a:solidFill>
-                    <a:round/>
-                  </a:ln>
-                </p:spPr>
-                <p:style>
-                  <a:lnRef idx="1">
-                    <a:schemeClr val="accent1"/>
-                  </a:lnRef>
-                  <a:fillRef idx="0">
-                    <a:schemeClr val="accent1"/>
-                  </a:fillRef>
-                  <a:effectRef idx="0">
-                    <a:schemeClr val="accent1"/>
-                  </a:effectRef>
-                  <a:fontRef idx="minor">
-                    <a:schemeClr val="tx1"/>
-                  </a:fontRef>
-                </p:style>
-              </p:cxnSp>
-              <p:cxnSp>
-                <p:nvCxnSpPr>
-                  <p:cNvPr id="59" name="Straight Connector 58"/>
-                  <p:cNvCxnSpPr/>
-                  <p:nvPr/>
-                </p:nvCxnSpPr>
-                <p:spPr>
-                  <a:xfrm flipV="1">
-                    <a:off x="6439437" y="1937288"/>
-                    <a:ext cx="1800000" cy="360000"/>
-                  </a:xfrm>
-                  <a:prstGeom prst="line">
-                    <a:avLst/>
-                  </a:prstGeom>
-                  <a:ln w="38100" cap="rnd">
-                    <a:solidFill>
-                      <a:schemeClr val="bg1"/>
-                    </a:solidFill>
-                    <a:round/>
-                  </a:ln>
-                </p:spPr>
-                <p:style>
-                  <a:lnRef idx="1">
-                    <a:schemeClr val="accent1"/>
-                  </a:lnRef>
-                  <a:fillRef idx="0">
-                    <a:schemeClr val="accent1"/>
-                  </a:fillRef>
-                  <a:effectRef idx="0">
-                    <a:schemeClr val="accent1"/>
-                  </a:effectRef>
-                  <a:fontRef idx="minor">
-                    <a:schemeClr val="tx1"/>
-                  </a:fontRef>
-                </p:style>
-              </p:cxnSp>
-              <p:cxnSp>
-                <p:nvCxnSpPr>
-                  <p:cNvPr id="60" name="Straight Connector 59"/>
-                  <p:cNvCxnSpPr/>
-                  <p:nvPr/>
-                </p:nvCxnSpPr>
-                <p:spPr>
-                  <a:xfrm>
-                    <a:off x="6439437" y="2297288"/>
-                    <a:ext cx="0" cy="973552"/>
-                  </a:xfrm>
-                  <a:prstGeom prst="line">
-                    <a:avLst/>
-                  </a:prstGeom>
-                  <a:ln w="38100" cap="rnd">
-                    <a:solidFill>
-                      <a:schemeClr val="bg1"/>
-                    </a:solidFill>
-                    <a:round/>
-                  </a:ln>
-                </p:spPr>
-                <p:style>
-                  <a:lnRef idx="1">
-                    <a:schemeClr val="accent1"/>
-                  </a:lnRef>
-                  <a:fillRef idx="0">
-                    <a:schemeClr val="accent1"/>
-                  </a:fillRef>
-                  <a:effectRef idx="0">
-                    <a:schemeClr val="accent1"/>
-                  </a:effectRef>
-                  <a:fontRef idx="minor">
-                    <a:schemeClr val="tx1"/>
-                  </a:fontRef>
-                </p:style>
-              </p:cxnSp>
-              <p:cxnSp>
-                <p:nvCxnSpPr>
-                  <p:cNvPr id="61" name="Straight Connector 60"/>
-                  <p:cNvCxnSpPr/>
-                  <p:nvPr/>
-                </p:nvCxnSpPr>
-                <p:spPr>
-                  <a:xfrm>
-                    <a:off x="6439437" y="3269269"/>
-                    <a:ext cx="1800000" cy="360000"/>
-                  </a:xfrm>
-                  <a:prstGeom prst="line">
-                    <a:avLst/>
-                  </a:prstGeom>
-                  <a:ln w="38100" cap="rnd">
-                    <a:solidFill>
-                      <a:schemeClr val="bg1"/>
-                    </a:solidFill>
-                    <a:round/>
-                  </a:ln>
-                </p:spPr>
-                <p:style>
-                  <a:lnRef idx="1">
-                    <a:schemeClr val="accent1"/>
-                  </a:lnRef>
-                  <a:fillRef idx="0">
-                    <a:schemeClr val="accent1"/>
-                  </a:fillRef>
-                  <a:effectRef idx="0">
-                    <a:schemeClr val="accent1"/>
-                  </a:effectRef>
-                  <a:fontRef idx="minor">
-                    <a:schemeClr val="tx1"/>
-                  </a:fontRef>
-                </p:style>
-              </p:cxnSp>
-              <p:cxnSp>
-                <p:nvCxnSpPr>
-                  <p:cNvPr id="62" name="Straight Connector 61"/>
-                  <p:cNvCxnSpPr/>
-                  <p:nvPr/>
-                </p:nvCxnSpPr>
-                <p:spPr>
-                  <a:xfrm>
-                    <a:off x="8239437" y="3629269"/>
-                    <a:ext cx="0" cy="973552"/>
-                  </a:xfrm>
-                  <a:prstGeom prst="line">
-                    <a:avLst/>
-                  </a:prstGeom>
-                  <a:ln w="38100" cap="rnd">
-                    <a:solidFill>
-                      <a:schemeClr val="bg1"/>
-                    </a:solidFill>
-                    <a:round/>
-                  </a:ln>
-                </p:spPr>
-                <p:style>
-                  <a:lnRef idx="1">
-                    <a:schemeClr val="accent1"/>
-                  </a:lnRef>
-                  <a:fillRef idx="0">
-                    <a:schemeClr val="accent1"/>
-                  </a:fillRef>
-                  <a:effectRef idx="0">
-                    <a:schemeClr val="accent1"/>
-                  </a:effectRef>
-                  <a:fontRef idx="minor">
-                    <a:schemeClr val="tx1"/>
-                  </a:fontRef>
-                </p:style>
-              </p:cxnSp>
-              <p:cxnSp>
-                <p:nvCxnSpPr>
-                  <p:cNvPr id="63" name="Straight Connector 62"/>
-                  <p:cNvCxnSpPr/>
-                  <p:nvPr/>
-                </p:nvCxnSpPr>
-                <p:spPr>
-                  <a:xfrm flipV="1">
-                    <a:off x="6439437" y="4601250"/>
-                    <a:ext cx="1800000" cy="360000"/>
-                  </a:xfrm>
-                  <a:prstGeom prst="line">
-                    <a:avLst/>
-                  </a:prstGeom>
-                  <a:ln w="38100" cap="rnd">
-                    <a:solidFill>
-                      <a:schemeClr val="bg1"/>
-                    </a:solidFill>
-                    <a:round/>
-                  </a:ln>
-                </p:spPr>
-                <p:style>
-                  <a:lnRef idx="1">
-                    <a:schemeClr val="accent1"/>
-                  </a:lnRef>
-                  <a:fillRef idx="0">
-                    <a:schemeClr val="accent1"/>
-                  </a:fillRef>
-                  <a:effectRef idx="0">
-                    <a:schemeClr val="accent1"/>
-                  </a:effectRef>
-                  <a:fontRef idx="minor">
-                    <a:schemeClr val="tx1"/>
-                  </a:fontRef>
-                </p:style>
-              </p:cxnSp>
-            </p:grpSp>
-          </p:grpSp>
-          <p:sp>
-            <p:nvSpPr>
-              <p:cNvPr id="66" name="Trapezoid 65"/>
-              <p:cNvSpPr/>
-              <p:nvPr/>
-            </p:nvSpPr>
-            <p:spPr>
-              <a:xfrm rot="5400000">
-                <a:off x="956849" y="753384"/>
-                <a:ext cx="324001" cy="324001"/>
-              </a:xfrm>
-              <a:prstGeom prst="trapezoid">
+              <a:prstGeom prst="ellipse">
                 <a:avLst/>
               </a:prstGeom>
               <a:solidFill>
@@ -4711,41 +3135,200 @@
               </a:p>
             </p:txBody>
           </p:sp>
+          <p:grpSp>
+            <p:nvGrpSpPr>
+              <p:cNvPr id="12" name="Group 11"/>
+              <p:cNvGrpSpPr/>
+              <p:nvPr/>
+            </p:nvGrpSpPr>
+            <p:grpSpPr>
+              <a:xfrm>
+                <a:off x="2180851" y="1005384"/>
+                <a:ext cx="1152000" cy="2551904"/>
+                <a:chOff x="6301268" y="2270130"/>
+                <a:chExt cx="576000" cy="1275952"/>
+              </a:xfrm>
+            </p:grpSpPr>
+            <p:sp>
+              <p:nvSpPr>
+                <p:cNvPr id="6" name="Rectangle 5"/>
+                <p:cNvSpPr/>
+                <p:nvPr/>
+              </p:nvSpPr>
+              <p:spPr>
+                <a:xfrm>
+                  <a:off x="6301268" y="2270130"/>
+                  <a:ext cx="576000" cy="72000"/>
+                </a:xfrm>
+                <a:prstGeom prst="rect">
+                  <a:avLst/>
+                </a:prstGeom>
+                <a:solidFill>
+                  <a:schemeClr val="bg1"/>
+                </a:solidFill>
+                <a:ln>
+                  <a:noFill/>
+                </a:ln>
+              </p:spPr>
+              <p:style>
+                <a:lnRef idx="2">
+                  <a:schemeClr val="accent1">
+                    <a:shade val="50000"/>
+                  </a:schemeClr>
+                </a:lnRef>
+                <a:fillRef idx="1">
+                  <a:schemeClr val="accent1"/>
+                </a:fillRef>
+                <a:effectRef idx="0">
+                  <a:schemeClr val="accent1"/>
+                </a:effectRef>
+                <a:fontRef idx="minor">
+                  <a:schemeClr val="lt1"/>
+                </a:fontRef>
+              </p:style>
+              <p:txBody>
+                <a:bodyPr rtlCol="0" anchor="ctr"/>
+                <a:lstStyle/>
+                <a:p>
+                  <a:pPr algn="ctr"/>
+                  <a:endParaRPr lang="zh-CN" altLang="en-US"/>
+                </a:p>
+              </p:txBody>
+            </p:sp>
+            <p:sp>
+              <p:nvSpPr>
+                <p:cNvPr id="8" name="Rectangle 7"/>
+                <p:cNvSpPr>
+                  <a:spLocks noChangeAspect="1"/>
+                </p:cNvSpPr>
+                <p:nvPr/>
+              </p:nvSpPr>
+              <p:spPr>
+                <a:xfrm>
+                  <a:off x="6301268" y="2411306"/>
+                  <a:ext cx="576000" cy="345600"/>
+                </a:xfrm>
+                <a:prstGeom prst="rect">
+                  <a:avLst/>
+                </a:prstGeom>
+                <a:solidFill>
+                  <a:schemeClr val="bg1"/>
+                </a:solidFill>
+                <a:ln>
+                  <a:noFill/>
+                </a:ln>
+              </p:spPr>
+              <p:style>
+                <a:lnRef idx="2">
+                  <a:schemeClr val="accent1">
+                    <a:shade val="50000"/>
+                  </a:schemeClr>
+                </a:lnRef>
+                <a:fillRef idx="1">
+                  <a:schemeClr val="accent1"/>
+                </a:fillRef>
+                <a:effectRef idx="0">
+                  <a:schemeClr val="accent1"/>
+                </a:effectRef>
+                <a:fontRef idx="minor">
+                  <a:schemeClr val="lt1"/>
+                </a:fontRef>
+              </p:style>
+              <p:txBody>
+                <a:bodyPr rtlCol="0" anchor="ctr"/>
+                <a:lstStyle/>
+                <a:p>
+                  <a:pPr algn="ctr"/>
+                  <a:endParaRPr lang="zh-CN" altLang="en-US"/>
+                </a:p>
+              </p:txBody>
+            </p:sp>
+            <p:sp>
+              <p:nvSpPr>
+                <p:cNvPr id="10" name="Isosceles Triangle 9"/>
+                <p:cNvSpPr>
+                  <a:spLocks noChangeAspect="1"/>
+                </p:cNvSpPr>
+                <p:nvPr/>
+              </p:nvSpPr>
+              <p:spPr>
+                <a:xfrm flipV="1">
+                  <a:off x="6373268" y="2826082"/>
+                  <a:ext cx="432000" cy="720000"/>
+                </a:xfrm>
+                <a:prstGeom prst="triangle">
+                  <a:avLst/>
+                </a:prstGeom>
+                <a:solidFill>
+                  <a:schemeClr val="bg1"/>
+                </a:solidFill>
+                <a:ln>
+                  <a:noFill/>
+                </a:ln>
+              </p:spPr>
+              <p:style>
+                <a:lnRef idx="2">
+                  <a:schemeClr val="accent1">
+                    <a:shade val="50000"/>
+                  </a:schemeClr>
+                </a:lnRef>
+                <a:fillRef idx="1">
+                  <a:schemeClr val="accent1"/>
+                </a:fillRef>
+                <a:effectRef idx="0">
+                  <a:schemeClr val="accent1"/>
+                </a:effectRef>
+                <a:fontRef idx="minor">
+                  <a:schemeClr val="lt1"/>
+                </a:fontRef>
+              </p:style>
+              <p:txBody>
+                <a:bodyPr rtlCol="0" anchor="ctr"/>
+                <a:lstStyle/>
+                <a:p>
+                  <a:pPr algn="ctr"/>
+                  <a:endParaRPr lang="zh-CN" altLang="en-US"/>
+                </a:p>
+              </p:txBody>
+            </p:sp>
+          </p:grpSp>
           <p:sp>
             <p:nvSpPr>
-              <p:cNvPr id="67" name="Trapezoid 66"/>
-              <p:cNvSpPr/>
+              <p:cNvPr id="2" name="Arc 1"/>
+              <p:cNvSpPr>
+                <a:spLocks noChangeAspect="1"/>
+              </p:cNvSpPr>
               <p:nvPr/>
             </p:nvSpPr>
             <p:spPr>
-              <a:xfrm rot="5400000">
-                <a:off x="956849" y="1241575"/>
-                <a:ext cx="324001" cy="324001"/>
+              <a:xfrm>
+                <a:off x="1838851" y="2922525"/>
+                <a:ext cx="1836000" cy="1836000"/>
               </a:xfrm>
-              <a:prstGeom prst="trapezoid">
-                <a:avLst/>
+              <a:prstGeom prst="arc">
+                <a:avLst>
+                  <a:gd name="adj1" fmla="val 14502741"/>
+                  <a:gd name="adj2" fmla="val 17852999"/>
+                </a:avLst>
               </a:prstGeom>
-              <a:solidFill>
-                <a:schemeClr val="bg1"/>
-              </a:solidFill>
-              <a:ln>
-                <a:noFill/>
+              <a:ln w="152400">
+                <a:solidFill>
+                  <a:srgbClr val="7030A0"/>
+                </a:solidFill>
               </a:ln>
             </p:spPr>
             <p:style>
-              <a:lnRef idx="2">
-                <a:schemeClr val="accent1">
-                  <a:shade val="50000"/>
-                </a:schemeClr>
+              <a:lnRef idx="1">
+                <a:schemeClr val="accent1"/>
               </a:lnRef>
-              <a:fillRef idx="1">
+              <a:fillRef idx="0">
                 <a:schemeClr val="accent1"/>
               </a:fillRef>
               <a:effectRef idx="0">
                 <a:schemeClr val="accent1"/>
               </a:effectRef>
               <a:fontRef idx="minor">
-                <a:schemeClr val="lt1"/>
+                <a:schemeClr val="tx1"/>
               </a:fontRef>
             </p:style>
             <p:txBody>
@@ -4759,39 +3342,41 @@
           </p:sp>
           <p:sp>
             <p:nvSpPr>
-              <p:cNvPr id="68" name="Trapezoid 67"/>
-              <p:cNvSpPr/>
+              <p:cNvPr id="19" name="Arc 18"/>
+              <p:cNvSpPr>
+                <a:spLocks noChangeAspect="1"/>
+              </p:cNvSpPr>
               <p:nvPr/>
             </p:nvSpPr>
             <p:spPr>
-              <a:xfrm rot="5400000">
-                <a:off x="956849" y="1734129"/>
-                <a:ext cx="324001" cy="324001"/>
+              <a:xfrm>
+                <a:off x="2216851" y="3205400"/>
+                <a:ext cx="1080000" cy="1260000"/>
               </a:xfrm>
-              <a:prstGeom prst="trapezoid">
-                <a:avLst/>
+              <a:prstGeom prst="arc">
+                <a:avLst>
+                  <a:gd name="adj1" fmla="val 14502741"/>
+                  <a:gd name="adj2" fmla="val 17852999"/>
+                </a:avLst>
               </a:prstGeom>
-              <a:solidFill>
-                <a:schemeClr val="bg1"/>
-              </a:solidFill>
-              <a:ln>
-                <a:noFill/>
+              <a:ln w="152400">
+                <a:solidFill>
+                  <a:srgbClr val="7030A0"/>
+                </a:solidFill>
               </a:ln>
             </p:spPr>
             <p:style>
-              <a:lnRef idx="2">
-                <a:schemeClr val="accent1">
-                  <a:shade val="50000"/>
-                </a:schemeClr>
+              <a:lnRef idx="1">
+                <a:schemeClr val="accent1"/>
               </a:lnRef>
-              <a:fillRef idx="1">
+              <a:fillRef idx="0">
                 <a:schemeClr val="accent1"/>
               </a:fillRef>
               <a:effectRef idx="0">
                 <a:schemeClr val="accent1"/>
               </a:effectRef>
               <a:fontRef idx="minor">
-                <a:schemeClr val="lt1"/>
+                <a:schemeClr val="tx1"/>
               </a:fontRef>
             </p:style>
             <p:txBody>
@@ -4805,269 +3390,41 @@
           </p:sp>
           <p:sp>
             <p:nvSpPr>
-              <p:cNvPr id="69" name="Trapezoid 68"/>
-              <p:cNvSpPr/>
+              <p:cNvPr id="20" name="Arc 19"/>
+              <p:cNvSpPr>
+                <a:spLocks noChangeAspect="1"/>
+              </p:cNvSpPr>
               <p:nvPr/>
             </p:nvSpPr>
             <p:spPr>
-              <a:xfrm rot="5400000">
-                <a:off x="956849" y="2223041"/>
-                <a:ext cx="324001" cy="324001"/>
+              <a:xfrm>
+                <a:off x="1568851" y="2647400"/>
+                <a:ext cx="2376000" cy="2376000"/>
               </a:xfrm>
-              <a:prstGeom prst="trapezoid">
-                <a:avLst/>
+              <a:prstGeom prst="arc">
+                <a:avLst>
+                  <a:gd name="adj1" fmla="val 14502741"/>
+                  <a:gd name="adj2" fmla="val 17852999"/>
+                </a:avLst>
               </a:prstGeom>
-              <a:solidFill>
-                <a:schemeClr val="bg1"/>
-              </a:solidFill>
-              <a:ln>
-                <a:noFill/>
+              <a:ln w="152400">
+                <a:solidFill>
+                  <a:srgbClr val="7030A0"/>
+                </a:solidFill>
               </a:ln>
             </p:spPr>
             <p:style>
-              <a:lnRef idx="2">
-                <a:schemeClr val="accent1">
-                  <a:shade val="50000"/>
-                </a:schemeClr>
+              <a:lnRef idx="1">
+                <a:schemeClr val="accent1"/>
               </a:lnRef>
-              <a:fillRef idx="1">
+              <a:fillRef idx="0">
                 <a:schemeClr val="accent1"/>
               </a:fillRef>
               <a:effectRef idx="0">
                 <a:schemeClr val="accent1"/>
               </a:effectRef>
               <a:fontRef idx="minor">
-                <a:schemeClr val="lt1"/>
-              </a:fontRef>
-            </p:style>
-            <p:txBody>
-              <a:bodyPr rtlCol="0" anchor="ctr"/>
-              <a:lstStyle/>
-              <a:p>
-                <a:pPr algn="ctr"/>
-                <a:endParaRPr lang="zh-CN" altLang="en-US"/>
-              </a:p>
-            </p:txBody>
-          </p:sp>
-          <p:sp>
-            <p:nvSpPr>
-              <p:cNvPr id="70" name="Trapezoid 69"/>
-              <p:cNvSpPr/>
-              <p:nvPr/>
-            </p:nvSpPr>
-            <p:spPr>
-              <a:xfrm rot="5400000">
-                <a:off x="956849" y="2715942"/>
-                <a:ext cx="324001" cy="324001"/>
-              </a:xfrm>
-              <a:prstGeom prst="trapezoid">
-                <a:avLst/>
-              </a:prstGeom>
-              <a:solidFill>
-                <a:schemeClr val="bg1"/>
-              </a:solidFill>
-              <a:ln>
-                <a:noFill/>
-              </a:ln>
-            </p:spPr>
-            <p:style>
-              <a:lnRef idx="2">
-                <a:schemeClr val="accent1">
-                  <a:shade val="50000"/>
-                </a:schemeClr>
-              </a:lnRef>
-              <a:fillRef idx="1">
-                <a:schemeClr val="accent1"/>
-              </a:fillRef>
-              <a:effectRef idx="0">
-                <a:schemeClr val="accent1"/>
-              </a:effectRef>
-              <a:fontRef idx="minor">
-                <a:schemeClr val="lt1"/>
-              </a:fontRef>
-            </p:style>
-            <p:txBody>
-              <a:bodyPr rtlCol="0" anchor="ctr"/>
-              <a:lstStyle/>
-              <a:p>
-                <a:pPr algn="ctr"/>
-                <a:endParaRPr lang="zh-CN" altLang="en-US"/>
-              </a:p>
-            </p:txBody>
-          </p:sp>
-          <p:sp>
-            <p:nvSpPr>
-              <p:cNvPr id="71" name="Trapezoid 70"/>
-              <p:cNvSpPr/>
-              <p:nvPr/>
-            </p:nvSpPr>
-            <p:spPr>
-              <a:xfrm rot="5400000">
-                <a:off x="956849" y="3205610"/>
-                <a:ext cx="324001" cy="324001"/>
-              </a:xfrm>
-              <a:prstGeom prst="trapezoid">
-                <a:avLst/>
-              </a:prstGeom>
-              <a:solidFill>
-                <a:schemeClr val="bg1"/>
-              </a:solidFill>
-              <a:ln>
-                <a:noFill/>
-              </a:ln>
-            </p:spPr>
-            <p:style>
-              <a:lnRef idx="2">
-                <a:schemeClr val="accent1">
-                  <a:shade val="50000"/>
-                </a:schemeClr>
-              </a:lnRef>
-              <a:fillRef idx="1">
-                <a:schemeClr val="accent1"/>
-              </a:fillRef>
-              <a:effectRef idx="0">
-                <a:schemeClr val="accent1"/>
-              </a:effectRef>
-              <a:fontRef idx="minor">
-                <a:schemeClr val="lt1"/>
-              </a:fontRef>
-            </p:style>
-            <p:txBody>
-              <a:bodyPr rtlCol="0" anchor="ctr"/>
-              <a:lstStyle/>
-              <a:p>
-                <a:pPr algn="ctr"/>
-                <a:endParaRPr lang="zh-CN" altLang="en-US"/>
-              </a:p>
-            </p:txBody>
-          </p:sp>
-          <p:sp>
-            <p:nvSpPr>
-              <p:cNvPr id="72" name="Trapezoid 71"/>
-              <p:cNvSpPr/>
-              <p:nvPr/>
-            </p:nvSpPr>
-            <p:spPr>
-              <a:xfrm rot="5400000">
-                <a:off x="956849" y="3697755"/>
-                <a:ext cx="324001" cy="324001"/>
-              </a:xfrm>
-              <a:prstGeom prst="trapezoid">
-                <a:avLst/>
-              </a:prstGeom>
-              <a:solidFill>
-                <a:schemeClr val="bg1"/>
-              </a:solidFill>
-              <a:ln>
-                <a:noFill/>
-              </a:ln>
-            </p:spPr>
-            <p:style>
-              <a:lnRef idx="2">
-                <a:schemeClr val="accent1">
-                  <a:shade val="50000"/>
-                </a:schemeClr>
-              </a:lnRef>
-              <a:fillRef idx="1">
-                <a:schemeClr val="accent1"/>
-              </a:fillRef>
-              <a:effectRef idx="0">
-                <a:schemeClr val="accent1"/>
-              </a:effectRef>
-              <a:fontRef idx="minor">
-                <a:schemeClr val="lt1"/>
-              </a:fontRef>
-            </p:style>
-            <p:txBody>
-              <a:bodyPr rtlCol="0" anchor="ctr"/>
-              <a:lstStyle/>
-              <a:p>
-                <a:pPr algn="ctr"/>
-                <a:endParaRPr lang="zh-CN" altLang="en-US"/>
-              </a:p>
-            </p:txBody>
-          </p:sp>
-          <p:sp>
-            <p:nvSpPr>
-              <p:cNvPr id="73" name="Trapezoid 72"/>
-              <p:cNvSpPr/>
-              <p:nvPr/>
-            </p:nvSpPr>
-            <p:spPr>
-              <a:xfrm rot="5400000">
-                <a:off x="956849" y="4187038"/>
-                <a:ext cx="324001" cy="324001"/>
-              </a:xfrm>
-              <a:prstGeom prst="trapezoid">
-                <a:avLst/>
-              </a:prstGeom>
-              <a:solidFill>
-                <a:schemeClr val="bg1"/>
-              </a:solidFill>
-              <a:ln>
-                <a:noFill/>
-              </a:ln>
-            </p:spPr>
-            <p:style>
-              <a:lnRef idx="2">
-                <a:schemeClr val="accent1">
-                  <a:shade val="50000"/>
-                </a:schemeClr>
-              </a:lnRef>
-              <a:fillRef idx="1">
-                <a:schemeClr val="accent1"/>
-              </a:fillRef>
-              <a:effectRef idx="0">
-                <a:schemeClr val="accent1"/>
-              </a:effectRef>
-              <a:fontRef idx="minor">
-                <a:schemeClr val="lt1"/>
-              </a:fontRef>
-            </p:style>
-            <p:txBody>
-              <a:bodyPr rtlCol="0" anchor="ctr"/>
-              <a:lstStyle/>
-              <a:p>
-                <a:pPr algn="ctr"/>
-                <a:endParaRPr lang="zh-CN" altLang="en-US"/>
-              </a:p>
-            </p:txBody>
-          </p:sp>
-          <p:sp>
-            <p:nvSpPr>
-              <p:cNvPr id="74" name="Trapezoid 73"/>
-              <p:cNvSpPr/>
-              <p:nvPr/>
-            </p:nvSpPr>
-            <p:spPr>
-              <a:xfrm rot="5400000">
-                <a:off x="956849" y="4683023"/>
-                <a:ext cx="324001" cy="324001"/>
-              </a:xfrm>
-              <a:prstGeom prst="trapezoid">
-                <a:avLst/>
-              </a:prstGeom>
-              <a:solidFill>
-                <a:schemeClr val="bg1"/>
-              </a:solidFill>
-              <a:ln>
-                <a:noFill/>
-              </a:ln>
-            </p:spPr>
-            <p:style>
-              <a:lnRef idx="2">
-                <a:schemeClr val="accent1">
-                  <a:shade val="50000"/>
-                </a:schemeClr>
-              </a:lnRef>
-              <a:fillRef idx="1">
-                <a:schemeClr val="accent1"/>
-              </a:fillRef>
-              <a:effectRef idx="0">
-                <a:schemeClr val="accent1"/>
-              </a:effectRef>
-              <a:fontRef idx="minor">
-                <a:schemeClr val="lt1"/>
+                <a:schemeClr val="tx1"/>
               </a:fontRef>
             </p:style>
             <p:txBody>
@@ -5080,6 +3437,1634 @@
             </p:txBody>
           </p:sp>
         </p:grpSp>
+      </p:grpSp>
+      <p:grpSp>
+        <p:nvGrpSpPr>
+          <p:cNvPr id="76" name="Group 75"/>
+          <p:cNvGrpSpPr/>
+          <p:nvPr/>
+        </p:nvGrpSpPr>
+        <p:grpSpPr>
+          <a:xfrm>
+            <a:off x="1227307" y="753384"/>
+            <a:ext cx="329670" cy="4253640"/>
+            <a:chOff x="956849" y="753384"/>
+            <a:chExt cx="329670" cy="4253640"/>
+          </a:xfrm>
+        </p:grpSpPr>
+        <p:grpSp>
+          <p:nvGrpSpPr>
+            <p:cNvPr id="65" name="Group 64"/>
+            <p:cNvGrpSpPr/>
+            <p:nvPr/>
+          </p:nvGrpSpPr>
+          <p:grpSpPr>
+            <a:xfrm>
+              <a:off x="956851" y="1005384"/>
+              <a:ext cx="329668" cy="3744000"/>
+              <a:chOff x="956851" y="660914"/>
+              <a:chExt cx="360000" cy="4088470"/>
+            </a:xfrm>
+          </p:grpSpPr>
+          <p:grpSp>
+            <p:nvGrpSpPr>
+              <p:cNvPr id="37" name="Group 36"/>
+              <p:cNvGrpSpPr>
+                <a:grpSpLocks noChangeAspect="1"/>
+              </p:cNvGrpSpPr>
+              <p:nvPr/>
+            </p:nvGrpSpPr>
+            <p:grpSpPr>
+              <a:xfrm rot="10800000">
+                <a:off x="956851" y="3683171"/>
+                <a:ext cx="360000" cy="1066213"/>
+                <a:chOff x="6439437" y="603736"/>
+                <a:chExt cx="1800000" cy="5331066"/>
+              </a:xfrm>
+            </p:grpSpPr>
+            <p:cxnSp>
+              <p:nvCxnSpPr>
+                <p:cNvPr id="11" name="Straight Connector 10"/>
+                <p:cNvCxnSpPr/>
+                <p:nvPr/>
+              </p:nvCxnSpPr>
+              <p:spPr>
+                <a:xfrm>
+                  <a:off x="6439437" y="603736"/>
+                  <a:ext cx="1800000" cy="360000"/>
+                </a:xfrm>
+                <a:prstGeom prst="line">
+                  <a:avLst/>
+                </a:prstGeom>
+                <a:ln w="38100" cap="rnd">
+                  <a:solidFill>
+                    <a:schemeClr val="bg1"/>
+                  </a:solidFill>
+                  <a:round/>
+                </a:ln>
+              </p:spPr>
+              <p:style>
+                <a:lnRef idx="1">
+                  <a:schemeClr val="accent1"/>
+                </a:lnRef>
+                <a:fillRef idx="0">
+                  <a:schemeClr val="accent1"/>
+                </a:fillRef>
+                <a:effectRef idx="0">
+                  <a:schemeClr val="accent1"/>
+                </a:effectRef>
+                <a:fontRef idx="minor">
+                  <a:schemeClr val="tx1"/>
+                </a:fontRef>
+              </p:style>
+            </p:cxnSp>
+            <p:cxnSp>
+              <p:nvCxnSpPr>
+                <p:cNvPr id="24" name="Straight Connector 23"/>
+                <p:cNvCxnSpPr/>
+                <p:nvPr/>
+              </p:nvCxnSpPr>
+              <p:spPr>
+                <a:xfrm>
+                  <a:off x="8239437" y="963736"/>
+                  <a:ext cx="0" cy="973552"/>
+                </a:xfrm>
+                <a:prstGeom prst="line">
+                  <a:avLst/>
+                </a:prstGeom>
+                <a:ln w="38100" cap="rnd">
+                  <a:solidFill>
+                    <a:schemeClr val="bg1"/>
+                  </a:solidFill>
+                  <a:round/>
+                </a:ln>
+              </p:spPr>
+              <p:style>
+                <a:lnRef idx="1">
+                  <a:schemeClr val="accent1"/>
+                </a:lnRef>
+                <a:fillRef idx="0">
+                  <a:schemeClr val="accent1"/>
+                </a:fillRef>
+                <a:effectRef idx="0">
+                  <a:schemeClr val="accent1"/>
+                </a:effectRef>
+                <a:fontRef idx="minor">
+                  <a:schemeClr val="tx1"/>
+                </a:fontRef>
+              </p:style>
+            </p:cxnSp>
+            <p:cxnSp>
+              <p:nvCxnSpPr>
+                <p:cNvPr id="31" name="Straight Connector 30"/>
+                <p:cNvCxnSpPr/>
+                <p:nvPr/>
+              </p:nvCxnSpPr>
+              <p:spPr>
+                <a:xfrm flipV="1">
+                  <a:off x="6439437" y="1937288"/>
+                  <a:ext cx="1800000" cy="360000"/>
+                </a:xfrm>
+                <a:prstGeom prst="line">
+                  <a:avLst/>
+                </a:prstGeom>
+                <a:ln w="38100" cap="rnd">
+                  <a:solidFill>
+                    <a:schemeClr val="bg1"/>
+                  </a:solidFill>
+                  <a:round/>
+                </a:ln>
+              </p:spPr>
+              <p:style>
+                <a:lnRef idx="1">
+                  <a:schemeClr val="accent1"/>
+                </a:lnRef>
+                <a:fillRef idx="0">
+                  <a:schemeClr val="accent1"/>
+                </a:fillRef>
+                <a:effectRef idx="0">
+                  <a:schemeClr val="accent1"/>
+                </a:effectRef>
+                <a:fontRef idx="minor">
+                  <a:schemeClr val="tx1"/>
+                </a:fontRef>
+              </p:style>
+            </p:cxnSp>
+            <p:cxnSp>
+              <p:nvCxnSpPr>
+                <p:cNvPr id="32" name="Straight Connector 31"/>
+                <p:cNvCxnSpPr/>
+                <p:nvPr/>
+              </p:nvCxnSpPr>
+              <p:spPr>
+                <a:xfrm>
+                  <a:off x="6439437" y="2297288"/>
+                  <a:ext cx="0" cy="973552"/>
+                </a:xfrm>
+                <a:prstGeom prst="line">
+                  <a:avLst/>
+                </a:prstGeom>
+                <a:ln w="38100" cap="rnd">
+                  <a:solidFill>
+                    <a:schemeClr val="bg1"/>
+                  </a:solidFill>
+                  <a:round/>
+                </a:ln>
+              </p:spPr>
+              <p:style>
+                <a:lnRef idx="1">
+                  <a:schemeClr val="accent1"/>
+                </a:lnRef>
+                <a:fillRef idx="0">
+                  <a:schemeClr val="accent1"/>
+                </a:fillRef>
+                <a:effectRef idx="0">
+                  <a:schemeClr val="accent1"/>
+                </a:effectRef>
+                <a:fontRef idx="minor">
+                  <a:schemeClr val="tx1"/>
+                </a:fontRef>
+              </p:style>
+            </p:cxnSp>
+            <p:cxnSp>
+              <p:nvCxnSpPr>
+                <p:cNvPr id="33" name="Straight Connector 32"/>
+                <p:cNvCxnSpPr/>
+                <p:nvPr/>
+              </p:nvCxnSpPr>
+              <p:spPr>
+                <a:xfrm>
+                  <a:off x="6439437" y="3269269"/>
+                  <a:ext cx="1800000" cy="360000"/>
+                </a:xfrm>
+                <a:prstGeom prst="line">
+                  <a:avLst/>
+                </a:prstGeom>
+                <a:ln w="38100" cap="rnd">
+                  <a:solidFill>
+                    <a:schemeClr val="bg1"/>
+                  </a:solidFill>
+                  <a:round/>
+                </a:ln>
+              </p:spPr>
+              <p:style>
+                <a:lnRef idx="1">
+                  <a:schemeClr val="accent1"/>
+                </a:lnRef>
+                <a:fillRef idx="0">
+                  <a:schemeClr val="accent1"/>
+                </a:fillRef>
+                <a:effectRef idx="0">
+                  <a:schemeClr val="accent1"/>
+                </a:effectRef>
+                <a:fontRef idx="minor">
+                  <a:schemeClr val="tx1"/>
+                </a:fontRef>
+              </p:style>
+            </p:cxnSp>
+            <p:cxnSp>
+              <p:nvCxnSpPr>
+                <p:cNvPr id="34" name="Straight Connector 33"/>
+                <p:cNvCxnSpPr/>
+                <p:nvPr/>
+              </p:nvCxnSpPr>
+              <p:spPr>
+                <a:xfrm>
+                  <a:off x="8239437" y="3629269"/>
+                  <a:ext cx="0" cy="973552"/>
+                </a:xfrm>
+                <a:prstGeom prst="line">
+                  <a:avLst/>
+                </a:prstGeom>
+                <a:ln w="38100" cap="rnd">
+                  <a:solidFill>
+                    <a:schemeClr val="bg1"/>
+                  </a:solidFill>
+                  <a:round/>
+                </a:ln>
+              </p:spPr>
+              <p:style>
+                <a:lnRef idx="1">
+                  <a:schemeClr val="accent1"/>
+                </a:lnRef>
+                <a:fillRef idx="0">
+                  <a:schemeClr val="accent1"/>
+                </a:fillRef>
+                <a:effectRef idx="0">
+                  <a:schemeClr val="accent1"/>
+                </a:effectRef>
+                <a:fontRef idx="minor">
+                  <a:schemeClr val="tx1"/>
+                </a:fontRef>
+              </p:style>
+            </p:cxnSp>
+            <p:cxnSp>
+              <p:nvCxnSpPr>
+                <p:cNvPr id="35" name="Straight Connector 34"/>
+                <p:cNvCxnSpPr/>
+                <p:nvPr/>
+              </p:nvCxnSpPr>
+              <p:spPr>
+                <a:xfrm flipV="1">
+                  <a:off x="6439437" y="4601250"/>
+                  <a:ext cx="1800000" cy="360000"/>
+                </a:xfrm>
+                <a:prstGeom prst="line">
+                  <a:avLst/>
+                </a:prstGeom>
+                <a:ln w="38100" cap="rnd">
+                  <a:solidFill>
+                    <a:schemeClr val="bg1"/>
+                  </a:solidFill>
+                  <a:round/>
+                </a:ln>
+              </p:spPr>
+              <p:style>
+                <a:lnRef idx="1">
+                  <a:schemeClr val="accent1"/>
+                </a:lnRef>
+                <a:fillRef idx="0">
+                  <a:schemeClr val="accent1"/>
+                </a:fillRef>
+                <a:effectRef idx="0">
+                  <a:schemeClr val="accent1"/>
+                </a:effectRef>
+                <a:fontRef idx="minor">
+                  <a:schemeClr val="tx1"/>
+                </a:fontRef>
+              </p:style>
+            </p:cxnSp>
+            <p:cxnSp>
+              <p:nvCxnSpPr>
+                <p:cNvPr id="36" name="Straight Connector 35"/>
+                <p:cNvCxnSpPr/>
+                <p:nvPr/>
+              </p:nvCxnSpPr>
+              <p:spPr>
+                <a:xfrm>
+                  <a:off x="6439437" y="4961250"/>
+                  <a:ext cx="0" cy="973552"/>
+                </a:xfrm>
+                <a:prstGeom prst="line">
+                  <a:avLst/>
+                </a:prstGeom>
+                <a:ln w="38100" cap="rnd">
+                  <a:solidFill>
+                    <a:schemeClr val="bg1"/>
+                  </a:solidFill>
+                  <a:round/>
+                </a:ln>
+              </p:spPr>
+              <p:style>
+                <a:lnRef idx="1">
+                  <a:schemeClr val="accent1"/>
+                </a:lnRef>
+                <a:fillRef idx="0">
+                  <a:schemeClr val="accent1"/>
+                </a:fillRef>
+                <a:effectRef idx="0">
+                  <a:schemeClr val="accent1"/>
+                </a:effectRef>
+                <a:fontRef idx="minor">
+                  <a:schemeClr val="tx1"/>
+                </a:fontRef>
+              </p:style>
+            </p:cxnSp>
+          </p:grpSp>
+          <p:grpSp>
+            <p:nvGrpSpPr>
+              <p:cNvPr id="38" name="Group 37"/>
+              <p:cNvGrpSpPr>
+                <a:grpSpLocks noChangeAspect="1"/>
+              </p:cNvGrpSpPr>
+              <p:nvPr/>
+            </p:nvGrpSpPr>
+            <p:grpSpPr>
+              <a:xfrm rot="10800000">
+                <a:off x="956851" y="2611872"/>
+                <a:ext cx="360000" cy="1066213"/>
+                <a:chOff x="6439437" y="603736"/>
+                <a:chExt cx="1800000" cy="5331066"/>
+              </a:xfrm>
+            </p:grpSpPr>
+            <p:cxnSp>
+              <p:nvCxnSpPr>
+                <p:cNvPr id="39" name="Straight Connector 38"/>
+                <p:cNvCxnSpPr/>
+                <p:nvPr/>
+              </p:nvCxnSpPr>
+              <p:spPr>
+                <a:xfrm>
+                  <a:off x="6439437" y="603736"/>
+                  <a:ext cx="1800000" cy="360000"/>
+                </a:xfrm>
+                <a:prstGeom prst="line">
+                  <a:avLst/>
+                </a:prstGeom>
+                <a:ln w="38100" cap="rnd">
+                  <a:solidFill>
+                    <a:schemeClr val="bg1"/>
+                  </a:solidFill>
+                  <a:round/>
+                </a:ln>
+              </p:spPr>
+              <p:style>
+                <a:lnRef idx="1">
+                  <a:schemeClr val="accent1"/>
+                </a:lnRef>
+                <a:fillRef idx="0">
+                  <a:schemeClr val="accent1"/>
+                </a:fillRef>
+                <a:effectRef idx="0">
+                  <a:schemeClr val="accent1"/>
+                </a:effectRef>
+                <a:fontRef idx="minor">
+                  <a:schemeClr val="tx1"/>
+                </a:fontRef>
+              </p:style>
+            </p:cxnSp>
+            <p:cxnSp>
+              <p:nvCxnSpPr>
+                <p:cNvPr id="40" name="Straight Connector 39"/>
+                <p:cNvCxnSpPr/>
+                <p:nvPr/>
+              </p:nvCxnSpPr>
+              <p:spPr>
+                <a:xfrm>
+                  <a:off x="8239437" y="963736"/>
+                  <a:ext cx="0" cy="973552"/>
+                </a:xfrm>
+                <a:prstGeom prst="line">
+                  <a:avLst/>
+                </a:prstGeom>
+                <a:ln w="38100" cap="rnd">
+                  <a:solidFill>
+                    <a:schemeClr val="bg1"/>
+                  </a:solidFill>
+                  <a:round/>
+                </a:ln>
+              </p:spPr>
+              <p:style>
+                <a:lnRef idx="1">
+                  <a:schemeClr val="accent1"/>
+                </a:lnRef>
+                <a:fillRef idx="0">
+                  <a:schemeClr val="accent1"/>
+                </a:fillRef>
+                <a:effectRef idx="0">
+                  <a:schemeClr val="accent1"/>
+                </a:effectRef>
+                <a:fontRef idx="minor">
+                  <a:schemeClr val="tx1"/>
+                </a:fontRef>
+              </p:style>
+            </p:cxnSp>
+            <p:cxnSp>
+              <p:nvCxnSpPr>
+                <p:cNvPr id="41" name="Straight Connector 40"/>
+                <p:cNvCxnSpPr/>
+                <p:nvPr/>
+              </p:nvCxnSpPr>
+              <p:spPr>
+                <a:xfrm flipV="1">
+                  <a:off x="6439437" y="1937288"/>
+                  <a:ext cx="1800000" cy="360000"/>
+                </a:xfrm>
+                <a:prstGeom prst="line">
+                  <a:avLst/>
+                </a:prstGeom>
+                <a:ln w="38100" cap="rnd">
+                  <a:solidFill>
+                    <a:schemeClr val="bg1"/>
+                  </a:solidFill>
+                  <a:round/>
+                </a:ln>
+              </p:spPr>
+              <p:style>
+                <a:lnRef idx="1">
+                  <a:schemeClr val="accent1"/>
+                </a:lnRef>
+                <a:fillRef idx="0">
+                  <a:schemeClr val="accent1"/>
+                </a:fillRef>
+                <a:effectRef idx="0">
+                  <a:schemeClr val="accent1"/>
+                </a:effectRef>
+                <a:fontRef idx="minor">
+                  <a:schemeClr val="tx1"/>
+                </a:fontRef>
+              </p:style>
+            </p:cxnSp>
+            <p:cxnSp>
+              <p:nvCxnSpPr>
+                <p:cNvPr id="42" name="Straight Connector 41"/>
+                <p:cNvCxnSpPr/>
+                <p:nvPr/>
+              </p:nvCxnSpPr>
+              <p:spPr>
+                <a:xfrm>
+                  <a:off x="6439437" y="2297288"/>
+                  <a:ext cx="0" cy="973552"/>
+                </a:xfrm>
+                <a:prstGeom prst="line">
+                  <a:avLst/>
+                </a:prstGeom>
+                <a:ln w="38100" cap="rnd">
+                  <a:solidFill>
+                    <a:schemeClr val="bg1"/>
+                  </a:solidFill>
+                  <a:round/>
+                </a:ln>
+              </p:spPr>
+              <p:style>
+                <a:lnRef idx="1">
+                  <a:schemeClr val="accent1"/>
+                </a:lnRef>
+                <a:fillRef idx="0">
+                  <a:schemeClr val="accent1"/>
+                </a:fillRef>
+                <a:effectRef idx="0">
+                  <a:schemeClr val="accent1"/>
+                </a:effectRef>
+                <a:fontRef idx="minor">
+                  <a:schemeClr val="tx1"/>
+                </a:fontRef>
+              </p:style>
+            </p:cxnSp>
+            <p:cxnSp>
+              <p:nvCxnSpPr>
+                <p:cNvPr id="43" name="Straight Connector 42"/>
+                <p:cNvCxnSpPr/>
+                <p:nvPr/>
+              </p:nvCxnSpPr>
+              <p:spPr>
+                <a:xfrm>
+                  <a:off x="6439437" y="3269269"/>
+                  <a:ext cx="1800000" cy="360000"/>
+                </a:xfrm>
+                <a:prstGeom prst="line">
+                  <a:avLst/>
+                </a:prstGeom>
+                <a:ln w="38100" cap="rnd">
+                  <a:solidFill>
+                    <a:schemeClr val="bg1"/>
+                  </a:solidFill>
+                  <a:round/>
+                </a:ln>
+              </p:spPr>
+              <p:style>
+                <a:lnRef idx="1">
+                  <a:schemeClr val="accent1"/>
+                </a:lnRef>
+                <a:fillRef idx="0">
+                  <a:schemeClr val="accent1"/>
+                </a:fillRef>
+                <a:effectRef idx="0">
+                  <a:schemeClr val="accent1"/>
+                </a:effectRef>
+                <a:fontRef idx="minor">
+                  <a:schemeClr val="tx1"/>
+                </a:fontRef>
+              </p:style>
+            </p:cxnSp>
+            <p:cxnSp>
+              <p:nvCxnSpPr>
+                <p:cNvPr id="44" name="Straight Connector 43"/>
+                <p:cNvCxnSpPr/>
+                <p:nvPr/>
+              </p:nvCxnSpPr>
+              <p:spPr>
+                <a:xfrm>
+                  <a:off x="8239437" y="3629269"/>
+                  <a:ext cx="0" cy="973552"/>
+                </a:xfrm>
+                <a:prstGeom prst="line">
+                  <a:avLst/>
+                </a:prstGeom>
+                <a:ln w="38100" cap="rnd">
+                  <a:solidFill>
+                    <a:schemeClr val="bg1"/>
+                  </a:solidFill>
+                  <a:round/>
+                </a:ln>
+              </p:spPr>
+              <p:style>
+                <a:lnRef idx="1">
+                  <a:schemeClr val="accent1"/>
+                </a:lnRef>
+                <a:fillRef idx="0">
+                  <a:schemeClr val="accent1"/>
+                </a:fillRef>
+                <a:effectRef idx="0">
+                  <a:schemeClr val="accent1"/>
+                </a:effectRef>
+                <a:fontRef idx="minor">
+                  <a:schemeClr val="tx1"/>
+                </a:fontRef>
+              </p:style>
+            </p:cxnSp>
+            <p:cxnSp>
+              <p:nvCxnSpPr>
+                <p:cNvPr id="45" name="Straight Connector 44"/>
+                <p:cNvCxnSpPr/>
+                <p:nvPr/>
+              </p:nvCxnSpPr>
+              <p:spPr>
+                <a:xfrm flipV="1">
+                  <a:off x="6439437" y="4601250"/>
+                  <a:ext cx="1800000" cy="360000"/>
+                </a:xfrm>
+                <a:prstGeom prst="line">
+                  <a:avLst/>
+                </a:prstGeom>
+                <a:ln w="38100" cap="rnd">
+                  <a:solidFill>
+                    <a:schemeClr val="bg1"/>
+                  </a:solidFill>
+                  <a:round/>
+                </a:ln>
+              </p:spPr>
+              <p:style>
+                <a:lnRef idx="1">
+                  <a:schemeClr val="accent1"/>
+                </a:lnRef>
+                <a:fillRef idx="0">
+                  <a:schemeClr val="accent1"/>
+                </a:fillRef>
+                <a:effectRef idx="0">
+                  <a:schemeClr val="accent1"/>
+                </a:effectRef>
+                <a:fontRef idx="minor">
+                  <a:schemeClr val="tx1"/>
+                </a:fontRef>
+              </p:style>
+            </p:cxnSp>
+            <p:cxnSp>
+              <p:nvCxnSpPr>
+                <p:cNvPr id="46" name="Straight Connector 45"/>
+                <p:cNvCxnSpPr/>
+                <p:nvPr/>
+              </p:nvCxnSpPr>
+              <p:spPr>
+                <a:xfrm>
+                  <a:off x="6439437" y="4961250"/>
+                  <a:ext cx="0" cy="973552"/>
+                </a:xfrm>
+                <a:prstGeom prst="line">
+                  <a:avLst/>
+                </a:prstGeom>
+                <a:ln w="38100" cap="rnd">
+                  <a:solidFill>
+                    <a:schemeClr val="bg1"/>
+                  </a:solidFill>
+                  <a:round/>
+                </a:ln>
+              </p:spPr>
+              <p:style>
+                <a:lnRef idx="1">
+                  <a:schemeClr val="accent1"/>
+                </a:lnRef>
+                <a:fillRef idx="0">
+                  <a:schemeClr val="accent1"/>
+                </a:fillRef>
+                <a:effectRef idx="0">
+                  <a:schemeClr val="accent1"/>
+                </a:effectRef>
+                <a:fontRef idx="minor">
+                  <a:schemeClr val="tx1"/>
+                </a:fontRef>
+              </p:style>
+            </p:cxnSp>
+          </p:grpSp>
+          <p:grpSp>
+            <p:nvGrpSpPr>
+              <p:cNvPr id="47" name="Group 46"/>
+              <p:cNvGrpSpPr>
+                <a:grpSpLocks noChangeAspect="1"/>
+              </p:cNvGrpSpPr>
+              <p:nvPr/>
+            </p:nvGrpSpPr>
+            <p:grpSpPr>
+              <a:xfrm rot="10800000">
+                <a:off x="956851" y="1537503"/>
+                <a:ext cx="360000" cy="1066213"/>
+                <a:chOff x="6439437" y="603736"/>
+                <a:chExt cx="1800000" cy="5331066"/>
+              </a:xfrm>
+            </p:grpSpPr>
+            <p:cxnSp>
+              <p:nvCxnSpPr>
+                <p:cNvPr id="48" name="Straight Connector 47"/>
+                <p:cNvCxnSpPr/>
+                <p:nvPr/>
+              </p:nvCxnSpPr>
+              <p:spPr>
+                <a:xfrm>
+                  <a:off x="6439437" y="603736"/>
+                  <a:ext cx="1800000" cy="360000"/>
+                </a:xfrm>
+                <a:prstGeom prst="line">
+                  <a:avLst/>
+                </a:prstGeom>
+                <a:ln w="38100" cap="rnd">
+                  <a:solidFill>
+                    <a:schemeClr val="bg1"/>
+                  </a:solidFill>
+                  <a:round/>
+                </a:ln>
+              </p:spPr>
+              <p:style>
+                <a:lnRef idx="1">
+                  <a:schemeClr val="accent1"/>
+                </a:lnRef>
+                <a:fillRef idx="0">
+                  <a:schemeClr val="accent1"/>
+                </a:fillRef>
+                <a:effectRef idx="0">
+                  <a:schemeClr val="accent1"/>
+                </a:effectRef>
+                <a:fontRef idx="minor">
+                  <a:schemeClr val="tx1"/>
+                </a:fontRef>
+              </p:style>
+            </p:cxnSp>
+            <p:cxnSp>
+              <p:nvCxnSpPr>
+                <p:cNvPr id="49" name="Straight Connector 48"/>
+                <p:cNvCxnSpPr/>
+                <p:nvPr/>
+              </p:nvCxnSpPr>
+              <p:spPr>
+                <a:xfrm>
+                  <a:off x="8239437" y="963736"/>
+                  <a:ext cx="0" cy="973552"/>
+                </a:xfrm>
+                <a:prstGeom prst="line">
+                  <a:avLst/>
+                </a:prstGeom>
+                <a:ln w="38100" cap="rnd">
+                  <a:solidFill>
+                    <a:schemeClr val="bg1"/>
+                  </a:solidFill>
+                  <a:round/>
+                </a:ln>
+              </p:spPr>
+              <p:style>
+                <a:lnRef idx="1">
+                  <a:schemeClr val="accent1"/>
+                </a:lnRef>
+                <a:fillRef idx="0">
+                  <a:schemeClr val="accent1"/>
+                </a:fillRef>
+                <a:effectRef idx="0">
+                  <a:schemeClr val="accent1"/>
+                </a:effectRef>
+                <a:fontRef idx="minor">
+                  <a:schemeClr val="tx1"/>
+                </a:fontRef>
+              </p:style>
+            </p:cxnSp>
+            <p:cxnSp>
+              <p:nvCxnSpPr>
+                <p:cNvPr id="50" name="Straight Connector 49"/>
+                <p:cNvCxnSpPr/>
+                <p:nvPr/>
+              </p:nvCxnSpPr>
+              <p:spPr>
+                <a:xfrm flipV="1">
+                  <a:off x="6439437" y="1937288"/>
+                  <a:ext cx="1800000" cy="360000"/>
+                </a:xfrm>
+                <a:prstGeom prst="line">
+                  <a:avLst/>
+                </a:prstGeom>
+                <a:ln w="38100" cap="rnd">
+                  <a:solidFill>
+                    <a:schemeClr val="bg1"/>
+                  </a:solidFill>
+                  <a:round/>
+                </a:ln>
+              </p:spPr>
+              <p:style>
+                <a:lnRef idx="1">
+                  <a:schemeClr val="accent1"/>
+                </a:lnRef>
+                <a:fillRef idx="0">
+                  <a:schemeClr val="accent1"/>
+                </a:fillRef>
+                <a:effectRef idx="0">
+                  <a:schemeClr val="accent1"/>
+                </a:effectRef>
+                <a:fontRef idx="minor">
+                  <a:schemeClr val="tx1"/>
+                </a:fontRef>
+              </p:style>
+            </p:cxnSp>
+            <p:cxnSp>
+              <p:nvCxnSpPr>
+                <p:cNvPr id="51" name="Straight Connector 50"/>
+                <p:cNvCxnSpPr/>
+                <p:nvPr/>
+              </p:nvCxnSpPr>
+              <p:spPr>
+                <a:xfrm>
+                  <a:off x="6439437" y="2297288"/>
+                  <a:ext cx="0" cy="973552"/>
+                </a:xfrm>
+                <a:prstGeom prst="line">
+                  <a:avLst/>
+                </a:prstGeom>
+                <a:ln w="38100" cap="rnd">
+                  <a:solidFill>
+                    <a:schemeClr val="bg1"/>
+                  </a:solidFill>
+                  <a:round/>
+                </a:ln>
+              </p:spPr>
+              <p:style>
+                <a:lnRef idx="1">
+                  <a:schemeClr val="accent1"/>
+                </a:lnRef>
+                <a:fillRef idx="0">
+                  <a:schemeClr val="accent1"/>
+                </a:fillRef>
+                <a:effectRef idx="0">
+                  <a:schemeClr val="accent1"/>
+                </a:effectRef>
+                <a:fontRef idx="minor">
+                  <a:schemeClr val="tx1"/>
+                </a:fontRef>
+              </p:style>
+            </p:cxnSp>
+            <p:cxnSp>
+              <p:nvCxnSpPr>
+                <p:cNvPr id="52" name="Straight Connector 51"/>
+                <p:cNvCxnSpPr/>
+                <p:nvPr/>
+              </p:nvCxnSpPr>
+              <p:spPr>
+                <a:xfrm>
+                  <a:off x="6439437" y="3269269"/>
+                  <a:ext cx="1800000" cy="360000"/>
+                </a:xfrm>
+                <a:prstGeom prst="line">
+                  <a:avLst/>
+                </a:prstGeom>
+                <a:ln w="38100" cap="rnd">
+                  <a:solidFill>
+                    <a:schemeClr val="bg1"/>
+                  </a:solidFill>
+                  <a:round/>
+                </a:ln>
+              </p:spPr>
+              <p:style>
+                <a:lnRef idx="1">
+                  <a:schemeClr val="accent1"/>
+                </a:lnRef>
+                <a:fillRef idx="0">
+                  <a:schemeClr val="accent1"/>
+                </a:fillRef>
+                <a:effectRef idx="0">
+                  <a:schemeClr val="accent1"/>
+                </a:effectRef>
+                <a:fontRef idx="minor">
+                  <a:schemeClr val="tx1"/>
+                </a:fontRef>
+              </p:style>
+            </p:cxnSp>
+            <p:cxnSp>
+              <p:nvCxnSpPr>
+                <p:cNvPr id="53" name="Straight Connector 52"/>
+                <p:cNvCxnSpPr/>
+                <p:nvPr/>
+              </p:nvCxnSpPr>
+              <p:spPr>
+                <a:xfrm>
+                  <a:off x="8239437" y="3629269"/>
+                  <a:ext cx="0" cy="973552"/>
+                </a:xfrm>
+                <a:prstGeom prst="line">
+                  <a:avLst/>
+                </a:prstGeom>
+                <a:ln w="38100" cap="rnd">
+                  <a:solidFill>
+                    <a:schemeClr val="bg1"/>
+                  </a:solidFill>
+                  <a:round/>
+                </a:ln>
+              </p:spPr>
+              <p:style>
+                <a:lnRef idx="1">
+                  <a:schemeClr val="accent1"/>
+                </a:lnRef>
+                <a:fillRef idx="0">
+                  <a:schemeClr val="accent1"/>
+                </a:fillRef>
+                <a:effectRef idx="0">
+                  <a:schemeClr val="accent1"/>
+                </a:effectRef>
+                <a:fontRef idx="minor">
+                  <a:schemeClr val="tx1"/>
+                </a:fontRef>
+              </p:style>
+            </p:cxnSp>
+            <p:cxnSp>
+              <p:nvCxnSpPr>
+                <p:cNvPr id="54" name="Straight Connector 53"/>
+                <p:cNvCxnSpPr/>
+                <p:nvPr/>
+              </p:nvCxnSpPr>
+              <p:spPr>
+                <a:xfrm flipV="1">
+                  <a:off x="6439437" y="4601250"/>
+                  <a:ext cx="1800000" cy="360000"/>
+                </a:xfrm>
+                <a:prstGeom prst="line">
+                  <a:avLst/>
+                </a:prstGeom>
+                <a:ln w="38100" cap="rnd">
+                  <a:solidFill>
+                    <a:schemeClr val="bg1"/>
+                  </a:solidFill>
+                  <a:round/>
+                </a:ln>
+              </p:spPr>
+              <p:style>
+                <a:lnRef idx="1">
+                  <a:schemeClr val="accent1"/>
+                </a:lnRef>
+                <a:fillRef idx="0">
+                  <a:schemeClr val="accent1"/>
+                </a:fillRef>
+                <a:effectRef idx="0">
+                  <a:schemeClr val="accent1"/>
+                </a:effectRef>
+                <a:fontRef idx="minor">
+                  <a:schemeClr val="tx1"/>
+                </a:fontRef>
+              </p:style>
+            </p:cxnSp>
+            <p:cxnSp>
+              <p:nvCxnSpPr>
+                <p:cNvPr id="55" name="Straight Connector 54"/>
+                <p:cNvCxnSpPr/>
+                <p:nvPr/>
+              </p:nvCxnSpPr>
+              <p:spPr>
+                <a:xfrm>
+                  <a:off x="6439437" y="4961250"/>
+                  <a:ext cx="0" cy="973552"/>
+                </a:xfrm>
+                <a:prstGeom prst="line">
+                  <a:avLst/>
+                </a:prstGeom>
+                <a:ln w="38100" cap="rnd">
+                  <a:solidFill>
+                    <a:schemeClr val="bg1"/>
+                  </a:solidFill>
+                  <a:round/>
+                </a:ln>
+              </p:spPr>
+              <p:style>
+                <a:lnRef idx="1">
+                  <a:schemeClr val="accent1"/>
+                </a:lnRef>
+                <a:fillRef idx="0">
+                  <a:schemeClr val="accent1"/>
+                </a:fillRef>
+                <a:effectRef idx="0">
+                  <a:schemeClr val="accent1"/>
+                </a:effectRef>
+                <a:fontRef idx="minor">
+                  <a:schemeClr val="tx1"/>
+                </a:fontRef>
+              </p:style>
+            </p:cxnSp>
+          </p:grpSp>
+          <p:grpSp>
+            <p:nvGrpSpPr>
+              <p:cNvPr id="56" name="Group 55"/>
+              <p:cNvGrpSpPr>
+                <a:grpSpLocks noChangeAspect="1"/>
+              </p:cNvGrpSpPr>
+              <p:nvPr/>
+            </p:nvGrpSpPr>
+            <p:grpSpPr>
+              <a:xfrm rot="10800000">
+                <a:off x="956851" y="660914"/>
+                <a:ext cx="360000" cy="871503"/>
+                <a:chOff x="6439437" y="603736"/>
+                <a:chExt cx="1800000" cy="4357514"/>
+              </a:xfrm>
+            </p:grpSpPr>
+            <p:cxnSp>
+              <p:nvCxnSpPr>
+                <p:cNvPr id="57" name="Straight Connector 56"/>
+                <p:cNvCxnSpPr/>
+                <p:nvPr/>
+              </p:nvCxnSpPr>
+              <p:spPr>
+                <a:xfrm>
+                  <a:off x="6439437" y="603736"/>
+                  <a:ext cx="1800000" cy="360000"/>
+                </a:xfrm>
+                <a:prstGeom prst="line">
+                  <a:avLst/>
+                </a:prstGeom>
+                <a:ln w="38100" cap="rnd">
+                  <a:solidFill>
+                    <a:schemeClr val="bg1"/>
+                  </a:solidFill>
+                  <a:round/>
+                </a:ln>
+              </p:spPr>
+              <p:style>
+                <a:lnRef idx="1">
+                  <a:schemeClr val="accent1"/>
+                </a:lnRef>
+                <a:fillRef idx="0">
+                  <a:schemeClr val="accent1"/>
+                </a:fillRef>
+                <a:effectRef idx="0">
+                  <a:schemeClr val="accent1"/>
+                </a:effectRef>
+                <a:fontRef idx="minor">
+                  <a:schemeClr val="tx1"/>
+                </a:fontRef>
+              </p:style>
+            </p:cxnSp>
+            <p:cxnSp>
+              <p:nvCxnSpPr>
+                <p:cNvPr id="58" name="Straight Connector 57"/>
+                <p:cNvCxnSpPr/>
+                <p:nvPr/>
+              </p:nvCxnSpPr>
+              <p:spPr>
+                <a:xfrm>
+                  <a:off x="8239437" y="963736"/>
+                  <a:ext cx="0" cy="973552"/>
+                </a:xfrm>
+                <a:prstGeom prst="line">
+                  <a:avLst/>
+                </a:prstGeom>
+                <a:ln w="38100" cap="rnd">
+                  <a:solidFill>
+                    <a:schemeClr val="bg1"/>
+                  </a:solidFill>
+                  <a:round/>
+                </a:ln>
+              </p:spPr>
+              <p:style>
+                <a:lnRef idx="1">
+                  <a:schemeClr val="accent1"/>
+                </a:lnRef>
+                <a:fillRef idx="0">
+                  <a:schemeClr val="accent1"/>
+                </a:fillRef>
+                <a:effectRef idx="0">
+                  <a:schemeClr val="accent1"/>
+                </a:effectRef>
+                <a:fontRef idx="minor">
+                  <a:schemeClr val="tx1"/>
+                </a:fontRef>
+              </p:style>
+            </p:cxnSp>
+            <p:cxnSp>
+              <p:nvCxnSpPr>
+                <p:cNvPr id="59" name="Straight Connector 58"/>
+                <p:cNvCxnSpPr/>
+                <p:nvPr/>
+              </p:nvCxnSpPr>
+              <p:spPr>
+                <a:xfrm flipV="1">
+                  <a:off x="6439437" y="1937288"/>
+                  <a:ext cx="1800000" cy="360000"/>
+                </a:xfrm>
+                <a:prstGeom prst="line">
+                  <a:avLst/>
+                </a:prstGeom>
+                <a:ln w="38100" cap="rnd">
+                  <a:solidFill>
+                    <a:schemeClr val="bg1"/>
+                  </a:solidFill>
+                  <a:round/>
+                </a:ln>
+              </p:spPr>
+              <p:style>
+                <a:lnRef idx="1">
+                  <a:schemeClr val="accent1"/>
+                </a:lnRef>
+                <a:fillRef idx="0">
+                  <a:schemeClr val="accent1"/>
+                </a:fillRef>
+                <a:effectRef idx="0">
+                  <a:schemeClr val="accent1"/>
+                </a:effectRef>
+                <a:fontRef idx="minor">
+                  <a:schemeClr val="tx1"/>
+                </a:fontRef>
+              </p:style>
+            </p:cxnSp>
+            <p:cxnSp>
+              <p:nvCxnSpPr>
+                <p:cNvPr id="60" name="Straight Connector 59"/>
+                <p:cNvCxnSpPr/>
+                <p:nvPr/>
+              </p:nvCxnSpPr>
+              <p:spPr>
+                <a:xfrm>
+                  <a:off x="6439437" y="2297288"/>
+                  <a:ext cx="0" cy="973552"/>
+                </a:xfrm>
+                <a:prstGeom prst="line">
+                  <a:avLst/>
+                </a:prstGeom>
+                <a:ln w="38100" cap="rnd">
+                  <a:solidFill>
+                    <a:schemeClr val="bg1"/>
+                  </a:solidFill>
+                  <a:round/>
+                </a:ln>
+              </p:spPr>
+              <p:style>
+                <a:lnRef idx="1">
+                  <a:schemeClr val="accent1"/>
+                </a:lnRef>
+                <a:fillRef idx="0">
+                  <a:schemeClr val="accent1"/>
+                </a:fillRef>
+                <a:effectRef idx="0">
+                  <a:schemeClr val="accent1"/>
+                </a:effectRef>
+                <a:fontRef idx="minor">
+                  <a:schemeClr val="tx1"/>
+                </a:fontRef>
+              </p:style>
+            </p:cxnSp>
+            <p:cxnSp>
+              <p:nvCxnSpPr>
+                <p:cNvPr id="61" name="Straight Connector 60"/>
+                <p:cNvCxnSpPr/>
+                <p:nvPr/>
+              </p:nvCxnSpPr>
+              <p:spPr>
+                <a:xfrm>
+                  <a:off x="6439437" y="3269269"/>
+                  <a:ext cx="1800000" cy="360000"/>
+                </a:xfrm>
+                <a:prstGeom prst="line">
+                  <a:avLst/>
+                </a:prstGeom>
+                <a:ln w="38100" cap="rnd">
+                  <a:solidFill>
+                    <a:schemeClr val="bg1"/>
+                  </a:solidFill>
+                  <a:round/>
+                </a:ln>
+              </p:spPr>
+              <p:style>
+                <a:lnRef idx="1">
+                  <a:schemeClr val="accent1"/>
+                </a:lnRef>
+                <a:fillRef idx="0">
+                  <a:schemeClr val="accent1"/>
+                </a:fillRef>
+                <a:effectRef idx="0">
+                  <a:schemeClr val="accent1"/>
+                </a:effectRef>
+                <a:fontRef idx="minor">
+                  <a:schemeClr val="tx1"/>
+                </a:fontRef>
+              </p:style>
+            </p:cxnSp>
+            <p:cxnSp>
+              <p:nvCxnSpPr>
+                <p:cNvPr id="62" name="Straight Connector 61"/>
+                <p:cNvCxnSpPr/>
+                <p:nvPr/>
+              </p:nvCxnSpPr>
+              <p:spPr>
+                <a:xfrm>
+                  <a:off x="8239437" y="3629269"/>
+                  <a:ext cx="0" cy="973552"/>
+                </a:xfrm>
+                <a:prstGeom prst="line">
+                  <a:avLst/>
+                </a:prstGeom>
+                <a:ln w="38100" cap="rnd">
+                  <a:solidFill>
+                    <a:schemeClr val="bg1"/>
+                  </a:solidFill>
+                  <a:round/>
+                </a:ln>
+              </p:spPr>
+              <p:style>
+                <a:lnRef idx="1">
+                  <a:schemeClr val="accent1"/>
+                </a:lnRef>
+                <a:fillRef idx="0">
+                  <a:schemeClr val="accent1"/>
+                </a:fillRef>
+                <a:effectRef idx="0">
+                  <a:schemeClr val="accent1"/>
+                </a:effectRef>
+                <a:fontRef idx="minor">
+                  <a:schemeClr val="tx1"/>
+                </a:fontRef>
+              </p:style>
+            </p:cxnSp>
+            <p:cxnSp>
+              <p:nvCxnSpPr>
+                <p:cNvPr id="63" name="Straight Connector 62"/>
+                <p:cNvCxnSpPr/>
+                <p:nvPr/>
+              </p:nvCxnSpPr>
+              <p:spPr>
+                <a:xfrm flipV="1">
+                  <a:off x="6439437" y="4601250"/>
+                  <a:ext cx="1800000" cy="360000"/>
+                </a:xfrm>
+                <a:prstGeom prst="line">
+                  <a:avLst/>
+                </a:prstGeom>
+                <a:ln w="38100" cap="rnd">
+                  <a:solidFill>
+                    <a:schemeClr val="bg1"/>
+                  </a:solidFill>
+                  <a:round/>
+                </a:ln>
+              </p:spPr>
+              <p:style>
+                <a:lnRef idx="1">
+                  <a:schemeClr val="accent1"/>
+                </a:lnRef>
+                <a:fillRef idx="0">
+                  <a:schemeClr val="accent1"/>
+                </a:fillRef>
+                <a:effectRef idx="0">
+                  <a:schemeClr val="accent1"/>
+                </a:effectRef>
+                <a:fontRef idx="minor">
+                  <a:schemeClr val="tx1"/>
+                </a:fontRef>
+              </p:style>
+            </p:cxnSp>
+          </p:grpSp>
+        </p:grpSp>
+        <p:sp>
+          <p:nvSpPr>
+            <p:cNvPr id="66" name="Trapezoid 65"/>
+            <p:cNvSpPr/>
+            <p:nvPr/>
+          </p:nvSpPr>
+          <p:spPr>
+            <a:xfrm rot="5400000">
+              <a:off x="956849" y="753384"/>
+              <a:ext cx="324001" cy="324001"/>
+            </a:xfrm>
+            <a:prstGeom prst="trapezoid">
+              <a:avLst/>
+            </a:prstGeom>
+            <a:solidFill>
+              <a:schemeClr val="bg1"/>
+            </a:solidFill>
+            <a:ln>
+              <a:noFill/>
+            </a:ln>
+          </p:spPr>
+          <p:style>
+            <a:lnRef idx="2">
+              <a:schemeClr val="accent1">
+                <a:shade val="50000"/>
+              </a:schemeClr>
+            </a:lnRef>
+            <a:fillRef idx="1">
+              <a:schemeClr val="accent1"/>
+            </a:fillRef>
+            <a:effectRef idx="0">
+              <a:schemeClr val="accent1"/>
+            </a:effectRef>
+            <a:fontRef idx="minor">
+              <a:schemeClr val="lt1"/>
+            </a:fontRef>
+          </p:style>
+          <p:txBody>
+            <a:bodyPr rtlCol="0" anchor="ctr"/>
+            <a:lstStyle/>
+            <a:p>
+              <a:pPr algn="ctr"/>
+              <a:endParaRPr lang="zh-CN" altLang="en-US"/>
+            </a:p>
+          </p:txBody>
+        </p:sp>
+        <p:sp>
+          <p:nvSpPr>
+            <p:cNvPr id="67" name="Trapezoid 66"/>
+            <p:cNvSpPr/>
+            <p:nvPr/>
+          </p:nvSpPr>
+          <p:spPr>
+            <a:xfrm rot="5400000">
+              <a:off x="956849" y="1241575"/>
+              <a:ext cx="324001" cy="324001"/>
+            </a:xfrm>
+            <a:prstGeom prst="trapezoid">
+              <a:avLst/>
+            </a:prstGeom>
+            <a:solidFill>
+              <a:schemeClr val="bg1"/>
+            </a:solidFill>
+            <a:ln>
+              <a:noFill/>
+            </a:ln>
+          </p:spPr>
+          <p:style>
+            <a:lnRef idx="2">
+              <a:schemeClr val="accent1">
+                <a:shade val="50000"/>
+              </a:schemeClr>
+            </a:lnRef>
+            <a:fillRef idx="1">
+              <a:schemeClr val="accent1"/>
+            </a:fillRef>
+            <a:effectRef idx="0">
+              <a:schemeClr val="accent1"/>
+            </a:effectRef>
+            <a:fontRef idx="minor">
+              <a:schemeClr val="lt1"/>
+            </a:fontRef>
+          </p:style>
+          <p:txBody>
+            <a:bodyPr rtlCol="0" anchor="ctr"/>
+            <a:lstStyle/>
+            <a:p>
+              <a:pPr algn="ctr"/>
+              <a:endParaRPr lang="zh-CN" altLang="en-US"/>
+            </a:p>
+          </p:txBody>
+        </p:sp>
+        <p:sp>
+          <p:nvSpPr>
+            <p:cNvPr id="68" name="Trapezoid 67"/>
+            <p:cNvSpPr/>
+            <p:nvPr/>
+          </p:nvSpPr>
+          <p:spPr>
+            <a:xfrm rot="5400000">
+              <a:off x="956849" y="1734129"/>
+              <a:ext cx="324001" cy="324001"/>
+            </a:xfrm>
+            <a:prstGeom prst="trapezoid">
+              <a:avLst/>
+            </a:prstGeom>
+            <a:solidFill>
+              <a:schemeClr val="bg1"/>
+            </a:solidFill>
+            <a:ln>
+              <a:noFill/>
+            </a:ln>
+          </p:spPr>
+          <p:style>
+            <a:lnRef idx="2">
+              <a:schemeClr val="accent1">
+                <a:shade val="50000"/>
+              </a:schemeClr>
+            </a:lnRef>
+            <a:fillRef idx="1">
+              <a:schemeClr val="accent1"/>
+            </a:fillRef>
+            <a:effectRef idx="0">
+              <a:schemeClr val="accent1"/>
+            </a:effectRef>
+            <a:fontRef idx="minor">
+              <a:schemeClr val="lt1"/>
+            </a:fontRef>
+          </p:style>
+          <p:txBody>
+            <a:bodyPr rtlCol="0" anchor="ctr"/>
+            <a:lstStyle/>
+            <a:p>
+              <a:pPr algn="ctr"/>
+              <a:endParaRPr lang="zh-CN" altLang="en-US"/>
+            </a:p>
+          </p:txBody>
+        </p:sp>
+        <p:sp>
+          <p:nvSpPr>
+            <p:cNvPr id="69" name="Trapezoid 68"/>
+            <p:cNvSpPr/>
+            <p:nvPr/>
+          </p:nvSpPr>
+          <p:spPr>
+            <a:xfrm rot="5400000">
+              <a:off x="956849" y="2223041"/>
+              <a:ext cx="324001" cy="324001"/>
+            </a:xfrm>
+            <a:prstGeom prst="trapezoid">
+              <a:avLst/>
+            </a:prstGeom>
+            <a:solidFill>
+              <a:schemeClr val="bg1"/>
+            </a:solidFill>
+            <a:ln>
+              <a:noFill/>
+            </a:ln>
+          </p:spPr>
+          <p:style>
+            <a:lnRef idx="2">
+              <a:schemeClr val="accent1">
+                <a:shade val="50000"/>
+              </a:schemeClr>
+            </a:lnRef>
+            <a:fillRef idx="1">
+              <a:schemeClr val="accent1"/>
+            </a:fillRef>
+            <a:effectRef idx="0">
+              <a:schemeClr val="accent1"/>
+            </a:effectRef>
+            <a:fontRef idx="minor">
+              <a:schemeClr val="lt1"/>
+            </a:fontRef>
+          </p:style>
+          <p:txBody>
+            <a:bodyPr rtlCol="0" anchor="ctr"/>
+            <a:lstStyle/>
+            <a:p>
+              <a:pPr algn="ctr"/>
+              <a:endParaRPr lang="zh-CN" altLang="en-US"/>
+            </a:p>
+          </p:txBody>
+        </p:sp>
+        <p:sp>
+          <p:nvSpPr>
+            <p:cNvPr id="70" name="Trapezoid 69"/>
+            <p:cNvSpPr/>
+            <p:nvPr/>
+          </p:nvSpPr>
+          <p:spPr>
+            <a:xfrm rot="5400000">
+              <a:off x="956849" y="2715942"/>
+              <a:ext cx="324001" cy="324001"/>
+            </a:xfrm>
+            <a:prstGeom prst="trapezoid">
+              <a:avLst/>
+            </a:prstGeom>
+            <a:solidFill>
+              <a:schemeClr val="bg1"/>
+            </a:solidFill>
+            <a:ln>
+              <a:noFill/>
+            </a:ln>
+          </p:spPr>
+          <p:style>
+            <a:lnRef idx="2">
+              <a:schemeClr val="accent1">
+                <a:shade val="50000"/>
+              </a:schemeClr>
+            </a:lnRef>
+            <a:fillRef idx="1">
+              <a:schemeClr val="accent1"/>
+            </a:fillRef>
+            <a:effectRef idx="0">
+              <a:schemeClr val="accent1"/>
+            </a:effectRef>
+            <a:fontRef idx="minor">
+              <a:schemeClr val="lt1"/>
+            </a:fontRef>
+          </p:style>
+          <p:txBody>
+            <a:bodyPr rtlCol="0" anchor="ctr"/>
+            <a:lstStyle/>
+            <a:p>
+              <a:pPr algn="ctr"/>
+              <a:endParaRPr lang="zh-CN" altLang="en-US"/>
+            </a:p>
+          </p:txBody>
+        </p:sp>
+        <p:sp>
+          <p:nvSpPr>
+            <p:cNvPr id="71" name="Trapezoid 70"/>
+            <p:cNvSpPr/>
+            <p:nvPr/>
+          </p:nvSpPr>
+          <p:spPr>
+            <a:xfrm rot="5400000">
+              <a:off x="956849" y="3205610"/>
+              <a:ext cx="324001" cy="324001"/>
+            </a:xfrm>
+            <a:prstGeom prst="trapezoid">
+              <a:avLst/>
+            </a:prstGeom>
+            <a:solidFill>
+              <a:schemeClr val="bg1"/>
+            </a:solidFill>
+            <a:ln>
+              <a:noFill/>
+            </a:ln>
+          </p:spPr>
+          <p:style>
+            <a:lnRef idx="2">
+              <a:schemeClr val="accent1">
+                <a:shade val="50000"/>
+              </a:schemeClr>
+            </a:lnRef>
+            <a:fillRef idx="1">
+              <a:schemeClr val="accent1"/>
+            </a:fillRef>
+            <a:effectRef idx="0">
+              <a:schemeClr val="accent1"/>
+            </a:effectRef>
+            <a:fontRef idx="minor">
+              <a:schemeClr val="lt1"/>
+            </a:fontRef>
+          </p:style>
+          <p:txBody>
+            <a:bodyPr rtlCol="0" anchor="ctr"/>
+            <a:lstStyle/>
+            <a:p>
+              <a:pPr algn="ctr"/>
+              <a:endParaRPr lang="zh-CN" altLang="en-US"/>
+            </a:p>
+          </p:txBody>
+        </p:sp>
+        <p:sp>
+          <p:nvSpPr>
+            <p:cNvPr id="72" name="Trapezoid 71"/>
+            <p:cNvSpPr/>
+            <p:nvPr/>
+          </p:nvSpPr>
+          <p:spPr>
+            <a:xfrm rot="5400000">
+              <a:off x="956849" y="3697755"/>
+              <a:ext cx="324001" cy="324001"/>
+            </a:xfrm>
+            <a:prstGeom prst="trapezoid">
+              <a:avLst/>
+            </a:prstGeom>
+            <a:solidFill>
+              <a:schemeClr val="bg1"/>
+            </a:solidFill>
+            <a:ln>
+              <a:noFill/>
+            </a:ln>
+          </p:spPr>
+          <p:style>
+            <a:lnRef idx="2">
+              <a:schemeClr val="accent1">
+                <a:shade val="50000"/>
+              </a:schemeClr>
+            </a:lnRef>
+            <a:fillRef idx="1">
+              <a:schemeClr val="accent1"/>
+            </a:fillRef>
+            <a:effectRef idx="0">
+              <a:schemeClr val="accent1"/>
+            </a:effectRef>
+            <a:fontRef idx="minor">
+              <a:schemeClr val="lt1"/>
+            </a:fontRef>
+          </p:style>
+          <p:txBody>
+            <a:bodyPr rtlCol="0" anchor="ctr"/>
+            <a:lstStyle/>
+            <a:p>
+              <a:pPr algn="ctr"/>
+              <a:endParaRPr lang="zh-CN" altLang="en-US"/>
+            </a:p>
+          </p:txBody>
+        </p:sp>
+        <p:sp>
+          <p:nvSpPr>
+            <p:cNvPr id="73" name="Trapezoid 72"/>
+            <p:cNvSpPr/>
+            <p:nvPr/>
+          </p:nvSpPr>
+          <p:spPr>
+            <a:xfrm rot="5400000">
+              <a:off x="956849" y="4187038"/>
+              <a:ext cx="324001" cy="324001"/>
+            </a:xfrm>
+            <a:prstGeom prst="trapezoid">
+              <a:avLst/>
+            </a:prstGeom>
+            <a:solidFill>
+              <a:schemeClr val="bg1"/>
+            </a:solidFill>
+            <a:ln>
+              <a:noFill/>
+            </a:ln>
+          </p:spPr>
+          <p:style>
+            <a:lnRef idx="2">
+              <a:schemeClr val="accent1">
+                <a:shade val="50000"/>
+              </a:schemeClr>
+            </a:lnRef>
+            <a:fillRef idx="1">
+              <a:schemeClr val="accent1"/>
+            </a:fillRef>
+            <a:effectRef idx="0">
+              <a:schemeClr val="accent1"/>
+            </a:effectRef>
+            <a:fontRef idx="minor">
+              <a:schemeClr val="lt1"/>
+            </a:fontRef>
+          </p:style>
+          <p:txBody>
+            <a:bodyPr rtlCol="0" anchor="ctr"/>
+            <a:lstStyle/>
+            <a:p>
+              <a:pPr algn="ctr"/>
+              <a:endParaRPr lang="zh-CN" altLang="en-US"/>
+            </a:p>
+          </p:txBody>
+        </p:sp>
+        <p:sp>
+          <p:nvSpPr>
+            <p:cNvPr id="74" name="Trapezoid 73"/>
+            <p:cNvSpPr/>
+            <p:nvPr/>
+          </p:nvSpPr>
+          <p:spPr>
+            <a:xfrm rot="5400000">
+              <a:off x="956849" y="4683023"/>
+              <a:ext cx="324001" cy="324001"/>
+            </a:xfrm>
+            <a:prstGeom prst="trapezoid">
+              <a:avLst/>
+            </a:prstGeom>
+            <a:solidFill>
+              <a:schemeClr val="bg1"/>
+            </a:solidFill>
+            <a:ln>
+              <a:noFill/>
+            </a:ln>
+          </p:spPr>
+          <p:style>
+            <a:lnRef idx="2">
+              <a:schemeClr val="accent1">
+                <a:shade val="50000"/>
+              </a:schemeClr>
+            </a:lnRef>
+            <a:fillRef idx="1">
+              <a:schemeClr val="accent1"/>
+            </a:fillRef>
+            <a:effectRef idx="0">
+              <a:schemeClr val="accent1"/>
+            </a:effectRef>
+            <a:fontRef idx="minor">
+              <a:schemeClr val="lt1"/>
+            </a:fontRef>
+          </p:style>
+          <p:txBody>
+            <a:bodyPr rtlCol="0" anchor="ctr"/>
+            <a:lstStyle/>
+            <a:p>
+              <a:pPr algn="ctr"/>
+              <a:endParaRPr lang="zh-CN" altLang="en-US"/>
+            </a:p>
+          </p:txBody>
+        </p:sp>
       </p:grpSp>
       <p:grpSp>
         <p:nvGrpSpPr>
@@ -5563,6 +5548,198 @@
           </p:grpSp>
         </p:grpSp>
       </p:grpSp>
+      <p:sp>
+        <p:nvSpPr>
+          <p:cNvPr id="75" name="Rectangle 74"/>
+          <p:cNvSpPr>
+            <a:spLocks/>
+          </p:cNvSpPr>
+          <p:nvPr/>
+        </p:nvSpPr>
+        <p:spPr>
+          <a:xfrm>
+            <a:off x="961347" y="1005384"/>
+            <a:ext cx="274463" cy="3744000"/>
+          </a:xfrm>
+          <a:prstGeom prst="rect">
+            <a:avLst/>
+          </a:prstGeom>
+          <a:solidFill>
+            <a:srgbClr val="7030A0"/>
+          </a:solidFill>
+          <a:ln>
+            <a:noFill/>
+          </a:ln>
+        </p:spPr>
+        <p:style>
+          <a:lnRef idx="2">
+            <a:schemeClr val="accent1">
+              <a:shade val="50000"/>
+            </a:schemeClr>
+          </a:lnRef>
+          <a:fillRef idx="1">
+            <a:schemeClr val="accent1"/>
+          </a:fillRef>
+          <a:effectRef idx="0">
+            <a:schemeClr val="accent1"/>
+          </a:effectRef>
+          <a:fontRef idx="minor">
+            <a:schemeClr val="lt1"/>
+          </a:fontRef>
+        </p:style>
+        <p:txBody>
+          <a:bodyPr rtlCol="0" anchor="ctr"/>
+          <a:lstStyle/>
+          <a:p>
+            <a:pPr algn="ctr"/>
+            <a:endParaRPr lang="zh-CN" altLang="en-US"/>
+          </a:p>
+        </p:txBody>
+      </p:sp>
+      <p:sp>
+        <p:nvSpPr>
+          <p:cNvPr id="77" name="Rectangle 76"/>
+          <p:cNvSpPr>
+            <a:spLocks/>
+          </p:cNvSpPr>
+          <p:nvPr/>
+        </p:nvSpPr>
+        <p:spPr>
+          <a:xfrm>
+            <a:off x="1123349" y="1005384"/>
+            <a:ext cx="139959" cy="3744000"/>
+          </a:xfrm>
+          <a:prstGeom prst="rect">
+            <a:avLst/>
+          </a:prstGeom>
+          <a:solidFill>
+            <a:schemeClr val="bg1"/>
+          </a:solidFill>
+          <a:ln>
+            <a:noFill/>
+          </a:ln>
+        </p:spPr>
+        <p:style>
+          <a:lnRef idx="2">
+            <a:schemeClr val="accent1">
+              <a:shade val="50000"/>
+            </a:schemeClr>
+          </a:lnRef>
+          <a:fillRef idx="1">
+            <a:schemeClr val="accent1"/>
+          </a:fillRef>
+          <a:effectRef idx="0">
+            <a:schemeClr val="accent1"/>
+          </a:effectRef>
+          <a:fontRef idx="minor">
+            <a:schemeClr val="lt1"/>
+          </a:fontRef>
+        </p:style>
+        <p:txBody>
+          <a:bodyPr rtlCol="0" anchor="ctr"/>
+          <a:lstStyle/>
+          <a:p>
+            <a:pPr algn="ctr"/>
+            <a:endParaRPr lang="zh-CN" altLang="en-US"/>
+          </a:p>
+        </p:txBody>
+      </p:sp>
+      <p:sp>
+        <p:nvSpPr>
+          <p:cNvPr id="78" name="Rectangle 77"/>
+          <p:cNvSpPr>
+            <a:spLocks/>
+          </p:cNvSpPr>
+          <p:nvPr/>
+        </p:nvSpPr>
+        <p:spPr>
+          <a:xfrm>
+            <a:off x="956852" y="1005384"/>
+            <a:ext cx="659796" cy="227050"/>
+          </a:xfrm>
+          <a:prstGeom prst="rect">
+            <a:avLst/>
+          </a:prstGeom>
+          <a:solidFill>
+            <a:srgbClr val="7030A0"/>
+          </a:solidFill>
+          <a:ln>
+            <a:noFill/>
+          </a:ln>
+        </p:spPr>
+        <p:style>
+          <a:lnRef idx="2">
+            <a:schemeClr val="accent1">
+              <a:shade val="50000"/>
+            </a:schemeClr>
+          </a:lnRef>
+          <a:fillRef idx="1">
+            <a:schemeClr val="accent1"/>
+          </a:fillRef>
+          <a:effectRef idx="0">
+            <a:schemeClr val="accent1"/>
+          </a:effectRef>
+          <a:fontRef idx="minor">
+            <a:schemeClr val="lt1"/>
+          </a:fontRef>
+        </p:style>
+        <p:txBody>
+          <a:bodyPr rtlCol="0" anchor="ctr"/>
+          <a:lstStyle/>
+          <a:p>
+            <a:pPr algn="ctr"/>
+            <a:endParaRPr lang="zh-CN" altLang="en-US"/>
+          </a:p>
+        </p:txBody>
+      </p:sp>
+      <p:sp>
+        <p:nvSpPr>
+          <p:cNvPr id="82" name="Rectangle 81"/>
+          <p:cNvSpPr>
+            <a:spLocks/>
+          </p:cNvSpPr>
+          <p:nvPr/>
+        </p:nvSpPr>
+        <p:spPr>
+          <a:xfrm>
+            <a:off x="956852" y="4523073"/>
+            <a:ext cx="659796" cy="227050"/>
+          </a:xfrm>
+          <a:prstGeom prst="rect">
+            <a:avLst/>
+          </a:prstGeom>
+          <a:solidFill>
+            <a:srgbClr val="7030A0"/>
+          </a:solidFill>
+          <a:ln>
+            <a:noFill/>
+          </a:ln>
+        </p:spPr>
+        <p:style>
+          <a:lnRef idx="2">
+            <a:schemeClr val="accent1">
+              <a:shade val="50000"/>
+            </a:schemeClr>
+          </a:lnRef>
+          <a:fillRef idx="1">
+            <a:schemeClr val="accent1"/>
+          </a:fillRef>
+          <a:effectRef idx="0">
+            <a:schemeClr val="accent1"/>
+          </a:effectRef>
+          <a:fontRef idx="minor">
+            <a:schemeClr val="lt1"/>
+          </a:fontRef>
+        </p:style>
+        <p:txBody>
+          <a:bodyPr rtlCol="0" anchor="ctr"/>
+          <a:lstStyle/>
+          <a:p>
+            <a:pPr algn="ctr"/>
+            <a:endParaRPr lang="zh-CN" altLang="en-US"/>
+          </a:p>
+        </p:txBody>
+      </p:sp>
     </p:spTree>
     <p:extLst>
       <p:ext uri="{BB962C8B-B14F-4D97-AF65-F5344CB8AC3E}">
